--- a/01장/[넘파이]01장.pptx
+++ b/01장/[넘파이]01장.pptx
@@ -5,40 +5,39 @@
     <p:sldMasterId id="2147483735" r:id="rId1"/>
   </p:sldMasterIdLst>
   <p:notesMasterIdLst>
-    <p:notesMasterId r:id="rId30"/>
+    <p:notesMasterId r:id="rId29"/>
   </p:notesMasterIdLst>
   <p:handoutMasterIdLst>
-    <p:handoutMasterId r:id="rId31"/>
+    <p:handoutMasterId r:id="rId30"/>
   </p:handoutMasterIdLst>
   <p:sldIdLst>
-    <p:sldId id="256" r:id="rId2"/>
-    <p:sldId id="1762" r:id="rId3"/>
-    <p:sldId id="1082" r:id="rId4"/>
-    <p:sldId id="1705" r:id="rId5"/>
-    <p:sldId id="1697" r:id="rId6"/>
-    <p:sldId id="1050" r:id="rId7"/>
-    <p:sldId id="1696" r:id="rId8"/>
-    <p:sldId id="1898" r:id="rId9"/>
-    <p:sldId id="1899" r:id="rId10"/>
-    <p:sldId id="1900" r:id="rId11"/>
-    <p:sldId id="1901" r:id="rId12"/>
-    <p:sldId id="1902" r:id="rId13"/>
-    <p:sldId id="1903" r:id="rId14"/>
-    <p:sldId id="1904" r:id="rId15"/>
-    <p:sldId id="1905" r:id="rId16"/>
-    <p:sldId id="1906" r:id="rId17"/>
-    <p:sldId id="1907" r:id="rId18"/>
-    <p:sldId id="1908" r:id="rId19"/>
-    <p:sldId id="1909" r:id="rId20"/>
-    <p:sldId id="1910" r:id="rId21"/>
-    <p:sldId id="1911" r:id="rId22"/>
-    <p:sldId id="1912" r:id="rId23"/>
-    <p:sldId id="1913" r:id="rId24"/>
-    <p:sldId id="1914" r:id="rId25"/>
-    <p:sldId id="1915" r:id="rId26"/>
-    <p:sldId id="1916" r:id="rId27"/>
-    <p:sldId id="1917" r:id="rId28"/>
-    <p:sldId id="1918" r:id="rId29"/>
+    <p:sldId id="1762" r:id="rId2"/>
+    <p:sldId id="1082" r:id="rId3"/>
+    <p:sldId id="1705" r:id="rId4"/>
+    <p:sldId id="1697" r:id="rId5"/>
+    <p:sldId id="1050" r:id="rId6"/>
+    <p:sldId id="1696" r:id="rId7"/>
+    <p:sldId id="1898" r:id="rId8"/>
+    <p:sldId id="1899" r:id="rId9"/>
+    <p:sldId id="1900" r:id="rId10"/>
+    <p:sldId id="1901" r:id="rId11"/>
+    <p:sldId id="1902" r:id="rId12"/>
+    <p:sldId id="1903" r:id="rId13"/>
+    <p:sldId id="1904" r:id="rId14"/>
+    <p:sldId id="1905" r:id="rId15"/>
+    <p:sldId id="1906" r:id="rId16"/>
+    <p:sldId id="1907" r:id="rId17"/>
+    <p:sldId id="1908" r:id="rId18"/>
+    <p:sldId id="1909" r:id="rId19"/>
+    <p:sldId id="1910" r:id="rId20"/>
+    <p:sldId id="1911" r:id="rId21"/>
+    <p:sldId id="1912" r:id="rId22"/>
+    <p:sldId id="1913" r:id="rId23"/>
+    <p:sldId id="1914" r:id="rId24"/>
+    <p:sldId id="1915" r:id="rId25"/>
+    <p:sldId id="1916" r:id="rId26"/>
+    <p:sldId id="1917" r:id="rId27"/>
+    <p:sldId id="1918" r:id="rId28"/>
   </p:sldIdLst>
   <p:sldSz cx="12192000" cy="6858000"/>
   <p:notesSz cx="7104063" cy="10234613"/>
@@ -142,7 +141,6 @@
       <p14:sectionLst xmlns:p14="http://schemas.microsoft.com/office/powerpoint/2010/main">
         <p14:section name="기본 구역" id="{3DAD0238-3560-EE4B-8BA6-3C1EDD243DE1}">
           <p14:sldIdLst>
-            <p14:sldId id="256"/>
             <p14:sldId id="1762"/>
             <p14:sldId id="1082"/>
             <p14:sldId id="1705"/>
@@ -306,7 +304,7 @@
             <a:fld id="{6687BBD7-CCE5-2942-97B4-94371F0B8E1E}" type="datetimeFigureOut">
               <a:rPr kumimoji="1" lang="ko-KR" altLang="en-US" smtClean="0"/>
               <a:pPr/>
-              <a:t>2020-10-03</a:t>
+              <a:t>2020-10-05</a:t>
             </a:fld>
             <a:endParaRPr kumimoji="1" lang="ko-KR" altLang="en-US" dirty="0"/>
           </a:p>
@@ -485,7 +483,7 @@
             <a:fld id="{F1C10679-9C98-6642-B08B-2CF286076737}" type="datetimeFigureOut">
               <a:rPr kumimoji="1" lang="ko-KR" altLang="en-US" smtClean="0"/>
               <a:pPr/>
-              <a:t>2020-10-03</a:t>
+              <a:t>2020-10-05</a:t>
             </a:fld>
             <a:endParaRPr kumimoji="1" lang="ko-KR" altLang="en-US" dirty="0"/>
           </a:p>
@@ -837,7 +835,7 @@
           <a:p>
             <a:fld id="{C764DE79-268F-4C1A-8933-263129D2AF90}" type="datetimeFigureOut">
               <a:rPr lang="en-US" dirty="0"/>
-              <a:t>10/3/2020</a:t>
+              <a:t>10/5/2020</a:t>
             </a:fld>
             <a:endParaRPr lang="en-US" dirty="0"/>
           </a:p>
@@ -1500,123 +1498,6 @@
 </p:sldLayout>
 </file>
 
-<file path=ppt/slideLayouts/slideLayout4.xml><?xml version="1.0" encoding="utf-8"?>
-<p:sldLayout xmlns:a="http://schemas.openxmlformats.org/drawingml/2006/main" xmlns:r="http://schemas.openxmlformats.org/officeDocument/2006/relationships" xmlns:p="http://schemas.openxmlformats.org/presentationml/2006/main" type="titleOnly">
-  <p:cSld name="제목만">
-    <p:spTree>
-      <p:nvGrpSpPr>
-        <p:cNvPr id="1" name=""/>
-        <p:cNvGrpSpPr/>
-        <p:nvPr/>
-      </p:nvGrpSpPr>
-      <p:grpSpPr>
-        <a:xfrm>
-          <a:off x="0" y="0"/>
-          <a:ext cx="0" cy="0"/>
-          <a:chOff x="0" y="0"/>
-          <a:chExt cx="0" cy="0"/>
-        </a:xfrm>
-      </p:grpSpPr>
-      <p:sp>
-        <p:nvSpPr>
-          <p:cNvPr id="2" name="제목 1"/>
-          <p:cNvSpPr>
-            <a:spLocks noGrp="1"/>
-          </p:cNvSpPr>
-          <p:nvPr>
-            <p:ph type="title"/>
-          </p:nvPr>
-        </p:nvSpPr>
-        <p:spPr/>
-        <p:txBody>
-          <a:bodyPr/>
-          <a:lstStyle/>
-          <a:p>
-            <a:r>
-              <a:rPr lang="ko-KR" altLang="en-US"/>
-              <a:t>마스터 제목 스타일 편집</a:t>
-            </a:r>
-          </a:p>
-        </p:txBody>
-      </p:sp>
-      <p:sp>
-        <p:nvSpPr>
-          <p:cNvPr id="3" name="날짜 개체 틀 2"/>
-          <p:cNvSpPr>
-            <a:spLocks noGrp="1"/>
-          </p:cNvSpPr>
-          <p:nvPr>
-            <p:ph type="dt" sz="half" idx="10"/>
-          </p:nvPr>
-        </p:nvSpPr>
-        <p:spPr/>
-        <p:txBody>
-          <a:bodyPr/>
-          <a:lstStyle/>
-          <a:p>
-            <a:fld id="{78AE8197-FF90-4AB7-8A89-2C51F48B1BAD}" type="datetimeFigureOut">
-              <a:rPr lang="ko-KR" altLang="en-US" smtClean="0"/>
-              <a:t>2020-10-03</a:t>
-            </a:fld>
-            <a:endParaRPr lang="ko-KR" altLang="en-US"/>
-          </a:p>
-        </p:txBody>
-      </p:sp>
-      <p:sp>
-        <p:nvSpPr>
-          <p:cNvPr id="4" name="바닥글 개체 틀 3"/>
-          <p:cNvSpPr>
-            <a:spLocks noGrp="1"/>
-          </p:cNvSpPr>
-          <p:nvPr>
-            <p:ph type="ftr" sz="quarter" idx="11"/>
-          </p:nvPr>
-        </p:nvSpPr>
-        <p:spPr/>
-        <p:txBody>
-          <a:bodyPr/>
-          <a:lstStyle/>
-          <a:p>
-            <a:endParaRPr lang="ko-KR" altLang="en-US"/>
-          </a:p>
-        </p:txBody>
-      </p:sp>
-      <p:sp>
-        <p:nvSpPr>
-          <p:cNvPr id="5" name="슬라이드 번호 개체 틀 4"/>
-          <p:cNvSpPr>
-            <a:spLocks noGrp="1"/>
-          </p:cNvSpPr>
-          <p:nvPr>
-            <p:ph type="sldNum" sz="quarter" idx="12"/>
-          </p:nvPr>
-        </p:nvSpPr>
-        <p:spPr/>
-        <p:txBody>
-          <a:bodyPr/>
-          <a:lstStyle/>
-          <a:p>
-            <a:fld id="{602A53D4-1A20-41E7-A164-64FB0163C8F3}" type="slidenum">
-              <a:rPr lang="ko-KR" altLang="en-US" smtClean="0"/>
-              <a:t>‹#›</a:t>
-            </a:fld>
-            <a:endParaRPr lang="ko-KR" altLang="en-US"/>
-          </a:p>
-        </p:txBody>
-      </p:sp>
-    </p:spTree>
-    <p:extLst>
-      <p:ext uri="{BB962C8B-B14F-4D97-AF65-F5344CB8AC3E}">
-        <p14:creationId xmlns:p14="http://schemas.microsoft.com/office/powerpoint/2010/main" val="3829397055"/>
-      </p:ext>
-    </p:extLst>
-  </p:cSld>
-  <p:clrMapOvr>
-    <a:masterClrMapping/>
-  </p:clrMapOvr>
-</p:sldLayout>
-</file>
-
 <file path=ppt/slideMasters/slideMaster1.xml><?xml version="1.0" encoding="utf-8"?>
 <p:sldMaster xmlns:a="http://schemas.openxmlformats.org/drawingml/2006/main" xmlns:r="http://schemas.openxmlformats.org/officeDocument/2006/relationships" xmlns:p="http://schemas.openxmlformats.org/presentationml/2006/main">
   <p:cSld>
@@ -1660,7 +1541,7 @@
             <a:avLst/>
           </a:prstGeom>
           <a:blipFill dpi="0" rotWithShape="1">
-            <a:blip r:embed="rId6">
+            <a:blip r:embed="rId5">
               <a:alphaModFix amt="58000"/>
             </a:blip>
             <a:srcRect/>
@@ -1881,7 +1762,7 @@
           <p:nvPr userDrawn="1"/>
         </p:nvPicPr>
         <p:blipFill>
-          <a:blip r:embed="rId7" cstate="print">
+          <a:blip r:embed="rId6" cstate="print">
             <a:extLst>
               <a:ext uri="{28A0092B-C50C-407E-A947-70E740481C1C}">
                 <a14:useLocalDpi xmlns:a14="http://schemas.microsoft.com/office/drawing/2010/main" val="0"/>
@@ -2028,7 +1909,6 @@
     <p:sldLayoutId id="2147483736" r:id="rId1"/>
     <p:sldLayoutId id="2147483748" r:id="rId2"/>
     <p:sldLayoutId id="2147483749" r:id="rId3"/>
-    <p:sldLayoutId id="2147483750" r:id="rId4"/>
   </p:sldLayoutIdLst>
   <p:hf hdr="0" ftr="0" dt="0"/>
   <p:txStyles>
@@ -2333,10 +2213,10 @@
       </p:grpSpPr>
       <p:pic>
         <p:nvPicPr>
-          <p:cNvPr id="11" name="그림 10">
+          <p:cNvPr id="4" name="그림 3">
             <a:extLst>
               <a:ext uri="{FF2B5EF4-FFF2-40B4-BE49-F238E27FC236}">
-                <a16:creationId xmlns:a16="http://schemas.microsoft.com/office/drawing/2014/main" id="{924E251A-60BE-4B7A-8E7D-FF301E9DB35C}"/>
+                <a16:creationId xmlns:a16="http://schemas.microsoft.com/office/drawing/2014/main" id="{4866C01A-F25A-42CF-877A-3BB217F42EF1}"/>
               </a:ext>
             </a:extLst>
           </p:cNvPr>
@@ -2345,373 +2225,56 @@
           </p:cNvPicPr>
           <p:nvPr/>
         </p:nvPicPr>
-        <p:blipFill rotWithShape="1">
-          <a:blip r:embed="rId2">
-            <a:extLst>
-              <a:ext uri="{28A0092B-C50C-407E-A947-70E740481C1C}">
-                <a14:useLocalDpi xmlns:a14="http://schemas.microsoft.com/office/drawing/2010/main" val="0"/>
-              </a:ext>
-            </a:extLst>
-          </a:blip>
-          <a:srcRect t="14777" b="19564"/>
-          <a:stretch/>
+        <p:blipFill>
+          <a:blip r:embed="rId2"/>
+          <a:stretch>
+            <a:fillRect/>
+          </a:stretch>
         </p:blipFill>
         <p:spPr>
           <a:xfrm>
-            <a:off x="-5872" y="0"/>
-            <a:ext cx="12197872" cy="4503039"/>
+            <a:off x="869592" y="1425771"/>
+            <a:ext cx="3790950" cy="4549287"/>
           </a:xfrm>
           <a:prstGeom prst="rect">
             <a:avLst/>
           </a:prstGeom>
         </p:spPr>
       </p:pic>
-      <p:grpSp>
-        <p:nvGrpSpPr>
-          <p:cNvPr id="2" name="그룹 1">
+      <p:pic>
+        <p:nvPicPr>
+          <p:cNvPr id="6" name="그림 5">
             <a:extLst>
               <a:ext uri="{FF2B5EF4-FFF2-40B4-BE49-F238E27FC236}">
-                <a16:creationId xmlns:a16="http://schemas.microsoft.com/office/drawing/2014/main" id="{E6D11907-169D-4648-8972-55418BFCF4B9}"/>
+                <a16:creationId xmlns:a16="http://schemas.microsoft.com/office/drawing/2014/main" id="{C64321AA-2645-4541-AA3C-05B18E710FA3}"/>
               </a:ext>
             </a:extLst>
           </p:cNvPr>
-          <p:cNvGrpSpPr/>
+          <p:cNvPicPr>
+            <a:picLocks noChangeAspect="1"/>
+          </p:cNvPicPr>
           <p:nvPr/>
-        </p:nvGrpSpPr>
-        <p:grpSpPr>
-          <a:xfrm>
-            <a:off x="3156244" y="1334062"/>
-            <a:ext cx="5727807" cy="4503039"/>
-            <a:chOff x="3686160" y="1770339"/>
-            <a:chExt cx="4541467" cy="3570373"/>
-          </a:xfrm>
-        </p:grpSpPr>
-        <p:sp>
-          <p:nvSpPr>
-            <p:cNvPr id="13" name="직사각형 12">
-              <a:extLst>
-                <a:ext uri="{FF2B5EF4-FFF2-40B4-BE49-F238E27FC236}">
-                  <a16:creationId xmlns:a16="http://schemas.microsoft.com/office/drawing/2014/main" id="{07B17F29-228B-4C89-853F-FD2D2579B514}"/>
-                </a:ext>
-              </a:extLst>
-            </p:cNvPr>
-            <p:cNvSpPr/>
-            <p:nvPr/>
-          </p:nvSpPr>
-          <p:spPr>
-            <a:xfrm>
-              <a:off x="3686160" y="3428734"/>
-              <a:ext cx="4541466" cy="1911978"/>
-            </a:xfrm>
-            <a:prstGeom prst="rect">
-              <a:avLst/>
-            </a:prstGeom>
-            <a:solidFill>
-              <a:srgbClr val="4B7FFF"/>
-            </a:solidFill>
-            <a:ln>
-              <a:noFill/>
-            </a:ln>
-            <a:effectLst>
-              <a:outerShdw blurRad="50800" dist="38100" dir="5400000" algn="t" rotWithShape="0">
-                <a:prstClr val="black">
-                  <a:alpha val="40000"/>
-                </a:prstClr>
-              </a:outerShdw>
-            </a:effectLst>
-          </p:spPr>
-          <p:style>
-            <a:lnRef idx="2">
-              <a:schemeClr val="accent1">
-                <a:shade val="50000"/>
-              </a:schemeClr>
-            </a:lnRef>
-            <a:fillRef idx="1">
-              <a:schemeClr val="accent1"/>
-            </a:fillRef>
-            <a:effectRef idx="0">
-              <a:schemeClr val="accent1"/>
-            </a:effectRef>
-            <a:fontRef idx="minor">
-              <a:schemeClr val="lt1"/>
-            </a:fontRef>
-          </p:style>
-          <p:txBody>
-            <a:bodyPr rtlCol="0" anchor="ctr"/>
-            <a:lstStyle/>
-            <a:p>
-              <a:pPr algn="ctr">
-                <a:defRPr lang="ko-KR" altLang="en-US"/>
-              </a:pPr>
-              <a:r>
-                <a:rPr lang="ko-KR" altLang="en-US" sz="3800" dirty="0">
-                  <a:solidFill>
-                    <a:schemeClr val="bg1"/>
-                  </a:solidFill>
-                  <a:latin typeface="나눔스퀘어 Bold" panose="020B0600000101010101" pitchFamily="50" charset="-127"/>
-                  <a:ea typeface="나눔스퀘어 Bold" panose="020B0600000101010101" pitchFamily="50" charset="-127"/>
-                </a:rPr>
-                <a:t>㈜</a:t>
-              </a:r>
-              <a:r>
-                <a:rPr lang="ko-KR" altLang="en-US" sz="3800" dirty="0" err="1">
-                  <a:solidFill>
-                    <a:schemeClr val="bg1"/>
-                  </a:solidFill>
-                  <a:latin typeface="나눔스퀘어 Bold" panose="020B0600000101010101" pitchFamily="50" charset="-127"/>
-                  <a:ea typeface="나눔스퀘어 Bold" panose="020B0600000101010101" pitchFamily="50" charset="-127"/>
-                </a:rPr>
-                <a:t>잇플</a:t>
-              </a:r>
-              <a:r>
-                <a:rPr lang="en-US" altLang="ko-KR" sz="3800" dirty="0">
-                  <a:solidFill>
-                    <a:schemeClr val="bg1"/>
-                  </a:solidFill>
-                  <a:latin typeface="나눔스퀘어 Bold" panose="020B0600000101010101" pitchFamily="50" charset="-127"/>
-                  <a:ea typeface="나눔스퀘어 Bold" panose="020B0600000101010101" pitchFamily="50" charset="-127"/>
-                </a:rPr>
-                <a:t>ITPLE</a:t>
-              </a:r>
-              <a:endParaRPr lang="ko-KR" altLang="en-US" sz="3800" dirty="0">
-                <a:solidFill>
-                  <a:schemeClr val="bg1"/>
-                </a:solidFill>
-                <a:latin typeface="나눔스퀘어 Bold" panose="020B0600000101010101" pitchFamily="50" charset="-127"/>
-                <a:ea typeface="나눔스퀘어 Bold" panose="020B0600000101010101" pitchFamily="50" charset="-127"/>
-              </a:endParaRPr>
-            </a:p>
-          </p:txBody>
-        </p:sp>
-        <p:sp>
-          <p:nvSpPr>
-            <p:cNvPr id="14" name="양쪽 모서리가 둥근 사각형 41">
-              <a:extLst>
-                <a:ext uri="{FF2B5EF4-FFF2-40B4-BE49-F238E27FC236}">
-                  <a16:creationId xmlns:a16="http://schemas.microsoft.com/office/drawing/2014/main" id="{9C066D4C-1CD5-4D35-AA98-210F4A4A4BE7}"/>
-                </a:ext>
-              </a:extLst>
-            </p:cNvPr>
-            <p:cNvSpPr/>
-            <p:nvPr/>
-          </p:nvSpPr>
-          <p:spPr>
-            <a:xfrm>
-              <a:off x="3686161" y="1770339"/>
-              <a:ext cx="4541466" cy="1658394"/>
-            </a:xfrm>
-            <a:prstGeom prst="round2SameRect">
-              <a:avLst>
-                <a:gd name="adj1" fmla="val 13667"/>
-                <a:gd name="adj2" fmla="val 0"/>
-              </a:avLst>
-            </a:prstGeom>
-            <a:solidFill>
-              <a:schemeClr val="bg1"/>
-            </a:solidFill>
-            <a:ln>
-              <a:noFill/>
-            </a:ln>
-            <a:effectLst>
-              <a:outerShdw blurRad="1257300" dist="38100" dir="16200000" sx="79000" sy="79000" rotWithShape="0">
-                <a:prstClr val="black">
-                  <a:alpha val="40000"/>
-                </a:prstClr>
-              </a:outerShdw>
-            </a:effectLst>
-          </p:spPr>
-          <p:style>
-            <a:lnRef idx="2">
-              <a:schemeClr val="accent1">
-                <a:shade val="50000"/>
-              </a:schemeClr>
-            </a:lnRef>
-            <a:fillRef idx="1">
-              <a:schemeClr val="accent1"/>
-            </a:fillRef>
-            <a:effectRef idx="0">
-              <a:schemeClr val="accent1"/>
-            </a:effectRef>
-            <a:fontRef idx="minor">
-              <a:schemeClr val="lt1"/>
-            </a:fontRef>
-          </p:style>
-          <p:txBody>
-            <a:bodyPr rtlCol="0" anchor="ctr"/>
-            <a:lstStyle/>
-            <a:p>
-              <a:pPr latinLnBrk="0">
-                <a:lnSpc>
-                  <a:spcPct val="150000"/>
-                </a:lnSpc>
-                <a:defRPr/>
-              </a:pPr>
-              <a:endParaRPr lang="ko-KR" altLang="en-US" sz="4000" kern="0" dirty="0">
-                <a:solidFill>
-                  <a:prstClr val="black">
-                    <a:lumMod val="65000"/>
-                    <a:lumOff val="35000"/>
-                  </a:prstClr>
-                </a:solidFill>
-              </a:endParaRPr>
-            </a:p>
-          </p:txBody>
-        </p:sp>
-        <p:pic>
-          <p:nvPicPr>
-            <p:cNvPr id="15" name="그림 14">
-              <a:extLst>
-                <a:ext uri="{FF2B5EF4-FFF2-40B4-BE49-F238E27FC236}">
-                  <a16:creationId xmlns:a16="http://schemas.microsoft.com/office/drawing/2014/main" id="{D02D3BA8-0A16-4770-9DA1-679712525852}"/>
-                </a:ext>
-              </a:extLst>
-            </p:cNvPr>
-            <p:cNvPicPr>
-              <a:picLocks noChangeAspect="1"/>
-            </p:cNvPicPr>
-            <p:nvPr/>
-          </p:nvPicPr>
-          <p:blipFill>
-            <a:blip r:embed="rId3" cstate="print">
-              <a:extLst>
-                <a:ext uri="{28A0092B-C50C-407E-A947-70E740481C1C}">
-                  <a14:useLocalDpi xmlns:a14="http://schemas.microsoft.com/office/drawing/2010/main" val="0"/>
-                </a:ext>
-              </a:extLst>
-            </a:blip>
-            <a:stretch>
-              <a:fillRect/>
-            </a:stretch>
-          </p:blipFill>
-          <p:spPr>
-            <a:xfrm>
-              <a:off x="5143075" y="2459129"/>
-              <a:ext cx="1627636" cy="419116"/>
-            </a:xfrm>
-            <a:prstGeom prst="rect">
-              <a:avLst/>
-            </a:prstGeom>
-          </p:spPr>
-        </p:pic>
-      </p:grpSp>
-      <p:sp>
-        <p:nvSpPr>
-          <p:cNvPr id="9" name="직사각형 8">
-            <a:extLst>
-              <a:ext uri="{FF2B5EF4-FFF2-40B4-BE49-F238E27FC236}">
-                <a16:creationId xmlns:a16="http://schemas.microsoft.com/office/drawing/2014/main" id="{0E8891EB-E54D-4152-9964-6FAECEE5EACF}"/>
-              </a:ext>
-            </a:extLst>
-          </p:cNvPr>
-          <p:cNvSpPr/>
-          <p:nvPr/>
-        </p:nvSpPr>
-        <p:spPr>
-          <a:xfrm flipV="1">
-            <a:off x="0" y="6740434"/>
-            <a:ext cx="12192000" cy="117566"/>
+        </p:nvPicPr>
+        <p:blipFill>
+          <a:blip r:embed="rId3"/>
+          <a:stretch>
+            <a:fillRect/>
+          </a:stretch>
+        </p:blipFill>
+        <p:spPr>
+          <a:xfrm>
+            <a:off x="4937379" y="1425772"/>
+            <a:ext cx="6108192" cy="4549287"/>
           </a:xfrm>
           <a:prstGeom prst="rect">
             <a:avLst/>
           </a:prstGeom>
-          <a:solidFill>
-            <a:schemeClr val="bg1">
-              <a:lumMod val="75000"/>
-            </a:schemeClr>
-          </a:solidFill>
-          <a:ln>
-            <a:noFill/>
-          </a:ln>
-        </p:spPr>
-        <p:style>
-          <a:lnRef idx="2">
-            <a:schemeClr val="accent1">
-              <a:shade val="50000"/>
-            </a:schemeClr>
-          </a:lnRef>
-          <a:fillRef idx="1">
-            <a:schemeClr val="accent1"/>
-          </a:fillRef>
-          <a:effectRef idx="0">
-            <a:schemeClr val="accent1"/>
-          </a:effectRef>
-          <a:fontRef idx="minor">
-            <a:schemeClr val="lt1"/>
-          </a:fontRef>
-        </p:style>
-        <p:txBody>
-          <a:bodyPr rtlCol="0" anchor="ctr"/>
-          <a:lstStyle/>
-          <a:p>
-            <a:pPr algn="ctr"/>
-            <a:endParaRPr lang="ko-KR" altLang="en-US">
-              <a:solidFill>
-                <a:prstClr val="white"/>
-              </a:solidFill>
-            </a:endParaRPr>
-          </a:p>
-        </p:txBody>
-      </p:sp>
-      <p:sp>
-        <p:nvSpPr>
-          <p:cNvPr id="10" name="직사각형 9">
-            <a:extLst>
-              <a:ext uri="{FF2B5EF4-FFF2-40B4-BE49-F238E27FC236}">
-                <a16:creationId xmlns:a16="http://schemas.microsoft.com/office/drawing/2014/main" id="{27F18FEC-9223-4488-AC00-F3986166A8CA}"/>
-              </a:ext>
-            </a:extLst>
-          </p:cNvPr>
-          <p:cNvSpPr/>
-          <p:nvPr/>
-        </p:nvSpPr>
-        <p:spPr>
-          <a:xfrm flipV="1">
-            <a:off x="-1" y="6740434"/>
-            <a:ext cx="2336277" cy="117566"/>
-          </a:xfrm>
-          <a:prstGeom prst="rect">
-            <a:avLst/>
-          </a:prstGeom>
-          <a:solidFill>
-            <a:srgbClr val="4B7FFF"/>
-          </a:solidFill>
-          <a:ln>
-            <a:noFill/>
-          </a:ln>
-        </p:spPr>
-        <p:style>
-          <a:lnRef idx="2">
-            <a:schemeClr val="accent1">
-              <a:shade val="50000"/>
-            </a:schemeClr>
-          </a:lnRef>
-          <a:fillRef idx="1">
-            <a:schemeClr val="accent1"/>
-          </a:fillRef>
-          <a:effectRef idx="0">
-            <a:schemeClr val="accent1"/>
-          </a:effectRef>
-          <a:fontRef idx="minor">
-            <a:schemeClr val="lt1"/>
-          </a:fontRef>
-        </p:style>
-        <p:txBody>
-          <a:bodyPr rtlCol="0" anchor="ctr"/>
-          <a:lstStyle/>
-          <a:p>
-            <a:pPr algn="ctr"/>
-            <a:endParaRPr lang="ko-KR" altLang="en-US">
-              <a:solidFill>
-                <a:prstClr val="white"/>
-              </a:solidFill>
-            </a:endParaRPr>
-          </a:p>
-        </p:txBody>
-      </p:sp>
+        </p:spPr>
+      </p:pic>
     </p:spTree>
     <p:extLst>
       <p:ext uri="{BB962C8B-B14F-4D97-AF65-F5344CB8AC3E}">
-        <p14:creationId xmlns:p14="http://schemas.microsoft.com/office/powerpoint/2010/main" val="1578328039"/>
+        <p14:creationId xmlns:p14="http://schemas.microsoft.com/office/powerpoint/2010/main" val="706167811"/>
       </p:ext>
     </p:extLst>
   </p:cSld>
@@ -2776,33 +2339,19 @@
             </a:pPr>
             <a:r>
               <a:rPr lang="ko-KR" altLang="en-US" sz="2000" b="0" dirty="0"/>
-              <a:t>다차원 배열은 보통 </a:t>
-            </a:r>
-            <a:r>
-              <a:rPr lang="en-US" altLang="ko-KR" sz="2000" b="0" dirty="0"/>
-              <a:t>array </a:t>
-            </a:r>
-            <a:r>
-              <a:rPr lang="ko-KR" altLang="en-US" sz="2000" b="0" dirty="0"/>
-              <a:t>함수를 사용해서 만듭니다</a:t>
+              <a:t>다차원 배열이 만들어지면 데이터는 메모리에 관리합니다</a:t>
             </a:r>
             <a:r>
               <a:rPr lang="en-US" altLang="ko-KR" sz="2000" b="0" dirty="0"/>
               <a:t>. </a:t>
             </a:r>
-          </a:p>
-          <a:p>
-            <a:pPr marL="422041" indent="-422041">
-              <a:buFont typeface="Arial" panose="020B0604020202020204" pitchFamily="34" charset="0"/>
-              <a:buChar char="•"/>
-            </a:pPr>
             <a:r>
               <a:rPr lang="ko-KR" altLang="en-US" sz="2000" b="0" dirty="0"/>
-              <a:t>이 함수에  리스트나 튜플을 인자로  넣고 다차원 배열을 하나 만듭니다</a:t>
+              <a:t>그 내부의 값을 속성으로 접근해서 확인할 수 있습니다</a:t>
             </a:r>
             <a:r>
               <a:rPr lang="en-US" altLang="ko-KR" sz="2000" b="0" dirty="0"/>
-              <a:t>. </a:t>
+              <a:t>.</a:t>
             </a:r>
           </a:p>
         </p:txBody>
@@ -3008,7 +2557,7 @@
                 <a:latin typeface="HY헤드라인M" panose="02030600000101010101" pitchFamily="18" charset="-127"/>
                 <a:ea typeface="HY헤드라인M" panose="02030600000101010101" pitchFamily="18" charset="-127"/>
               </a:rPr>
-              <a:t>다차원 배열  만들기</a:t>
+              <a:t>다차원 배열  데이터 관리</a:t>
             </a:r>
             <a:endParaRPr lang="en-US" altLang="ko-KR" sz="2400" dirty="0">
               <a:solidFill>
@@ -3022,10 +2571,10 @@
       </p:sp>
       <p:pic>
         <p:nvPicPr>
-          <p:cNvPr id="5" name="그림 4">
+          <p:cNvPr id="3" name="그림 2">
             <a:extLst>
               <a:ext uri="{FF2B5EF4-FFF2-40B4-BE49-F238E27FC236}">
-                <a16:creationId xmlns:a16="http://schemas.microsoft.com/office/drawing/2014/main" id="{1F1F72FD-34E2-4346-85C1-EA7097FFFFFE}"/>
+                <a16:creationId xmlns:a16="http://schemas.microsoft.com/office/drawing/2014/main" id="{E57C6FC7-45EF-43F0-883F-A0C256F947EC}"/>
               </a:ext>
             </a:extLst>
           </p:cNvPr>
@@ -3042,38 +2591,8 @@
         </p:blipFill>
         <p:spPr>
           <a:xfrm>
-            <a:off x="853609" y="3328214"/>
-            <a:ext cx="5143500" cy="2609265"/>
-          </a:xfrm>
-          <a:prstGeom prst="rect">
-            <a:avLst/>
-          </a:prstGeom>
-        </p:spPr>
-      </p:pic>
-      <p:pic>
-        <p:nvPicPr>
-          <p:cNvPr id="8" name="그림 7">
-            <a:extLst>
-              <a:ext uri="{FF2B5EF4-FFF2-40B4-BE49-F238E27FC236}">
-                <a16:creationId xmlns:a16="http://schemas.microsoft.com/office/drawing/2014/main" id="{C79AA152-B082-4710-B3E3-06FF15F3BCC6}"/>
-              </a:ext>
-            </a:extLst>
-          </p:cNvPr>
-          <p:cNvPicPr>
-            <a:picLocks noChangeAspect="1"/>
-          </p:cNvPicPr>
-          <p:nvPr/>
-        </p:nvPicPr>
-        <p:blipFill>
-          <a:blip r:embed="rId3"/>
-          <a:stretch>
-            <a:fillRect/>
-          </a:stretch>
-        </p:blipFill>
-        <p:spPr>
-          <a:xfrm>
-            <a:off x="6153150" y="3328214"/>
-            <a:ext cx="5067300" cy="2103322"/>
+            <a:off x="2756154" y="3550907"/>
+            <a:ext cx="5948934" cy="1990725"/>
           </a:xfrm>
           <a:prstGeom prst="rect">
             <a:avLst/>
@@ -3083,7 +2602,7 @@
     </p:spTree>
     <p:extLst>
       <p:ext uri="{BB962C8B-B14F-4D97-AF65-F5344CB8AC3E}">
-        <p14:creationId xmlns:p14="http://schemas.microsoft.com/office/powerpoint/2010/main" val="988145808"/>
+        <p14:creationId xmlns:p14="http://schemas.microsoft.com/office/powerpoint/2010/main" val="3023286725"/>
       </p:ext>
     </p:extLst>
   </p:cSld>
@@ -3147,8 +2666,20 @@
               <a:buChar char="•"/>
             </a:pPr>
             <a:r>
+              <a:rPr lang="en-US" altLang="ko-KR" sz="2000" b="0" dirty="0"/>
+              <a:t>array </a:t>
+            </a:r>
+            <a:r>
               <a:rPr lang="ko-KR" altLang="en-US" sz="2000" b="0" dirty="0"/>
-              <a:t>다차원 배열이 만들어지면 데이터는 메모리에 관리합니다</a:t>
+              <a:t>함수에 </a:t>
+            </a:r>
+            <a:r>
+              <a:rPr lang="en-US" altLang="ko-KR" sz="2000" b="0" dirty="0"/>
+              <a:t>dtype </a:t>
+            </a:r>
+            <a:r>
+              <a:rPr lang="ko-KR" altLang="en-US" sz="2000" b="0" dirty="0"/>
+              <a:t>매개변수에 자료형을 지정해서 다차원 배열을 만듭니다</a:t>
             </a:r>
             <a:r>
               <a:rPr lang="en-US" altLang="ko-KR" sz="2000" b="0" dirty="0"/>
@@ -3156,7 +2687,7 @@
             </a:r>
             <a:r>
               <a:rPr lang="ko-KR" altLang="en-US" sz="2000" b="0" dirty="0"/>
-              <a:t>그 내부의 값을 속성으로 접근해서 확인할 수 있습니다</a:t>
+              <a:t>지정하지 않으면 내부적으로 추론해서 하나의 자료형을 결정합니다</a:t>
             </a:r>
             <a:r>
               <a:rPr lang="en-US" altLang="ko-KR" sz="2000" b="0" dirty="0"/>
@@ -3366,7 +2897,17 @@
                 <a:latin typeface="HY헤드라인M" panose="02030600000101010101" pitchFamily="18" charset="-127"/>
                 <a:ea typeface="HY헤드라인M" panose="02030600000101010101" pitchFamily="18" charset="-127"/>
               </a:rPr>
-              <a:t>다차원 배열  데이터 관리</a:t>
+              <a:t>다차원 배열  </a:t>
+            </a:r>
+            <a:r>
+              <a:rPr lang="ko-KR" altLang="en-US" sz="2400" dirty="0" err="1">
+                <a:solidFill>
+                  <a:schemeClr val="bg1"/>
+                </a:solidFill>
+                <a:latin typeface="HY헤드라인M" panose="02030600000101010101" pitchFamily="18" charset="-127"/>
+                <a:ea typeface="HY헤드라인M" panose="02030600000101010101" pitchFamily="18" charset="-127"/>
+              </a:rPr>
+              <a:t>자료형관리</a:t>
             </a:r>
             <a:endParaRPr lang="en-US" altLang="ko-KR" sz="2400" dirty="0">
               <a:solidFill>
@@ -3380,10 +2921,10 @@
       </p:sp>
       <p:pic>
         <p:nvPicPr>
-          <p:cNvPr id="3" name="그림 2">
+          <p:cNvPr id="5" name="그림 4">
             <a:extLst>
               <a:ext uri="{FF2B5EF4-FFF2-40B4-BE49-F238E27FC236}">
-                <a16:creationId xmlns:a16="http://schemas.microsoft.com/office/drawing/2014/main" id="{E57C6FC7-45EF-43F0-883F-A0C256F947EC}"/>
+                <a16:creationId xmlns:a16="http://schemas.microsoft.com/office/drawing/2014/main" id="{93B25E24-E7E2-49EF-91BA-13B3D78FB898}"/>
               </a:ext>
             </a:extLst>
           </p:cNvPr>
@@ -3400,8 +2941,8 @@
         </p:blipFill>
         <p:spPr>
           <a:xfrm>
-            <a:off x="2756154" y="3550907"/>
-            <a:ext cx="5948934" cy="1990725"/>
+            <a:off x="3425359" y="3125152"/>
+            <a:ext cx="5010150" cy="2416480"/>
           </a:xfrm>
           <a:prstGeom prst="rect">
             <a:avLst/>
@@ -3411,7 +2952,7 @@
     </p:spTree>
     <p:extLst>
       <p:ext uri="{BB962C8B-B14F-4D97-AF65-F5344CB8AC3E}">
-        <p14:creationId xmlns:p14="http://schemas.microsoft.com/office/powerpoint/2010/main" val="3023286725"/>
+        <p14:creationId xmlns:p14="http://schemas.microsoft.com/office/powerpoint/2010/main" val="1377379606"/>
       </p:ext>
     </p:extLst>
   </p:cSld>
@@ -3475,33 +3016,76 @@
               <a:buChar char="•"/>
             </a:pPr>
             <a:r>
+              <a:rPr lang="ko-KR" altLang="en-US" sz="2000" b="0" dirty="0"/>
+              <a:t>리스트가 내포된 리스트를 인자로 전달하면 </a:t>
+            </a:r>
+            <a:r>
               <a:rPr lang="en-US" altLang="ko-KR" sz="2000" b="0" dirty="0"/>
-              <a:t>array </a:t>
+              <a:t>2</a:t>
             </a:r>
             <a:r>
               <a:rPr lang="ko-KR" altLang="en-US" sz="2000" b="0" dirty="0"/>
-              <a:t>함수에 </a:t>
-            </a:r>
-            <a:r>
-              <a:rPr lang="en-US" altLang="ko-KR" sz="2000" b="0" dirty="0"/>
-              <a:t>dtype </a:t>
-            </a:r>
-            <a:r>
-              <a:rPr lang="ko-KR" altLang="en-US" sz="2000" b="0" dirty="0"/>
-              <a:t>매개변수에 자료형을 지정해서 다차원 배열을 만듭니다</a:t>
+              <a:t>차원 배열이 만들어집니다</a:t>
             </a:r>
             <a:r>
               <a:rPr lang="en-US" altLang="ko-KR" sz="2000" b="0" dirty="0"/>
               <a:t>. </a:t>
             </a:r>
-            <a:r>
-              <a:rPr lang="ko-KR" altLang="en-US" sz="2000" b="0" dirty="0"/>
-              <a:t>지정하지 않으면 내부적으로 추론해서 하나의 자료형을 결정합니다</a:t>
-            </a:r>
-            <a:r>
-              <a:rPr lang="en-US" altLang="ko-KR" sz="2000" b="0" dirty="0"/>
+          </a:p>
+          <a:p>
+            <a:pPr marL="422041" indent="-422041">
+              <a:buFont typeface="Arial" panose="020B0604020202020204" pitchFamily="34" charset="0"/>
+              <a:buChar char="•"/>
+            </a:pPr>
+            <a:r>
+              <a:rPr lang="ko-KR" altLang="en-US" sz="2000" dirty="0"/>
+              <a:t>배열의 정보인 형태</a:t>
+            </a:r>
+            <a:r>
+              <a:rPr lang="en-US" altLang="ko-KR" sz="2000" dirty="0"/>
+              <a:t>(shape), </a:t>
+            </a:r>
+            <a:r>
+              <a:rPr lang="ko-KR" altLang="en-US" sz="2000" dirty="0"/>
+              <a:t>차원</a:t>
+            </a:r>
+            <a:r>
+              <a:rPr lang="en-US" altLang="ko-KR" sz="2000" dirty="0"/>
+              <a:t>(ndim), </a:t>
+            </a:r>
+            <a:r>
+              <a:rPr lang="ko-KR" altLang="en-US" sz="2000" dirty="0"/>
+              <a:t>하나의 원소 크기</a:t>
+            </a:r>
+            <a:r>
+              <a:rPr lang="en-US" altLang="ko-KR" sz="2000" dirty="0"/>
+              <a:t>(itemsize), </a:t>
+            </a:r>
+            <a:r>
+              <a:rPr lang="ko-KR" altLang="en-US" sz="2000" dirty="0"/>
+              <a:t>전체 원소 개수</a:t>
+            </a:r>
+            <a:r>
+              <a:rPr lang="en-US" altLang="ko-KR" sz="2000" dirty="0"/>
+              <a:t>(size), </a:t>
+            </a:r>
+            <a:r>
+              <a:rPr lang="ko-KR" altLang="en-US" sz="2000" dirty="0"/>
+              <a:t>원소와 하나의 행의 바이트 크기</a:t>
+            </a:r>
+            <a:r>
+              <a:rPr lang="en-US" altLang="ko-KR" sz="2000" dirty="0"/>
+              <a:t>(strides) </a:t>
+            </a:r>
+            <a:r>
+              <a:rPr lang="ko-KR" altLang="en-US" sz="2000" dirty="0"/>
+              <a:t>속성으로 확인합니다</a:t>
+            </a:r>
+            <a:r>
+              <a:rPr lang="en-US" altLang="ko-KR" sz="2000" dirty="0"/>
               <a:t>.</a:t>
             </a:r>
+            <a:endParaRPr lang="en-US" altLang="ko-KR" sz="2000" b="0" dirty="0"/>
           </a:p>
         </p:txBody>
       </p:sp>
@@ -3699,24 +3283,24 @@
               <a:buNone/>
             </a:pPr>
             <a:r>
-              <a:rPr lang="ko-KR" altLang="en-US" sz="2400" dirty="0">
+              <a:rPr lang="en-US" altLang="ko-KR" sz="2400" dirty="0">
                 <a:solidFill>
                   <a:schemeClr val="bg1"/>
                 </a:solidFill>
                 <a:latin typeface="HY헤드라인M" panose="02030600000101010101" pitchFamily="18" charset="-127"/>
                 <a:ea typeface="HY헤드라인M" panose="02030600000101010101" pitchFamily="18" charset="-127"/>
               </a:rPr>
-              <a:t>다차원 배열  </a:t>
-            </a:r>
-            <a:r>
-              <a:rPr lang="ko-KR" altLang="en-US" sz="2400" dirty="0" err="1">
+              <a:t>2</a:t>
+            </a:r>
+            <a:r>
+              <a:rPr lang="ko-KR" altLang="en-US" sz="2400" dirty="0">
                 <a:solidFill>
                   <a:schemeClr val="bg1"/>
                 </a:solidFill>
                 <a:latin typeface="HY헤드라인M" panose="02030600000101010101" pitchFamily="18" charset="-127"/>
                 <a:ea typeface="HY헤드라인M" panose="02030600000101010101" pitchFamily="18" charset="-127"/>
               </a:rPr>
-              <a:t>자료형관리</a:t>
+              <a:t>차원 배열의 정보 확인</a:t>
             </a:r>
             <a:endParaRPr lang="en-US" altLang="ko-KR" sz="2400" dirty="0">
               <a:solidFill>
@@ -3730,10 +3314,10 @@
       </p:sp>
       <p:pic>
         <p:nvPicPr>
-          <p:cNvPr id="5" name="그림 4">
+          <p:cNvPr id="3" name="그림 2">
             <a:extLst>
               <a:ext uri="{FF2B5EF4-FFF2-40B4-BE49-F238E27FC236}">
-                <a16:creationId xmlns:a16="http://schemas.microsoft.com/office/drawing/2014/main" id="{93B25E24-E7E2-49EF-91BA-13B3D78FB898}"/>
+                <a16:creationId xmlns:a16="http://schemas.microsoft.com/office/drawing/2014/main" id="{5EBDAC1E-7481-4BE3-95CB-E57FFC8A0722}"/>
               </a:ext>
             </a:extLst>
           </p:cNvPr>
@@ -3750,8 +3334,38 @@
         </p:blipFill>
         <p:spPr>
           <a:xfrm>
-            <a:off x="3425359" y="3125152"/>
-            <a:ext cx="5010150" cy="2416480"/>
+            <a:off x="782743" y="3279268"/>
+            <a:ext cx="4956048" cy="2917889"/>
+          </a:xfrm>
+          <a:prstGeom prst="rect">
+            <a:avLst/>
+          </a:prstGeom>
+        </p:spPr>
+      </p:pic>
+      <p:pic>
+        <p:nvPicPr>
+          <p:cNvPr id="7" name="그림 6">
+            <a:extLst>
+              <a:ext uri="{FF2B5EF4-FFF2-40B4-BE49-F238E27FC236}">
+                <a16:creationId xmlns:a16="http://schemas.microsoft.com/office/drawing/2014/main" id="{E5FE78DA-2424-435D-AF35-C20C6DE83625}"/>
+              </a:ext>
+            </a:extLst>
+          </p:cNvPr>
+          <p:cNvPicPr>
+            <a:picLocks noChangeAspect="1"/>
+          </p:cNvPicPr>
+          <p:nvPr/>
+        </p:nvPicPr>
+        <p:blipFill>
+          <a:blip r:embed="rId3"/>
+          <a:stretch>
+            <a:fillRect/>
+          </a:stretch>
+        </p:blipFill>
+        <p:spPr>
+          <a:xfrm>
+            <a:off x="6026170" y="3429000"/>
+            <a:ext cx="4991100" cy="2558621"/>
           </a:xfrm>
           <a:prstGeom prst="rect">
             <a:avLst/>
@@ -3761,7 +3375,7 @@
     </p:spTree>
     <p:extLst>
       <p:ext uri="{BB962C8B-B14F-4D97-AF65-F5344CB8AC3E}">
-        <p14:creationId xmlns:p14="http://schemas.microsoft.com/office/powerpoint/2010/main" val="1377379606"/>
+        <p14:creationId xmlns:p14="http://schemas.microsoft.com/office/powerpoint/2010/main" val="2173865031"/>
       </p:ext>
     </p:extLst>
   </p:cSld>
@@ -3800,8 +3414,8 @@
         </p:nvSpPr>
         <p:spPr>
           <a:xfrm>
-            <a:off x="1009650" y="1535621"/>
-            <a:ext cx="10130407" cy="1524394"/>
+            <a:off x="986847" y="1523687"/>
+            <a:ext cx="9149713" cy="1524394"/>
           </a:xfrm>
           <a:prstGeom prst="rect">
             <a:avLst/>
@@ -3826,15 +3440,7 @@
             </a:pPr>
             <a:r>
               <a:rPr lang="ko-KR" altLang="en-US" sz="2000" b="0" dirty="0"/>
-              <a:t>리스트가 내포된 리스트를 인자로 전달하면 </a:t>
-            </a:r>
-            <a:r>
-              <a:rPr lang="en-US" altLang="ko-KR" sz="2000" b="0" dirty="0"/>
-              <a:t>2</a:t>
-            </a:r>
-            <a:r>
-              <a:rPr lang="ko-KR" altLang="en-US" sz="2000" b="0" dirty="0"/>
-              <a:t>차원 배열이 만들어집니다</a:t>
+              <a:t>다차원 배열의 객체에서 관리하는 구조입니다</a:t>
             </a:r>
             <a:r>
               <a:rPr lang="en-US" altLang="ko-KR" sz="2000" b="0" dirty="0"/>
@@ -3848,51 +3454,11 @@
             </a:pPr>
             <a:r>
               <a:rPr lang="ko-KR" altLang="en-US" sz="2000" dirty="0"/>
-              <a:t>배열의 정보인 형태</a:t>
+              <a:t>속성으로 다차원 배열의 정보를 확인했습니다</a:t>
             </a:r>
             <a:r>
               <a:rPr lang="en-US" altLang="ko-KR" sz="2000" dirty="0"/>
-              <a:t>(shape), </a:t>
-            </a:r>
-            <a:r>
-              <a:rPr lang="ko-KR" altLang="en-US" sz="2000" dirty="0"/>
-              <a:t>차원</a:t>
-            </a:r>
-            <a:r>
-              <a:rPr lang="en-US" altLang="ko-KR" sz="2000" dirty="0"/>
-              <a:t>(ndim), </a:t>
-            </a:r>
-            <a:r>
-              <a:rPr lang="ko-KR" altLang="en-US" sz="2000" dirty="0"/>
-              <a:t>하나의 원소 크기</a:t>
-            </a:r>
-            <a:r>
-              <a:rPr lang="en-US" altLang="ko-KR" sz="2000" dirty="0"/>
-              <a:t>(itemsize), </a:t>
-            </a:r>
-            <a:r>
-              <a:rPr lang="ko-KR" altLang="en-US" sz="2000" dirty="0"/>
-              <a:t>전체 원소 개수</a:t>
-            </a:r>
-            <a:r>
-              <a:rPr lang="en-US" altLang="ko-KR" sz="2000" dirty="0"/>
-              <a:t>(size), </a:t>
-            </a:r>
-            <a:r>
-              <a:rPr lang="ko-KR" altLang="en-US" sz="2000" dirty="0"/>
-              <a:t>원소와 하나의 행의 바이트 크기</a:t>
-            </a:r>
-            <a:r>
-              <a:rPr lang="en-US" altLang="ko-KR" sz="2000" dirty="0"/>
-              <a:t>(strides) </a:t>
-            </a:r>
-            <a:r>
-              <a:rPr lang="ko-KR" altLang="en-US" sz="2000" dirty="0"/>
-              <a:t>속성으로 확인합니다</a:t>
-            </a:r>
-            <a:r>
-              <a:rPr lang="en-US" altLang="ko-KR" sz="2000" dirty="0"/>
-              <a:t>.</a:t>
+              <a:t>. </a:t>
             </a:r>
             <a:endParaRPr lang="en-US" altLang="ko-KR" sz="2000" b="0" dirty="0"/>
           </a:p>
@@ -4099,7 +3665,7 @@
                 <a:latin typeface="HY헤드라인M" panose="02030600000101010101" pitchFamily="18" charset="-127"/>
                 <a:ea typeface="HY헤드라인M" panose="02030600000101010101" pitchFamily="18" charset="-127"/>
               </a:rPr>
-              <a:t>2</a:t>
+              <a:t> </a:t>
             </a:r>
             <a:r>
               <a:rPr lang="ko-KR" altLang="en-US" sz="2400" dirty="0">
@@ -4109,7 +3675,7 @@
                 <a:latin typeface="HY헤드라인M" panose="02030600000101010101" pitchFamily="18" charset="-127"/>
                 <a:ea typeface="HY헤드라인M" panose="02030600000101010101" pitchFamily="18" charset="-127"/>
               </a:rPr>
-              <a:t>차원 배열의 정보 확인</a:t>
+              <a:t>다차원 배열 구조</a:t>
             </a:r>
             <a:endParaRPr lang="en-US" altLang="ko-KR" sz="2400" dirty="0">
               <a:solidFill>
@@ -4123,10 +3689,10 @@
       </p:sp>
       <p:pic>
         <p:nvPicPr>
-          <p:cNvPr id="3" name="그림 2">
+          <p:cNvPr id="5" name="그림 4">
             <a:extLst>
               <a:ext uri="{FF2B5EF4-FFF2-40B4-BE49-F238E27FC236}">
-                <a16:creationId xmlns:a16="http://schemas.microsoft.com/office/drawing/2014/main" id="{5EBDAC1E-7481-4BE3-95CB-E57FFC8A0722}"/>
+                <a16:creationId xmlns:a16="http://schemas.microsoft.com/office/drawing/2014/main" id="{E7B44968-2BB1-4FDB-9054-6E41BE062614}"/>
               </a:ext>
             </a:extLst>
           </p:cNvPr>
@@ -4143,38 +3709,8 @@
         </p:blipFill>
         <p:spPr>
           <a:xfrm>
-            <a:off x="782743" y="3279268"/>
-            <a:ext cx="4956048" cy="2917889"/>
-          </a:xfrm>
-          <a:prstGeom prst="rect">
-            <a:avLst/>
-          </a:prstGeom>
-        </p:spPr>
-      </p:pic>
-      <p:pic>
-        <p:nvPicPr>
-          <p:cNvPr id="7" name="그림 6">
-            <a:extLst>
-              <a:ext uri="{FF2B5EF4-FFF2-40B4-BE49-F238E27FC236}">
-                <a16:creationId xmlns:a16="http://schemas.microsoft.com/office/drawing/2014/main" id="{E5FE78DA-2424-435D-AF35-C20C6DE83625}"/>
-              </a:ext>
-            </a:extLst>
-          </p:cNvPr>
-          <p:cNvPicPr>
-            <a:picLocks noChangeAspect="1"/>
-          </p:cNvPicPr>
-          <p:nvPr/>
-        </p:nvPicPr>
-        <p:blipFill>
-          <a:blip r:embed="rId3"/>
-          <a:stretch>
-            <a:fillRect/>
-          </a:stretch>
-        </p:blipFill>
-        <p:spPr>
-          <a:xfrm>
-            <a:off x="6026170" y="3429000"/>
-            <a:ext cx="4991100" cy="2558621"/>
+            <a:off x="2661287" y="2865201"/>
+            <a:ext cx="6473569" cy="3390341"/>
           </a:xfrm>
           <a:prstGeom prst="rect">
             <a:avLst/>
@@ -4184,7 +3720,7 @@
     </p:spTree>
     <p:extLst>
       <p:ext uri="{BB962C8B-B14F-4D97-AF65-F5344CB8AC3E}">
-        <p14:creationId xmlns:p14="http://schemas.microsoft.com/office/powerpoint/2010/main" val="2173865031"/>
+        <p14:creationId xmlns:p14="http://schemas.microsoft.com/office/powerpoint/2010/main" val="1771313502"/>
       </p:ext>
     </p:extLst>
   </p:cSld>
@@ -4224,351 +3760,6 @@
         <p:spPr>
           <a:xfrm>
             <a:off x="986847" y="1523687"/>
-            <a:ext cx="9149713" cy="1524394"/>
-          </a:xfrm>
-          <a:prstGeom prst="rect">
-            <a:avLst/>
-          </a:prstGeom>
-        </p:spPr>
-        <p:txBody>
-          <a:bodyPr/>
-          <a:lstStyle/>
-          <a:p>
-            <a:pPr marL="0" indent="0">
-              <a:buNone/>
-            </a:pPr>
-            <a:endParaRPr lang="en-US" altLang="ko-KR" sz="1969" dirty="0">
-              <a:latin typeface="HY헤드라인M" panose="02030600000101010101" pitchFamily="18" charset="-127"/>
-              <a:ea typeface="HY헤드라인M" panose="02030600000101010101" pitchFamily="18" charset="-127"/>
-            </a:endParaRPr>
-          </a:p>
-          <a:p>
-            <a:pPr marL="422041" indent="-422041">
-              <a:buFont typeface="Arial" panose="020B0604020202020204" pitchFamily="34" charset="0"/>
-              <a:buChar char="•"/>
-            </a:pPr>
-            <a:r>
-              <a:rPr lang="ko-KR" altLang="en-US" sz="2000" b="0" dirty="0"/>
-              <a:t>다차원 배열의 객체에서 관리하는 구조입니다</a:t>
-            </a:r>
-            <a:r>
-              <a:rPr lang="en-US" altLang="ko-KR" sz="2000" b="0" dirty="0"/>
-              <a:t>. </a:t>
-            </a:r>
-          </a:p>
-          <a:p>
-            <a:pPr marL="422041" indent="-422041">
-              <a:buFont typeface="Arial" panose="020B0604020202020204" pitchFamily="34" charset="0"/>
-              <a:buChar char="•"/>
-            </a:pPr>
-            <a:r>
-              <a:rPr lang="ko-KR" altLang="en-US" sz="2000" dirty="0"/>
-              <a:t>속성으로 다차원 배열의 정보를 확인했습니다</a:t>
-            </a:r>
-            <a:r>
-              <a:rPr lang="en-US" altLang="ko-KR" sz="2000" dirty="0"/>
-              <a:t>. </a:t>
-            </a:r>
-            <a:endParaRPr lang="en-US" altLang="ko-KR" sz="2000" b="0" dirty="0"/>
-          </a:p>
-        </p:txBody>
-      </p:sp>
-      <p:sp>
-        <p:nvSpPr>
-          <p:cNvPr id="10" name="텍스트 개체 틀 3">
-            <a:extLst>
-              <a:ext uri="{FF2B5EF4-FFF2-40B4-BE49-F238E27FC236}">
-                <a16:creationId xmlns:a16="http://schemas.microsoft.com/office/drawing/2014/main" id="{7056A183-B26F-4453-8A67-02D442D85E32}"/>
-              </a:ext>
-            </a:extLst>
-          </p:cNvPr>
-          <p:cNvSpPr txBox="1">
-            <a:spLocks/>
-          </p:cNvSpPr>
-          <p:nvPr/>
-        </p:nvSpPr>
-        <p:spPr>
-          <a:xfrm>
-            <a:off x="1289014" y="1316368"/>
-            <a:ext cx="4272690" cy="414638"/>
-          </a:xfrm>
-          <a:prstGeom prst="rect">
-            <a:avLst/>
-          </a:prstGeom>
-        </p:spPr>
-        <p:txBody>
-          <a:bodyPr/>
-          <a:lstStyle>
-            <a:lvl1pPr marL="228600" indent="-228600" algn="l" defTabSz="914400" rtl="0" eaLnBrk="1" latinLnBrk="1" hangingPunct="1">
-              <a:lnSpc>
-                <a:spcPct val="90000"/>
-              </a:lnSpc>
-              <a:spcBef>
-                <a:spcPts val="1000"/>
-              </a:spcBef>
-              <a:buFont typeface="Arial" panose="020B0604020202020204" pitchFamily="34" charset="0"/>
-              <a:buChar char="•"/>
-              <a:defRPr sz="2800" kern="1200">
-                <a:solidFill>
-                  <a:schemeClr val="tx1"/>
-                </a:solidFill>
-                <a:latin typeface="+mn-lt"/>
-                <a:ea typeface="+mn-ea"/>
-                <a:cs typeface="+mn-cs"/>
-              </a:defRPr>
-            </a:lvl1pPr>
-            <a:lvl2pPr marL="685800" indent="-228600" algn="l" defTabSz="914400" rtl="0" eaLnBrk="1" latinLnBrk="1" hangingPunct="1">
-              <a:lnSpc>
-                <a:spcPct val="90000"/>
-              </a:lnSpc>
-              <a:spcBef>
-                <a:spcPts val="500"/>
-              </a:spcBef>
-              <a:buFont typeface="Arial" panose="020B0604020202020204" pitchFamily="34" charset="0"/>
-              <a:buChar char="•"/>
-              <a:defRPr sz="2400" kern="1200">
-                <a:solidFill>
-                  <a:schemeClr val="tx1"/>
-                </a:solidFill>
-                <a:latin typeface="+mn-lt"/>
-                <a:ea typeface="+mn-ea"/>
-                <a:cs typeface="+mn-cs"/>
-              </a:defRPr>
-            </a:lvl2pPr>
-            <a:lvl3pPr marL="1143000" indent="-228600" algn="l" defTabSz="914400" rtl="0" eaLnBrk="1" latinLnBrk="1" hangingPunct="1">
-              <a:lnSpc>
-                <a:spcPct val="90000"/>
-              </a:lnSpc>
-              <a:spcBef>
-                <a:spcPts val="500"/>
-              </a:spcBef>
-              <a:buFont typeface="Arial" panose="020B0604020202020204" pitchFamily="34" charset="0"/>
-              <a:buChar char="•"/>
-              <a:defRPr sz="2000" kern="1200">
-                <a:solidFill>
-                  <a:schemeClr val="tx1"/>
-                </a:solidFill>
-                <a:latin typeface="+mn-lt"/>
-                <a:ea typeface="+mn-ea"/>
-                <a:cs typeface="+mn-cs"/>
-              </a:defRPr>
-            </a:lvl3pPr>
-            <a:lvl4pPr marL="1600200" indent="-228600" algn="l" defTabSz="914400" rtl="0" eaLnBrk="1" latinLnBrk="1" hangingPunct="1">
-              <a:lnSpc>
-                <a:spcPct val="90000"/>
-              </a:lnSpc>
-              <a:spcBef>
-                <a:spcPts val="500"/>
-              </a:spcBef>
-              <a:buFont typeface="Arial" panose="020B0604020202020204" pitchFamily="34" charset="0"/>
-              <a:buChar char="•"/>
-              <a:defRPr sz="1800" kern="1200">
-                <a:solidFill>
-                  <a:schemeClr val="tx1"/>
-                </a:solidFill>
-                <a:latin typeface="+mn-lt"/>
-                <a:ea typeface="+mn-ea"/>
-                <a:cs typeface="+mn-cs"/>
-              </a:defRPr>
-            </a:lvl4pPr>
-            <a:lvl5pPr marL="2057400" indent="-228600" algn="l" defTabSz="914400" rtl="0" eaLnBrk="1" latinLnBrk="1" hangingPunct="1">
-              <a:lnSpc>
-                <a:spcPct val="90000"/>
-              </a:lnSpc>
-              <a:spcBef>
-                <a:spcPts val="500"/>
-              </a:spcBef>
-              <a:buFont typeface="Arial" panose="020B0604020202020204" pitchFamily="34" charset="0"/>
-              <a:buChar char="•"/>
-              <a:defRPr sz="1800" kern="1200">
-                <a:solidFill>
-                  <a:schemeClr val="tx1"/>
-                </a:solidFill>
-                <a:latin typeface="+mn-lt"/>
-                <a:ea typeface="+mn-ea"/>
-                <a:cs typeface="+mn-cs"/>
-              </a:defRPr>
-            </a:lvl5pPr>
-            <a:lvl6pPr marL="2514600" indent="-228600" algn="l" defTabSz="914400" rtl="0" eaLnBrk="1" latinLnBrk="1" hangingPunct="1">
-              <a:lnSpc>
-                <a:spcPct val="90000"/>
-              </a:lnSpc>
-              <a:spcBef>
-                <a:spcPts val="500"/>
-              </a:spcBef>
-              <a:buFont typeface="Arial" panose="020B0604020202020204" pitchFamily="34" charset="0"/>
-              <a:buChar char="•"/>
-              <a:defRPr sz="1800" kern="1200">
-                <a:solidFill>
-                  <a:schemeClr val="tx1"/>
-                </a:solidFill>
-                <a:latin typeface="+mn-lt"/>
-                <a:ea typeface="+mn-ea"/>
-                <a:cs typeface="+mn-cs"/>
-              </a:defRPr>
-            </a:lvl6pPr>
-            <a:lvl7pPr marL="2971800" indent="-228600" algn="l" defTabSz="914400" rtl="0" eaLnBrk="1" latinLnBrk="1" hangingPunct="1">
-              <a:lnSpc>
-                <a:spcPct val="90000"/>
-              </a:lnSpc>
-              <a:spcBef>
-                <a:spcPts val="500"/>
-              </a:spcBef>
-              <a:buFont typeface="Arial" panose="020B0604020202020204" pitchFamily="34" charset="0"/>
-              <a:buChar char="•"/>
-              <a:defRPr sz="1800" kern="1200">
-                <a:solidFill>
-                  <a:schemeClr val="tx1"/>
-                </a:solidFill>
-                <a:latin typeface="+mn-lt"/>
-                <a:ea typeface="+mn-ea"/>
-                <a:cs typeface="+mn-cs"/>
-              </a:defRPr>
-            </a:lvl7pPr>
-            <a:lvl8pPr marL="3429000" indent="-228600" algn="l" defTabSz="914400" rtl="0" eaLnBrk="1" latinLnBrk="1" hangingPunct="1">
-              <a:lnSpc>
-                <a:spcPct val="90000"/>
-              </a:lnSpc>
-              <a:spcBef>
-                <a:spcPts val="500"/>
-              </a:spcBef>
-              <a:buFont typeface="Arial" panose="020B0604020202020204" pitchFamily="34" charset="0"/>
-              <a:buChar char="•"/>
-              <a:defRPr sz="1800" kern="1200">
-                <a:solidFill>
-                  <a:schemeClr val="tx1"/>
-                </a:solidFill>
-                <a:latin typeface="+mn-lt"/>
-                <a:ea typeface="+mn-ea"/>
-                <a:cs typeface="+mn-cs"/>
-              </a:defRPr>
-            </a:lvl8pPr>
-            <a:lvl9pPr marL="3886200" indent="-228600" algn="l" defTabSz="914400" rtl="0" eaLnBrk="1" latinLnBrk="1" hangingPunct="1">
-              <a:lnSpc>
-                <a:spcPct val="90000"/>
-              </a:lnSpc>
-              <a:spcBef>
-                <a:spcPts val="500"/>
-              </a:spcBef>
-              <a:buFont typeface="Arial" panose="020B0604020202020204" pitchFamily="34" charset="0"/>
-              <a:buChar char="•"/>
-              <a:defRPr sz="1800" kern="1200">
-                <a:solidFill>
-                  <a:schemeClr val="tx1"/>
-                </a:solidFill>
-                <a:latin typeface="+mn-lt"/>
-                <a:ea typeface="+mn-ea"/>
-                <a:cs typeface="+mn-cs"/>
-              </a:defRPr>
-            </a:lvl9pPr>
-          </a:lstStyle>
-          <a:p>
-            <a:pPr marL="0" indent="0">
-              <a:buNone/>
-            </a:pPr>
-            <a:r>
-              <a:rPr lang="en-US" altLang="ko-KR" sz="2400" dirty="0">
-                <a:solidFill>
-                  <a:schemeClr val="bg1"/>
-                </a:solidFill>
-                <a:latin typeface="HY헤드라인M" panose="02030600000101010101" pitchFamily="18" charset="-127"/>
-                <a:ea typeface="HY헤드라인M" panose="02030600000101010101" pitchFamily="18" charset="-127"/>
-              </a:rPr>
-              <a:t> </a:t>
-            </a:r>
-            <a:r>
-              <a:rPr lang="ko-KR" altLang="en-US" sz="2400" dirty="0">
-                <a:solidFill>
-                  <a:schemeClr val="bg1"/>
-                </a:solidFill>
-                <a:latin typeface="HY헤드라인M" panose="02030600000101010101" pitchFamily="18" charset="-127"/>
-                <a:ea typeface="HY헤드라인M" panose="02030600000101010101" pitchFamily="18" charset="-127"/>
-              </a:rPr>
-              <a:t>다차원 배열 구조</a:t>
-            </a:r>
-            <a:endParaRPr lang="en-US" altLang="ko-KR" sz="2400" dirty="0">
-              <a:solidFill>
-                <a:schemeClr val="bg1"/>
-              </a:solidFill>
-              <a:latin typeface="HY헤드라인M" panose="02030600000101010101" pitchFamily="18" charset="-127"/>
-              <a:ea typeface="HY헤드라인M" panose="02030600000101010101" pitchFamily="18" charset="-127"/>
-            </a:endParaRPr>
-          </a:p>
-        </p:txBody>
-      </p:sp>
-      <p:pic>
-        <p:nvPicPr>
-          <p:cNvPr id="5" name="그림 4">
-            <a:extLst>
-              <a:ext uri="{FF2B5EF4-FFF2-40B4-BE49-F238E27FC236}">
-                <a16:creationId xmlns:a16="http://schemas.microsoft.com/office/drawing/2014/main" id="{E7B44968-2BB1-4FDB-9054-6E41BE062614}"/>
-              </a:ext>
-            </a:extLst>
-          </p:cNvPr>
-          <p:cNvPicPr>
-            <a:picLocks noChangeAspect="1"/>
-          </p:cNvPicPr>
-          <p:nvPr/>
-        </p:nvPicPr>
-        <p:blipFill>
-          <a:blip r:embed="rId2"/>
-          <a:stretch>
-            <a:fillRect/>
-          </a:stretch>
-        </p:blipFill>
-        <p:spPr>
-          <a:xfrm>
-            <a:off x="2661287" y="2865201"/>
-            <a:ext cx="6473569" cy="3390341"/>
-          </a:xfrm>
-          <a:prstGeom prst="rect">
-            <a:avLst/>
-          </a:prstGeom>
-        </p:spPr>
-      </p:pic>
-    </p:spTree>
-    <p:extLst>
-      <p:ext uri="{BB962C8B-B14F-4D97-AF65-F5344CB8AC3E}">
-        <p14:creationId xmlns:p14="http://schemas.microsoft.com/office/powerpoint/2010/main" val="1771313502"/>
-      </p:ext>
-    </p:extLst>
-  </p:cSld>
-  <p:clrMapOvr>
-    <a:masterClrMapping/>
-  </p:clrMapOvr>
-</p:sld>
-</file>
-
-<file path=ppt/slides/slide15.xml><?xml version="1.0" encoding="utf-8"?>
-<p:sld xmlns:a="http://schemas.openxmlformats.org/drawingml/2006/main" xmlns:r="http://schemas.openxmlformats.org/officeDocument/2006/relationships" xmlns:p="http://schemas.openxmlformats.org/presentationml/2006/main">
-  <p:cSld>
-    <p:spTree>
-      <p:nvGrpSpPr>
-        <p:cNvPr id="1" name=""/>
-        <p:cNvGrpSpPr/>
-        <p:nvPr/>
-      </p:nvGrpSpPr>
-      <p:grpSpPr>
-        <a:xfrm>
-          <a:off x="0" y="0"/>
-          <a:ext cx="0" cy="0"/>
-          <a:chOff x="0" y="0"/>
-          <a:chExt cx="0" cy="0"/>
-        </a:xfrm>
-      </p:grpSpPr>
-      <p:sp>
-        <p:nvSpPr>
-          <p:cNvPr id="4" name="텍스트 개체 틀 3"/>
-          <p:cNvSpPr>
-            <a:spLocks noGrp="1"/>
-          </p:cNvSpPr>
-          <p:nvPr>
-            <p:ph type="body" sz="quarter" idx="4294967295"/>
-          </p:nvPr>
-        </p:nvSpPr>
-        <p:spPr>
-          <a:xfrm>
-            <a:off x="986847" y="1523687"/>
             <a:ext cx="10123113" cy="1524394"/>
           </a:xfrm>
           <a:prstGeom prst="rect">
@@ -4946,7 +4137,7 @@
 </p:sld>
 </file>
 
-<file path=ppt/slides/slide16.xml><?xml version="1.0" encoding="utf-8"?>
+<file path=ppt/slides/slide15.xml><?xml version="1.0" encoding="utf-8"?>
 <p:sld xmlns:a="http://schemas.openxmlformats.org/drawingml/2006/main" xmlns:r="http://schemas.openxmlformats.org/officeDocument/2006/relationships" xmlns:p="http://schemas.openxmlformats.org/presentationml/2006/main">
   <p:cSld>
     <p:spTree>
@@ -5003,6 +4194,366 @@
     <p:extLst>
       <p:ext uri="{BB962C8B-B14F-4D97-AF65-F5344CB8AC3E}">
         <p14:creationId xmlns:p14="http://schemas.microsoft.com/office/powerpoint/2010/main" val="434110113"/>
+      </p:ext>
+    </p:extLst>
+  </p:cSld>
+  <p:clrMapOvr>
+    <a:masterClrMapping/>
+  </p:clrMapOvr>
+</p:sld>
+</file>
+
+<file path=ppt/slides/slide16.xml><?xml version="1.0" encoding="utf-8"?>
+<p:sld xmlns:a="http://schemas.openxmlformats.org/drawingml/2006/main" xmlns:r="http://schemas.openxmlformats.org/officeDocument/2006/relationships" xmlns:p="http://schemas.openxmlformats.org/presentationml/2006/main">
+  <p:cSld>
+    <p:spTree>
+      <p:nvGrpSpPr>
+        <p:cNvPr id="1" name=""/>
+        <p:cNvGrpSpPr/>
+        <p:nvPr/>
+      </p:nvGrpSpPr>
+      <p:grpSpPr>
+        <a:xfrm>
+          <a:off x="0" y="0"/>
+          <a:ext cx="0" cy="0"/>
+          <a:chOff x="0" y="0"/>
+          <a:chExt cx="0" cy="0"/>
+        </a:xfrm>
+      </p:grpSpPr>
+      <p:sp>
+        <p:nvSpPr>
+          <p:cNvPr id="4" name="텍스트 개체 틀 3"/>
+          <p:cNvSpPr>
+            <a:spLocks noGrp="1"/>
+          </p:cNvSpPr>
+          <p:nvPr>
+            <p:ph type="body" sz="quarter" idx="4294967295"/>
+          </p:nvPr>
+        </p:nvSpPr>
+        <p:spPr>
+          <a:xfrm>
+            <a:off x="986847" y="1523687"/>
+            <a:ext cx="10123113" cy="1524394"/>
+          </a:xfrm>
+          <a:prstGeom prst="rect">
+            <a:avLst/>
+          </a:prstGeom>
+        </p:spPr>
+        <p:txBody>
+          <a:bodyPr/>
+          <a:lstStyle/>
+          <a:p>
+            <a:pPr marL="0" indent="0">
+              <a:buNone/>
+            </a:pPr>
+            <a:endParaRPr lang="en-US" altLang="ko-KR" sz="1969" dirty="0">
+              <a:latin typeface="HY헤드라인M" panose="02030600000101010101" pitchFamily="18" charset="-127"/>
+              <a:ea typeface="HY헤드라인M" panose="02030600000101010101" pitchFamily="18" charset="-127"/>
+            </a:endParaRPr>
+          </a:p>
+          <a:p>
+            <a:pPr marL="422041" indent="-422041">
+              <a:buFont typeface="Arial" panose="020B0604020202020204" pitchFamily="34" charset="0"/>
+              <a:buChar char="•"/>
+            </a:pPr>
+            <a:r>
+              <a:rPr lang="ko-KR" altLang="en-US" sz="2000" b="0" dirty="0"/>
+              <a:t>넘파이 모듈은  동일한 기능을 가진 함수와 메소드를 제공합니다</a:t>
+            </a:r>
+            <a:r>
+              <a:rPr lang="en-US" altLang="ko-KR" sz="2000" b="0" dirty="0"/>
+              <a:t>. </a:t>
+            </a:r>
+          </a:p>
+        </p:txBody>
+      </p:sp>
+      <p:sp>
+        <p:nvSpPr>
+          <p:cNvPr id="10" name="텍스트 개체 틀 3">
+            <a:extLst>
+              <a:ext uri="{FF2B5EF4-FFF2-40B4-BE49-F238E27FC236}">
+                <a16:creationId xmlns:a16="http://schemas.microsoft.com/office/drawing/2014/main" id="{7056A183-B26F-4453-8A67-02D442D85E32}"/>
+              </a:ext>
+            </a:extLst>
+          </p:cNvPr>
+          <p:cNvSpPr txBox="1">
+            <a:spLocks/>
+          </p:cNvSpPr>
+          <p:nvPr/>
+        </p:nvSpPr>
+        <p:spPr>
+          <a:xfrm>
+            <a:off x="1289014" y="1316368"/>
+            <a:ext cx="4272690" cy="414638"/>
+          </a:xfrm>
+          <a:prstGeom prst="rect">
+            <a:avLst/>
+          </a:prstGeom>
+        </p:spPr>
+        <p:txBody>
+          <a:bodyPr/>
+          <a:lstStyle>
+            <a:lvl1pPr marL="228600" indent="-228600" algn="l" defTabSz="914400" rtl="0" eaLnBrk="1" latinLnBrk="1" hangingPunct="1">
+              <a:lnSpc>
+                <a:spcPct val="90000"/>
+              </a:lnSpc>
+              <a:spcBef>
+                <a:spcPts val="1000"/>
+              </a:spcBef>
+              <a:buFont typeface="Arial" panose="020B0604020202020204" pitchFamily="34" charset="0"/>
+              <a:buChar char="•"/>
+              <a:defRPr sz="2800" kern="1200">
+                <a:solidFill>
+                  <a:schemeClr val="tx1"/>
+                </a:solidFill>
+                <a:latin typeface="+mn-lt"/>
+                <a:ea typeface="+mn-ea"/>
+                <a:cs typeface="+mn-cs"/>
+              </a:defRPr>
+            </a:lvl1pPr>
+            <a:lvl2pPr marL="685800" indent="-228600" algn="l" defTabSz="914400" rtl="0" eaLnBrk="1" latinLnBrk="1" hangingPunct="1">
+              <a:lnSpc>
+                <a:spcPct val="90000"/>
+              </a:lnSpc>
+              <a:spcBef>
+                <a:spcPts val="500"/>
+              </a:spcBef>
+              <a:buFont typeface="Arial" panose="020B0604020202020204" pitchFamily="34" charset="0"/>
+              <a:buChar char="•"/>
+              <a:defRPr sz="2400" kern="1200">
+                <a:solidFill>
+                  <a:schemeClr val="tx1"/>
+                </a:solidFill>
+                <a:latin typeface="+mn-lt"/>
+                <a:ea typeface="+mn-ea"/>
+                <a:cs typeface="+mn-cs"/>
+              </a:defRPr>
+            </a:lvl2pPr>
+            <a:lvl3pPr marL="1143000" indent="-228600" algn="l" defTabSz="914400" rtl="0" eaLnBrk="1" latinLnBrk="1" hangingPunct="1">
+              <a:lnSpc>
+                <a:spcPct val="90000"/>
+              </a:lnSpc>
+              <a:spcBef>
+                <a:spcPts val="500"/>
+              </a:spcBef>
+              <a:buFont typeface="Arial" panose="020B0604020202020204" pitchFamily="34" charset="0"/>
+              <a:buChar char="•"/>
+              <a:defRPr sz="2000" kern="1200">
+                <a:solidFill>
+                  <a:schemeClr val="tx1"/>
+                </a:solidFill>
+                <a:latin typeface="+mn-lt"/>
+                <a:ea typeface="+mn-ea"/>
+                <a:cs typeface="+mn-cs"/>
+              </a:defRPr>
+            </a:lvl3pPr>
+            <a:lvl4pPr marL="1600200" indent="-228600" algn="l" defTabSz="914400" rtl="0" eaLnBrk="1" latinLnBrk="1" hangingPunct="1">
+              <a:lnSpc>
+                <a:spcPct val="90000"/>
+              </a:lnSpc>
+              <a:spcBef>
+                <a:spcPts val="500"/>
+              </a:spcBef>
+              <a:buFont typeface="Arial" panose="020B0604020202020204" pitchFamily="34" charset="0"/>
+              <a:buChar char="•"/>
+              <a:defRPr sz="1800" kern="1200">
+                <a:solidFill>
+                  <a:schemeClr val="tx1"/>
+                </a:solidFill>
+                <a:latin typeface="+mn-lt"/>
+                <a:ea typeface="+mn-ea"/>
+                <a:cs typeface="+mn-cs"/>
+              </a:defRPr>
+            </a:lvl4pPr>
+            <a:lvl5pPr marL="2057400" indent="-228600" algn="l" defTabSz="914400" rtl="0" eaLnBrk="1" latinLnBrk="1" hangingPunct="1">
+              <a:lnSpc>
+                <a:spcPct val="90000"/>
+              </a:lnSpc>
+              <a:spcBef>
+                <a:spcPts val="500"/>
+              </a:spcBef>
+              <a:buFont typeface="Arial" panose="020B0604020202020204" pitchFamily="34" charset="0"/>
+              <a:buChar char="•"/>
+              <a:defRPr sz="1800" kern="1200">
+                <a:solidFill>
+                  <a:schemeClr val="tx1"/>
+                </a:solidFill>
+                <a:latin typeface="+mn-lt"/>
+                <a:ea typeface="+mn-ea"/>
+                <a:cs typeface="+mn-cs"/>
+              </a:defRPr>
+            </a:lvl5pPr>
+            <a:lvl6pPr marL="2514600" indent="-228600" algn="l" defTabSz="914400" rtl="0" eaLnBrk="1" latinLnBrk="1" hangingPunct="1">
+              <a:lnSpc>
+                <a:spcPct val="90000"/>
+              </a:lnSpc>
+              <a:spcBef>
+                <a:spcPts val="500"/>
+              </a:spcBef>
+              <a:buFont typeface="Arial" panose="020B0604020202020204" pitchFamily="34" charset="0"/>
+              <a:buChar char="•"/>
+              <a:defRPr sz="1800" kern="1200">
+                <a:solidFill>
+                  <a:schemeClr val="tx1"/>
+                </a:solidFill>
+                <a:latin typeface="+mn-lt"/>
+                <a:ea typeface="+mn-ea"/>
+                <a:cs typeface="+mn-cs"/>
+              </a:defRPr>
+            </a:lvl6pPr>
+            <a:lvl7pPr marL="2971800" indent="-228600" algn="l" defTabSz="914400" rtl="0" eaLnBrk="1" latinLnBrk="1" hangingPunct="1">
+              <a:lnSpc>
+                <a:spcPct val="90000"/>
+              </a:lnSpc>
+              <a:spcBef>
+                <a:spcPts val="500"/>
+              </a:spcBef>
+              <a:buFont typeface="Arial" panose="020B0604020202020204" pitchFamily="34" charset="0"/>
+              <a:buChar char="•"/>
+              <a:defRPr sz="1800" kern="1200">
+                <a:solidFill>
+                  <a:schemeClr val="tx1"/>
+                </a:solidFill>
+                <a:latin typeface="+mn-lt"/>
+                <a:ea typeface="+mn-ea"/>
+                <a:cs typeface="+mn-cs"/>
+              </a:defRPr>
+            </a:lvl7pPr>
+            <a:lvl8pPr marL="3429000" indent="-228600" algn="l" defTabSz="914400" rtl="0" eaLnBrk="1" latinLnBrk="1" hangingPunct="1">
+              <a:lnSpc>
+                <a:spcPct val="90000"/>
+              </a:lnSpc>
+              <a:spcBef>
+                <a:spcPts val="500"/>
+              </a:spcBef>
+              <a:buFont typeface="Arial" panose="020B0604020202020204" pitchFamily="34" charset="0"/>
+              <a:buChar char="•"/>
+              <a:defRPr sz="1800" kern="1200">
+                <a:solidFill>
+                  <a:schemeClr val="tx1"/>
+                </a:solidFill>
+                <a:latin typeface="+mn-lt"/>
+                <a:ea typeface="+mn-ea"/>
+                <a:cs typeface="+mn-cs"/>
+              </a:defRPr>
+            </a:lvl8pPr>
+            <a:lvl9pPr marL="3886200" indent="-228600" algn="l" defTabSz="914400" rtl="0" eaLnBrk="1" latinLnBrk="1" hangingPunct="1">
+              <a:lnSpc>
+                <a:spcPct val="90000"/>
+              </a:lnSpc>
+              <a:spcBef>
+                <a:spcPts val="500"/>
+              </a:spcBef>
+              <a:buFont typeface="Arial" panose="020B0604020202020204" pitchFamily="34" charset="0"/>
+              <a:buChar char="•"/>
+              <a:defRPr sz="1800" kern="1200">
+                <a:solidFill>
+                  <a:schemeClr val="tx1"/>
+                </a:solidFill>
+                <a:latin typeface="+mn-lt"/>
+                <a:ea typeface="+mn-ea"/>
+                <a:cs typeface="+mn-cs"/>
+              </a:defRPr>
+            </a:lvl9pPr>
+          </a:lstStyle>
+          <a:p>
+            <a:pPr marL="0" indent="0">
+              <a:buNone/>
+            </a:pPr>
+            <a:r>
+              <a:rPr lang="en-US" altLang="ko-KR" sz="2400" dirty="0">
+                <a:solidFill>
+                  <a:schemeClr val="bg1"/>
+                </a:solidFill>
+                <a:latin typeface="HY헤드라인M" panose="02030600000101010101" pitchFamily="18" charset="-127"/>
+                <a:ea typeface="HY헤드라인M" panose="02030600000101010101" pitchFamily="18" charset="-127"/>
+              </a:rPr>
+              <a:t> </a:t>
+            </a:r>
+            <a:r>
+              <a:rPr lang="ko-KR" altLang="en-US" sz="2400" dirty="0">
+                <a:solidFill>
+                  <a:schemeClr val="bg1"/>
+                </a:solidFill>
+                <a:latin typeface="HY헤드라인M" panose="02030600000101010101" pitchFamily="18" charset="-127"/>
+                <a:ea typeface="HY헤드라인M" panose="02030600000101010101" pitchFamily="18" charset="-127"/>
+              </a:rPr>
+              <a:t>함수와 메소드</a:t>
+            </a:r>
+            <a:endParaRPr lang="en-US" altLang="ko-KR" sz="2400" dirty="0">
+              <a:solidFill>
+                <a:schemeClr val="bg1"/>
+              </a:solidFill>
+              <a:latin typeface="HY헤드라인M" panose="02030600000101010101" pitchFamily="18" charset="-127"/>
+              <a:ea typeface="HY헤드라인M" panose="02030600000101010101" pitchFamily="18" charset="-127"/>
+            </a:endParaRPr>
+          </a:p>
+        </p:txBody>
+      </p:sp>
+      <p:pic>
+        <p:nvPicPr>
+          <p:cNvPr id="5" name="그림 4">
+            <a:extLst>
+              <a:ext uri="{FF2B5EF4-FFF2-40B4-BE49-F238E27FC236}">
+                <a16:creationId xmlns:a16="http://schemas.microsoft.com/office/drawing/2014/main" id="{CA0CD0A7-7157-4A84-99AE-8D4D2A05B8DC}"/>
+              </a:ext>
+            </a:extLst>
+          </p:cNvPr>
+          <p:cNvPicPr>
+            <a:picLocks noChangeAspect="1"/>
+          </p:cNvPicPr>
+          <p:nvPr/>
+        </p:nvPicPr>
+        <p:blipFill>
+          <a:blip r:embed="rId2"/>
+          <a:stretch>
+            <a:fillRect/>
+          </a:stretch>
+        </p:blipFill>
+        <p:spPr>
+          <a:xfrm>
+            <a:off x="585217" y="3048081"/>
+            <a:ext cx="5510783" cy="2922951"/>
+          </a:xfrm>
+          <a:prstGeom prst="rect">
+            <a:avLst/>
+          </a:prstGeom>
+        </p:spPr>
+      </p:pic>
+      <p:pic>
+        <p:nvPicPr>
+          <p:cNvPr id="11" name="그림 10">
+            <a:extLst>
+              <a:ext uri="{FF2B5EF4-FFF2-40B4-BE49-F238E27FC236}">
+                <a16:creationId xmlns:a16="http://schemas.microsoft.com/office/drawing/2014/main" id="{3F4FFEC9-B56E-4F00-96CB-3740FB72F278}"/>
+              </a:ext>
+            </a:extLst>
+          </p:cNvPr>
+          <p:cNvPicPr>
+            <a:picLocks noChangeAspect="1"/>
+          </p:cNvPicPr>
+          <p:nvPr/>
+        </p:nvPicPr>
+        <p:blipFill>
+          <a:blip r:embed="rId3"/>
+          <a:stretch>
+            <a:fillRect/>
+          </a:stretch>
+        </p:blipFill>
+        <p:spPr>
+          <a:xfrm>
+            <a:off x="6380607" y="2965132"/>
+            <a:ext cx="4972050" cy="2640140"/>
+          </a:xfrm>
+          <a:prstGeom prst="rect">
+            <a:avLst/>
+          </a:prstGeom>
+        </p:spPr>
+      </p:pic>
+    </p:spTree>
+    <p:extLst>
+      <p:ext uri="{BB962C8B-B14F-4D97-AF65-F5344CB8AC3E}">
+        <p14:creationId xmlns:p14="http://schemas.microsoft.com/office/powerpoint/2010/main" val="4261029117"/>
       </p:ext>
     </p:extLst>
   </p:cSld>
@@ -5067,7 +4618,7 @@
             </a:pPr>
             <a:r>
               <a:rPr lang="ko-KR" altLang="en-US" sz="2000" b="0" dirty="0"/>
-              <a:t>넘파이 모듈은  동일한 기능을 가진 함수와 메소드를 제공합니다</a:t>
+              <a:t>동일한 함수와 메소드들을 확인해봅니다</a:t>
             </a:r>
             <a:r>
               <a:rPr lang="en-US" altLang="ko-KR" sz="2000" b="0" dirty="0"/>
@@ -5287,7 +4838,7 @@
                 <a:latin typeface="HY헤드라인M" panose="02030600000101010101" pitchFamily="18" charset="-127"/>
                 <a:ea typeface="HY헤드라인M" panose="02030600000101010101" pitchFamily="18" charset="-127"/>
               </a:rPr>
-              <a:t>함수와 메소드</a:t>
+              <a:t>같은 이름의 함수와 메소드</a:t>
             </a:r>
             <a:endParaRPr lang="en-US" altLang="ko-KR" sz="2400" dirty="0">
               <a:solidFill>
@@ -5301,10 +4852,10 @@
       </p:sp>
       <p:pic>
         <p:nvPicPr>
-          <p:cNvPr id="5" name="그림 4">
+          <p:cNvPr id="3" name="그림 2">
             <a:extLst>
               <a:ext uri="{FF2B5EF4-FFF2-40B4-BE49-F238E27FC236}">
-                <a16:creationId xmlns:a16="http://schemas.microsoft.com/office/drawing/2014/main" id="{CA0CD0A7-7157-4A84-99AE-8D4D2A05B8DC}"/>
+                <a16:creationId xmlns:a16="http://schemas.microsoft.com/office/drawing/2014/main" id="{9B009CA9-42C2-4477-97A5-7FE3B6571CD2}"/>
               </a:ext>
             </a:extLst>
           </p:cNvPr>
@@ -5321,8 +4872,8 @@
         </p:blipFill>
         <p:spPr>
           <a:xfrm>
-            <a:off x="585217" y="3048081"/>
-            <a:ext cx="5510783" cy="2922951"/>
+            <a:off x="6048403" y="2667952"/>
+            <a:ext cx="5048250" cy="3076575"/>
           </a:xfrm>
           <a:prstGeom prst="rect">
             <a:avLst/>
@@ -5331,10 +4882,10 @@
       </p:pic>
       <p:pic>
         <p:nvPicPr>
-          <p:cNvPr id="11" name="그림 10">
+          <p:cNvPr id="7" name="그림 6">
             <a:extLst>
               <a:ext uri="{FF2B5EF4-FFF2-40B4-BE49-F238E27FC236}">
-                <a16:creationId xmlns:a16="http://schemas.microsoft.com/office/drawing/2014/main" id="{3F4FFEC9-B56E-4F00-96CB-3740FB72F278}"/>
+                <a16:creationId xmlns:a16="http://schemas.microsoft.com/office/drawing/2014/main" id="{486E499D-3B71-4541-9C3E-0B778204B141}"/>
               </a:ext>
             </a:extLst>
           </p:cNvPr>
@@ -5351,8 +4902,8 @@
         </p:blipFill>
         <p:spPr>
           <a:xfrm>
-            <a:off x="6380607" y="2965132"/>
-            <a:ext cx="4972050" cy="2640140"/>
+            <a:off x="667871" y="2914570"/>
+            <a:ext cx="5057775" cy="2754710"/>
           </a:xfrm>
           <a:prstGeom prst="rect">
             <a:avLst/>
@@ -5362,7 +4913,7 @@
     </p:spTree>
     <p:extLst>
       <p:ext uri="{BB962C8B-B14F-4D97-AF65-F5344CB8AC3E}">
-        <p14:creationId xmlns:p14="http://schemas.microsoft.com/office/powerpoint/2010/main" val="4261029117"/>
+        <p14:creationId xmlns:p14="http://schemas.microsoft.com/office/powerpoint/2010/main" val="1001346186"/>
       </p:ext>
     </p:extLst>
   </p:cSld>
@@ -5427,7 +4978,23 @@
             </a:pPr>
             <a:r>
               <a:rPr lang="ko-KR" altLang="en-US" sz="2000" b="0" dirty="0"/>
-              <a:t>동일한 함수와 메소드들을 확인해봅니다</a:t>
+              <a:t>넘파이 특징은 반복문을 사용하지 않는  계산입니다</a:t>
+            </a:r>
+            <a:r>
+              <a:rPr lang="en-US" altLang="ko-KR" sz="2000" b="0" dirty="0"/>
+              <a:t>. </a:t>
+            </a:r>
+            <a:r>
+              <a:rPr lang="ko-KR" altLang="en-US" sz="2000" b="0" dirty="0"/>
+              <a:t>이런 기능을 벡터화 연산이라고 하며 이를  지원하는 함수가  </a:t>
+            </a:r>
+            <a:r>
+              <a:rPr lang="ko-KR" altLang="en-US" sz="2000" b="0" dirty="0" err="1"/>
+              <a:t>유니버셜</a:t>
+            </a:r>
+            <a:r>
+              <a:rPr lang="ko-KR" altLang="en-US" sz="2000" b="0" dirty="0"/>
+              <a:t> 함수입니다</a:t>
             </a:r>
             <a:r>
               <a:rPr lang="en-US" altLang="ko-KR" sz="2000" b="0" dirty="0"/>
@@ -5640,14 +5207,24 @@
               <a:t> </a:t>
             </a:r>
             <a:r>
-              <a:rPr lang="ko-KR" altLang="en-US" sz="2400" dirty="0">
+              <a:rPr lang="ko-KR" altLang="en-US" sz="2400" dirty="0" err="1">
                 <a:solidFill>
                   <a:schemeClr val="bg1"/>
                 </a:solidFill>
                 <a:latin typeface="HY헤드라인M" panose="02030600000101010101" pitchFamily="18" charset="-127"/>
                 <a:ea typeface="HY헤드라인M" panose="02030600000101010101" pitchFamily="18" charset="-127"/>
               </a:rPr>
-              <a:t>같은 이름의 함수와 메소드</a:t>
+              <a:t>유니버셜</a:t>
+            </a:r>
+            <a:r>
+              <a:rPr lang="ko-KR" altLang="en-US" sz="2400" dirty="0">
+                <a:solidFill>
+                  <a:schemeClr val="bg1"/>
+                </a:solidFill>
+                <a:latin typeface="HY헤드라인M" panose="02030600000101010101" pitchFamily="18" charset="-127"/>
+                <a:ea typeface="HY헤드라인M" panose="02030600000101010101" pitchFamily="18" charset="-127"/>
+              </a:rPr>
+              <a:t> 함수</a:t>
             </a:r>
             <a:endParaRPr lang="en-US" altLang="ko-KR" sz="2400" dirty="0">
               <a:solidFill>
@@ -5661,10 +5238,10 @@
       </p:sp>
       <p:pic>
         <p:nvPicPr>
-          <p:cNvPr id="3" name="그림 2">
+          <p:cNvPr id="5" name="그림 4">
             <a:extLst>
               <a:ext uri="{FF2B5EF4-FFF2-40B4-BE49-F238E27FC236}">
-                <a16:creationId xmlns:a16="http://schemas.microsoft.com/office/drawing/2014/main" id="{9B009CA9-42C2-4477-97A5-7FE3B6571CD2}"/>
+                <a16:creationId xmlns:a16="http://schemas.microsoft.com/office/drawing/2014/main" id="{44B5CC95-41B5-4AE3-927C-5333CAB75431}"/>
               </a:ext>
             </a:extLst>
           </p:cNvPr>
@@ -5681,8 +5258,8 @@
         </p:blipFill>
         <p:spPr>
           <a:xfrm>
-            <a:off x="6048403" y="2667952"/>
-            <a:ext cx="5048250" cy="3076575"/>
+            <a:off x="920284" y="3324144"/>
+            <a:ext cx="5010150" cy="1595327"/>
           </a:xfrm>
           <a:prstGeom prst="rect">
             <a:avLst/>
@@ -5691,10 +5268,10 @@
       </p:pic>
       <p:pic>
         <p:nvPicPr>
-          <p:cNvPr id="7" name="그림 6">
+          <p:cNvPr id="8" name="그림 7">
             <a:extLst>
               <a:ext uri="{FF2B5EF4-FFF2-40B4-BE49-F238E27FC236}">
-                <a16:creationId xmlns:a16="http://schemas.microsoft.com/office/drawing/2014/main" id="{486E499D-3B71-4541-9C3E-0B778204B141}"/>
+                <a16:creationId xmlns:a16="http://schemas.microsoft.com/office/drawing/2014/main" id="{3B1CDDBF-DD8F-4C14-A300-E36C19FFDA7C}"/>
               </a:ext>
             </a:extLst>
           </p:cNvPr>
@@ -5711,8 +5288,8 @@
         </p:blipFill>
         <p:spPr>
           <a:xfrm>
-            <a:off x="667871" y="2914570"/>
-            <a:ext cx="5057775" cy="2754710"/>
+            <a:off x="6328410" y="3048081"/>
+            <a:ext cx="4781550" cy="3365945"/>
           </a:xfrm>
           <a:prstGeom prst="rect">
             <a:avLst/>
@@ -5722,7 +5299,7 @@
     </p:spTree>
     <p:extLst>
       <p:ext uri="{BB962C8B-B14F-4D97-AF65-F5344CB8AC3E}">
-        <p14:creationId xmlns:p14="http://schemas.microsoft.com/office/powerpoint/2010/main" val="1001346186"/>
+        <p14:creationId xmlns:p14="http://schemas.microsoft.com/office/powerpoint/2010/main" val="2018993013"/>
       </p:ext>
     </p:extLst>
   </p:cSld>
@@ -5786,8 +5363,12 @@
               <a:buChar char="•"/>
             </a:pPr>
             <a:r>
+              <a:rPr lang="en-US" altLang="ko-KR" sz="2000" b="0" dirty="0"/>
+              <a:t>4</a:t>
+            </a:r>
+            <a:r>
               <a:rPr lang="ko-KR" altLang="en-US" sz="2000" b="0" dirty="0"/>
-              <a:t>넘파이 특징은 반복문을 사용하지 않는  계산입니다</a:t>
+              <a:t>개의 원소를 가지는 두 개의 배열을 만듭니다</a:t>
             </a:r>
             <a:r>
               <a:rPr lang="en-US" altLang="ko-KR" sz="2000" b="0" dirty="0"/>
@@ -5795,20 +5376,35 @@
             </a:r>
             <a:r>
               <a:rPr lang="ko-KR" altLang="en-US" sz="2000" b="0" dirty="0"/>
-              <a:t>이런 기능을 벡터화 연산이라고 하며 이를  지원하는 함수가  </a:t>
+              <a:t>이 두 배열의 곱셈을 수행할 때 별도의 반복하는 코드가 </a:t>
             </a:r>
             <a:r>
               <a:rPr lang="ko-KR" altLang="en-US" sz="2000" b="0" dirty="0" err="1"/>
-              <a:t>유니버셜</a:t>
-            </a:r>
-            <a:r>
-              <a:rPr lang="ko-KR" altLang="en-US" sz="2000" b="0" dirty="0"/>
-              <a:t> 함수입니다</a:t>
+              <a:t>필요없습니다</a:t>
             </a:r>
             <a:r>
               <a:rPr lang="en-US" altLang="ko-KR" sz="2000" b="0" dirty="0"/>
               <a:t>. </a:t>
             </a:r>
+          </a:p>
+          <a:p>
+            <a:pPr marL="422041" indent="-422041">
+              <a:buFont typeface="Arial" panose="020B0604020202020204" pitchFamily="34" charset="0"/>
+              <a:buChar char="•"/>
+            </a:pPr>
+            <a:r>
+              <a:rPr lang="ko-KR" altLang="en-US" sz="2000" dirty="0" err="1"/>
+              <a:t>벡터화연산은</a:t>
+            </a:r>
+            <a:r>
+              <a:rPr lang="ko-KR" altLang="en-US" sz="2000" dirty="0"/>
+              <a:t> 배열의 같은 위치의 원소끼리 계산을 자동으로 처리하는 기능입니다</a:t>
+            </a:r>
+            <a:r>
+              <a:rPr lang="en-US" altLang="ko-KR" sz="2000" dirty="0"/>
+              <a:t>.</a:t>
+            </a:r>
+            <a:endParaRPr lang="en-US" altLang="ko-KR" sz="2000" b="0" dirty="0"/>
           </a:p>
         </p:txBody>
       </p:sp>
@@ -6016,24 +5612,14 @@
               <a:t> </a:t>
             </a:r>
             <a:r>
-              <a:rPr lang="ko-KR" altLang="en-US" sz="2400" dirty="0" err="1">
+              <a:rPr lang="ko-KR" altLang="en-US" sz="2400" dirty="0">
                 <a:solidFill>
                   <a:schemeClr val="bg1"/>
                 </a:solidFill>
                 <a:latin typeface="HY헤드라인M" panose="02030600000101010101" pitchFamily="18" charset="-127"/>
                 <a:ea typeface="HY헤드라인M" panose="02030600000101010101" pitchFamily="18" charset="-127"/>
               </a:rPr>
-              <a:t>유니버셜</a:t>
-            </a:r>
-            <a:r>
-              <a:rPr lang="ko-KR" altLang="en-US" sz="2400" dirty="0">
-                <a:solidFill>
-                  <a:schemeClr val="bg1"/>
-                </a:solidFill>
-                <a:latin typeface="HY헤드라인M" panose="02030600000101010101" pitchFamily="18" charset="-127"/>
-                <a:ea typeface="HY헤드라인M" panose="02030600000101010101" pitchFamily="18" charset="-127"/>
-              </a:rPr>
-              <a:t> 함수</a:t>
+              <a:t>벡터화 연산</a:t>
             </a:r>
             <a:endParaRPr lang="en-US" altLang="ko-KR" sz="2400" dirty="0">
               <a:solidFill>
@@ -6047,10 +5633,10 @@
       </p:sp>
       <p:pic>
         <p:nvPicPr>
-          <p:cNvPr id="5" name="그림 4">
+          <p:cNvPr id="3" name="그림 2">
             <a:extLst>
               <a:ext uri="{FF2B5EF4-FFF2-40B4-BE49-F238E27FC236}">
-                <a16:creationId xmlns:a16="http://schemas.microsoft.com/office/drawing/2014/main" id="{44B5CC95-41B5-4AE3-927C-5333CAB75431}"/>
+                <a16:creationId xmlns:a16="http://schemas.microsoft.com/office/drawing/2014/main" id="{9B3AB8CD-9B13-4B01-943B-6BF2FB9A1DD3}"/>
               </a:ext>
             </a:extLst>
           </p:cNvPr>
@@ -6067,8 +5653,8 @@
         </p:blipFill>
         <p:spPr>
           <a:xfrm>
-            <a:off x="920284" y="3324144"/>
-            <a:ext cx="5010150" cy="1595327"/>
+            <a:off x="1030090" y="3048081"/>
+            <a:ext cx="5086350" cy="2566335"/>
           </a:xfrm>
           <a:prstGeom prst="rect">
             <a:avLst/>
@@ -6077,10 +5663,10 @@
       </p:pic>
       <p:pic>
         <p:nvPicPr>
-          <p:cNvPr id="8" name="그림 7">
+          <p:cNvPr id="7" name="그림 6">
             <a:extLst>
               <a:ext uri="{FF2B5EF4-FFF2-40B4-BE49-F238E27FC236}">
-                <a16:creationId xmlns:a16="http://schemas.microsoft.com/office/drawing/2014/main" id="{3B1CDDBF-DD8F-4C14-A300-E36C19FFDA7C}"/>
+                <a16:creationId xmlns:a16="http://schemas.microsoft.com/office/drawing/2014/main" id="{F40B0810-0ECF-4FA5-A640-B0D35E540C9A}"/>
               </a:ext>
             </a:extLst>
           </p:cNvPr>
@@ -6097,8 +5683,8 @@
         </p:blipFill>
         <p:spPr>
           <a:xfrm>
-            <a:off x="6328410" y="3048081"/>
-            <a:ext cx="4781550" cy="3365945"/>
+            <a:off x="6251123" y="3544824"/>
+            <a:ext cx="5029200" cy="1524394"/>
           </a:xfrm>
           <a:prstGeom prst="rect">
             <a:avLst/>
@@ -6108,7 +5694,7 @@
     </p:spTree>
     <p:extLst>
       <p:ext uri="{BB962C8B-B14F-4D97-AF65-F5344CB8AC3E}">
-        <p14:creationId xmlns:p14="http://schemas.microsoft.com/office/powerpoint/2010/main" val="2018993013"/>
+        <p14:creationId xmlns:p14="http://schemas.microsoft.com/office/powerpoint/2010/main" val="3951817019"/>
       </p:ext>
     </p:extLst>
   </p:cSld>
@@ -6135,70 +5721,105 @@
           <a:chExt cx="0" cy="0"/>
         </a:xfrm>
       </p:grpSpPr>
-      <p:pic>
-        <p:nvPicPr>
-          <p:cNvPr id="4" name="그림 3">
+      <p:sp>
+        <p:nvSpPr>
+          <p:cNvPr id="8" name="Text Placeholder 7">
             <a:extLst>
               <a:ext uri="{FF2B5EF4-FFF2-40B4-BE49-F238E27FC236}">
-                <a16:creationId xmlns:a16="http://schemas.microsoft.com/office/drawing/2014/main" id="{4866C01A-F25A-42CF-877A-3BB217F42EF1}"/>
+                <a16:creationId xmlns:a16="http://schemas.microsoft.com/office/drawing/2014/main" id="{AECB2726-1274-4BBD-9287-0DFA0195BEDA}"/>
               </a:ext>
             </a:extLst>
           </p:cNvPr>
-          <p:cNvPicPr>
-            <a:picLocks noChangeAspect="1"/>
-          </p:cNvPicPr>
-          <p:nvPr/>
-        </p:nvPicPr>
-        <p:blipFill>
-          <a:blip r:embed="rId2"/>
-          <a:stretch>
-            <a:fillRect/>
-          </a:stretch>
-        </p:blipFill>
-        <p:spPr>
-          <a:xfrm>
-            <a:off x="869592" y="1425771"/>
-            <a:ext cx="3790950" cy="4549287"/>
+          <p:cNvSpPr>
+            <a:spLocks noGrp="1"/>
+          </p:cNvSpPr>
+          <p:nvPr>
+            <p:ph type="body" sz="quarter" idx="11"/>
+          </p:nvPr>
+        </p:nvSpPr>
+        <p:spPr>
+          <a:xfrm>
+            <a:off x="130784" y="1791363"/>
+            <a:ext cx="11684249" cy="1551981"/>
+          </a:xfrm>
+        </p:spPr>
+        <p:txBody>
+          <a:bodyPr/>
+          <a:lstStyle/>
+          <a:p>
+            <a:r>
+              <a:rPr lang="ko-KR" altLang="en-US" sz="5400" dirty="0">
+                <a:latin typeface="HY각헤드라인B" panose="02030600000101010101" pitchFamily="18" charset="-127"/>
+                <a:ea typeface="HY각헤드라인B" panose="02030600000101010101" pitchFamily="18" charset="-127"/>
+              </a:rPr>
+              <a:t>파이썬과 넘파이 모듈 </a:t>
+            </a:r>
+            <a:endParaRPr lang="en-US" altLang="ko-KR" sz="5400" dirty="0">
+              <a:latin typeface="HY각헤드라인B" panose="02030600000101010101" pitchFamily="18" charset="-127"/>
+              <a:ea typeface="HY각헤드라인B" panose="02030600000101010101" pitchFamily="18" charset="-127"/>
+            </a:endParaRPr>
+          </a:p>
+          <a:p>
+            <a:r>
+              <a:rPr lang="ko-KR" altLang="en-US" sz="5400" dirty="0">
+                <a:latin typeface="HY각헤드라인B" panose="02030600000101010101" pitchFamily="18" charset="-127"/>
+                <a:ea typeface="HY각헤드라인B" panose="02030600000101010101" pitchFamily="18" charset="-127"/>
+              </a:rPr>
+              <a:t>차이점 이해하기</a:t>
+            </a:r>
+          </a:p>
+        </p:txBody>
+      </p:sp>
+      <p:sp>
+        <p:nvSpPr>
+          <p:cNvPr id="9" name="Text Placeholder 8">
+            <a:extLst>
+              <a:ext uri="{FF2B5EF4-FFF2-40B4-BE49-F238E27FC236}">
+                <a16:creationId xmlns:a16="http://schemas.microsoft.com/office/drawing/2014/main" id="{5440D481-9114-4C2D-AB77-CB27951637CD}"/>
+              </a:ext>
+            </a:extLst>
+          </p:cNvPr>
+          <p:cNvSpPr>
+            <a:spLocks noGrp="1"/>
+          </p:cNvSpPr>
+          <p:nvPr>
+            <p:ph type="body" sz="quarter" idx="4294967295"/>
+          </p:nvPr>
+        </p:nvSpPr>
+        <p:spPr>
+          <a:xfrm>
+            <a:off x="3185909" y="4387556"/>
+            <a:ext cx="5573997" cy="1551980"/>
           </a:xfrm>
           <a:prstGeom prst="rect">
             <a:avLst/>
           </a:prstGeom>
         </p:spPr>
-      </p:pic>
-      <p:pic>
-        <p:nvPicPr>
-          <p:cNvPr id="6" name="그림 5">
-            <a:extLst>
-              <a:ext uri="{FF2B5EF4-FFF2-40B4-BE49-F238E27FC236}">
-                <a16:creationId xmlns:a16="http://schemas.microsoft.com/office/drawing/2014/main" id="{C64321AA-2645-4541-AA3C-05B18E710FA3}"/>
-              </a:ext>
-            </a:extLst>
-          </p:cNvPr>
-          <p:cNvPicPr>
-            <a:picLocks noChangeAspect="1"/>
-          </p:cNvPicPr>
-          <p:nvPr/>
-        </p:nvPicPr>
-        <p:blipFill>
-          <a:blip r:embed="rId3"/>
-          <a:stretch>
-            <a:fillRect/>
-          </a:stretch>
-        </p:blipFill>
-        <p:spPr>
-          <a:xfrm>
-            <a:off x="4937379" y="1425772"/>
-            <a:ext cx="6108192" cy="4549287"/>
-          </a:xfrm>
-          <a:prstGeom prst="rect">
-            <a:avLst/>
-          </a:prstGeom>
-        </p:spPr>
-      </p:pic>
+        <p:txBody>
+          <a:bodyPr/>
+          <a:lstStyle/>
+          <a:p>
+            <a:pPr marL="0" indent="0" algn="ctr">
+              <a:buNone/>
+            </a:pPr>
+            <a:r>
+              <a:rPr lang="en-US" altLang="ko-KR" sz="4400" dirty="0">
+                <a:latin typeface="HY각헤드라인B" panose="02030600000101010101" pitchFamily="18" charset="-127"/>
+                <a:ea typeface="HY각헤드라인B" panose="02030600000101010101" pitchFamily="18" charset="-127"/>
+              </a:rPr>
+              <a:t>Chapter 1</a:t>
+            </a:r>
+            <a:endParaRPr lang="ko-KR" altLang="en-US" sz="4400" dirty="0">
+              <a:latin typeface="HY각헤드라인B" panose="02030600000101010101" pitchFamily="18" charset="-127"/>
+              <a:ea typeface="HY각헤드라인B" panose="02030600000101010101" pitchFamily="18" charset="-127"/>
+            </a:endParaRPr>
+          </a:p>
+        </p:txBody>
+      </p:sp>
     </p:spTree>
     <p:extLst>
       <p:ext uri="{BB962C8B-B14F-4D97-AF65-F5344CB8AC3E}">
-        <p14:creationId xmlns:p14="http://schemas.microsoft.com/office/powerpoint/2010/main" val="706167811"/>
+        <p14:creationId xmlns:p14="http://schemas.microsoft.com/office/powerpoint/2010/main" val="364525632"/>
       </p:ext>
     </p:extLst>
   </p:cSld>
@@ -6263,27 +5884,31 @@
             </a:pPr>
             <a:r>
               <a:rPr lang="en-US" altLang="ko-KR" sz="2000" b="0" dirty="0"/>
-              <a:t>4</a:t>
+              <a:t>1</a:t>
             </a:r>
             <a:r>
               <a:rPr lang="ko-KR" altLang="en-US" sz="2000" b="0" dirty="0"/>
-              <a:t>개의 원소를 가지는 두 개의 배열을 만듭니다</a:t>
+              <a:t>차원 배열을 만들고 </a:t>
             </a:r>
             <a:r>
               <a:rPr lang="en-US" altLang="ko-KR" sz="2000" b="0" dirty="0"/>
-              <a:t>. </a:t>
+              <a:t>2</a:t>
             </a:r>
             <a:r>
               <a:rPr lang="ko-KR" altLang="en-US" sz="2000" b="0" dirty="0"/>
-              <a:t>이 두 배열의 곱셈을 수행할 때 별도의 반복하는 코드가 </a:t>
-            </a:r>
-            <a:r>
-              <a:rPr lang="ko-KR" altLang="en-US" sz="2000" b="0" dirty="0" err="1"/>
-              <a:t>필요없습니다</a:t>
+              <a:t>차원 배열로 변경한 후에 </a:t>
             </a:r>
             <a:r>
               <a:rPr lang="en-US" altLang="ko-KR" sz="2000" b="0" dirty="0"/>
-              <a:t>. </a:t>
+              <a:t>sum</a:t>
+            </a:r>
+            <a:r>
+              <a:rPr lang="ko-KR" altLang="en-US" sz="2000" b="0" dirty="0"/>
+              <a:t>을 수행하면 전체의 원소를 합산합니다</a:t>
+            </a:r>
+            <a:r>
+              <a:rPr lang="en-US" altLang="ko-KR" sz="2000" b="0" dirty="0"/>
+              <a:t>.</a:t>
             </a:r>
           </a:p>
           <a:p>
@@ -6292,16 +5917,28 @@
               <a:buChar char="•"/>
             </a:pPr>
             <a:r>
+              <a:rPr lang="en-US" altLang="ko-KR" sz="2000" dirty="0"/>
+              <a:t>2</a:t>
+            </a:r>
+            <a:r>
+              <a:rPr lang="ko-KR" altLang="en-US" sz="2000" dirty="0"/>
+              <a:t>차원 배열은 두개의 축을 가지므로 각 </a:t>
+            </a:r>
+            <a:r>
               <a:rPr lang="ko-KR" altLang="en-US" sz="2000" dirty="0" err="1"/>
-              <a:t>벡터화연산은</a:t>
+              <a:t>축별로</a:t>
             </a:r>
             <a:r>
               <a:rPr lang="ko-KR" altLang="en-US" sz="2000" dirty="0"/>
-              <a:t> 배열의 같은 위치의 원소끼리 계산을 자동으로 처리하는 기능입니다</a:t>
+              <a:t> 계산이 가능합니다</a:t>
             </a:r>
             <a:r>
               <a:rPr lang="en-US" altLang="ko-KR" sz="2000" dirty="0"/>
-              <a:t>.</a:t>
+              <a:t>. </a:t>
+            </a:r>
+            <a:r>
+              <a:rPr lang="ko-KR" altLang="en-US" sz="2000" dirty="0"/>
+              <a:t> </a:t>
             </a:r>
             <a:endParaRPr lang="en-US" altLang="ko-KR" sz="2000" b="0" dirty="0"/>
           </a:p>
@@ -6518,7 +6155,7 @@
                 <a:latin typeface="HY헤드라인M" panose="02030600000101010101" pitchFamily="18" charset="-127"/>
                 <a:ea typeface="HY헤드라인M" panose="02030600000101010101" pitchFamily="18" charset="-127"/>
               </a:rPr>
-              <a:t>벡터화 연산</a:t>
+              <a:t>축 연산 </a:t>
             </a:r>
             <a:endParaRPr lang="en-US" altLang="ko-KR" sz="2400" dirty="0">
               <a:solidFill>
@@ -6532,10 +6169,10 @@
       </p:sp>
       <p:pic>
         <p:nvPicPr>
-          <p:cNvPr id="3" name="그림 2">
+          <p:cNvPr id="5" name="그림 4">
             <a:extLst>
               <a:ext uri="{FF2B5EF4-FFF2-40B4-BE49-F238E27FC236}">
-                <a16:creationId xmlns:a16="http://schemas.microsoft.com/office/drawing/2014/main" id="{9B3AB8CD-9B13-4B01-943B-6BF2FB9A1DD3}"/>
+                <a16:creationId xmlns:a16="http://schemas.microsoft.com/office/drawing/2014/main" id="{EF40A4B1-DF4A-4537-80F5-B9DA0F334A71}"/>
               </a:ext>
             </a:extLst>
           </p:cNvPr>
@@ -6552,8 +6189,8 @@
         </p:blipFill>
         <p:spPr>
           <a:xfrm>
-            <a:off x="1030090" y="3048081"/>
-            <a:ext cx="5086350" cy="2566335"/>
+            <a:off x="971578" y="3429000"/>
+            <a:ext cx="5076825" cy="2607144"/>
           </a:xfrm>
           <a:prstGeom prst="rect">
             <a:avLst/>
@@ -6562,10 +6199,10 @@
       </p:pic>
       <p:pic>
         <p:nvPicPr>
-          <p:cNvPr id="7" name="그림 6">
+          <p:cNvPr id="8" name="그림 7">
             <a:extLst>
               <a:ext uri="{FF2B5EF4-FFF2-40B4-BE49-F238E27FC236}">
-                <a16:creationId xmlns:a16="http://schemas.microsoft.com/office/drawing/2014/main" id="{F40B0810-0ECF-4FA5-A640-B0D35E540C9A}"/>
+                <a16:creationId xmlns:a16="http://schemas.microsoft.com/office/drawing/2014/main" id="{A88F74C9-306B-4CCE-AF85-30FC09550251}"/>
               </a:ext>
             </a:extLst>
           </p:cNvPr>
@@ -6582,8 +6219,8 @@
         </p:blipFill>
         <p:spPr>
           <a:xfrm>
-            <a:off x="6251123" y="3544824"/>
-            <a:ext cx="5029200" cy="1524394"/>
+            <a:off x="6143599" y="3316663"/>
+            <a:ext cx="4991100" cy="2607144"/>
           </a:xfrm>
           <a:prstGeom prst="rect">
             <a:avLst/>
@@ -6593,7 +6230,7 @@
     </p:spTree>
     <p:extLst>
       <p:ext uri="{BB962C8B-B14F-4D97-AF65-F5344CB8AC3E}">
-        <p14:creationId xmlns:p14="http://schemas.microsoft.com/office/powerpoint/2010/main" val="3951817019"/>
+        <p14:creationId xmlns:p14="http://schemas.microsoft.com/office/powerpoint/2010/main" val="512319781"/>
       </p:ext>
     </p:extLst>
   </p:cSld>
@@ -6657,417 +6294,6 @@
               <a:buChar char="•"/>
             </a:pPr>
             <a:r>
-              <a:rPr lang="en-US" altLang="ko-KR" sz="2000" b="0" dirty="0"/>
-              <a:t>1</a:t>
-            </a:r>
-            <a:r>
-              <a:rPr lang="ko-KR" altLang="en-US" sz="2000" b="0" dirty="0"/>
-              <a:t>차원 배열을 만들고 </a:t>
-            </a:r>
-            <a:r>
-              <a:rPr lang="en-US" altLang="ko-KR" sz="2000" b="0" dirty="0"/>
-              <a:t>2</a:t>
-            </a:r>
-            <a:r>
-              <a:rPr lang="ko-KR" altLang="en-US" sz="2000" b="0" dirty="0"/>
-              <a:t>차원 배열로 변경한 후에 </a:t>
-            </a:r>
-            <a:r>
-              <a:rPr lang="en-US" altLang="ko-KR" sz="2000" b="0" dirty="0"/>
-              <a:t>sum</a:t>
-            </a:r>
-            <a:r>
-              <a:rPr lang="ko-KR" altLang="en-US" sz="2000" b="0" dirty="0"/>
-              <a:t>을 수행하면 전체의 원소를 합산합니다</a:t>
-            </a:r>
-            <a:r>
-              <a:rPr lang="en-US" altLang="ko-KR" sz="2000" b="0" dirty="0"/>
-              <a:t>.</a:t>
-            </a:r>
-          </a:p>
-          <a:p>
-            <a:pPr marL="422041" indent="-422041">
-              <a:buFont typeface="Arial" panose="020B0604020202020204" pitchFamily="34" charset="0"/>
-              <a:buChar char="•"/>
-            </a:pPr>
-            <a:r>
-              <a:rPr lang="en-US" altLang="ko-KR" sz="2000" dirty="0"/>
-              <a:t>2</a:t>
-            </a:r>
-            <a:r>
-              <a:rPr lang="ko-KR" altLang="en-US" sz="2000" dirty="0"/>
-              <a:t>차원 배열은 두개의 축을 가지므로 각 </a:t>
-            </a:r>
-            <a:r>
-              <a:rPr lang="ko-KR" altLang="en-US" sz="2000" dirty="0" err="1"/>
-              <a:t>축별로</a:t>
-            </a:r>
-            <a:r>
-              <a:rPr lang="ko-KR" altLang="en-US" sz="2000" dirty="0"/>
-              <a:t> 계산이 가능합니다</a:t>
-            </a:r>
-            <a:r>
-              <a:rPr lang="en-US" altLang="ko-KR" sz="2000" dirty="0"/>
-              <a:t>. </a:t>
-            </a:r>
-            <a:r>
-              <a:rPr lang="ko-KR" altLang="en-US" sz="2000" dirty="0"/>
-              <a:t> </a:t>
-            </a:r>
-            <a:endParaRPr lang="en-US" altLang="ko-KR" sz="2000" b="0" dirty="0"/>
-          </a:p>
-        </p:txBody>
-      </p:sp>
-      <p:sp>
-        <p:nvSpPr>
-          <p:cNvPr id="10" name="텍스트 개체 틀 3">
-            <a:extLst>
-              <a:ext uri="{FF2B5EF4-FFF2-40B4-BE49-F238E27FC236}">
-                <a16:creationId xmlns:a16="http://schemas.microsoft.com/office/drawing/2014/main" id="{7056A183-B26F-4453-8A67-02D442D85E32}"/>
-              </a:ext>
-            </a:extLst>
-          </p:cNvPr>
-          <p:cNvSpPr txBox="1">
-            <a:spLocks/>
-          </p:cNvSpPr>
-          <p:nvPr/>
-        </p:nvSpPr>
-        <p:spPr>
-          <a:xfrm>
-            <a:off x="1289014" y="1316368"/>
-            <a:ext cx="4272690" cy="414638"/>
-          </a:xfrm>
-          <a:prstGeom prst="rect">
-            <a:avLst/>
-          </a:prstGeom>
-        </p:spPr>
-        <p:txBody>
-          <a:bodyPr/>
-          <a:lstStyle>
-            <a:lvl1pPr marL="228600" indent="-228600" algn="l" defTabSz="914400" rtl="0" eaLnBrk="1" latinLnBrk="1" hangingPunct="1">
-              <a:lnSpc>
-                <a:spcPct val="90000"/>
-              </a:lnSpc>
-              <a:spcBef>
-                <a:spcPts val="1000"/>
-              </a:spcBef>
-              <a:buFont typeface="Arial" panose="020B0604020202020204" pitchFamily="34" charset="0"/>
-              <a:buChar char="•"/>
-              <a:defRPr sz="2800" kern="1200">
-                <a:solidFill>
-                  <a:schemeClr val="tx1"/>
-                </a:solidFill>
-                <a:latin typeface="+mn-lt"/>
-                <a:ea typeface="+mn-ea"/>
-                <a:cs typeface="+mn-cs"/>
-              </a:defRPr>
-            </a:lvl1pPr>
-            <a:lvl2pPr marL="685800" indent="-228600" algn="l" defTabSz="914400" rtl="0" eaLnBrk="1" latinLnBrk="1" hangingPunct="1">
-              <a:lnSpc>
-                <a:spcPct val="90000"/>
-              </a:lnSpc>
-              <a:spcBef>
-                <a:spcPts val="500"/>
-              </a:spcBef>
-              <a:buFont typeface="Arial" panose="020B0604020202020204" pitchFamily="34" charset="0"/>
-              <a:buChar char="•"/>
-              <a:defRPr sz="2400" kern="1200">
-                <a:solidFill>
-                  <a:schemeClr val="tx1"/>
-                </a:solidFill>
-                <a:latin typeface="+mn-lt"/>
-                <a:ea typeface="+mn-ea"/>
-                <a:cs typeface="+mn-cs"/>
-              </a:defRPr>
-            </a:lvl2pPr>
-            <a:lvl3pPr marL="1143000" indent="-228600" algn="l" defTabSz="914400" rtl="0" eaLnBrk="1" latinLnBrk="1" hangingPunct="1">
-              <a:lnSpc>
-                <a:spcPct val="90000"/>
-              </a:lnSpc>
-              <a:spcBef>
-                <a:spcPts val="500"/>
-              </a:spcBef>
-              <a:buFont typeface="Arial" panose="020B0604020202020204" pitchFamily="34" charset="0"/>
-              <a:buChar char="•"/>
-              <a:defRPr sz="2000" kern="1200">
-                <a:solidFill>
-                  <a:schemeClr val="tx1"/>
-                </a:solidFill>
-                <a:latin typeface="+mn-lt"/>
-                <a:ea typeface="+mn-ea"/>
-                <a:cs typeface="+mn-cs"/>
-              </a:defRPr>
-            </a:lvl3pPr>
-            <a:lvl4pPr marL="1600200" indent="-228600" algn="l" defTabSz="914400" rtl="0" eaLnBrk="1" latinLnBrk="1" hangingPunct="1">
-              <a:lnSpc>
-                <a:spcPct val="90000"/>
-              </a:lnSpc>
-              <a:spcBef>
-                <a:spcPts val="500"/>
-              </a:spcBef>
-              <a:buFont typeface="Arial" panose="020B0604020202020204" pitchFamily="34" charset="0"/>
-              <a:buChar char="•"/>
-              <a:defRPr sz="1800" kern="1200">
-                <a:solidFill>
-                  <a:schemeClr val="tx1"/>
-                </a:solidFill>
-                <a:latin typeface="+mn-lt"/>
-                <a:ea typeface="+mn-ea"/>
-                <a:cs typeface="+mn-cs"/>
-              </a:defRPr>
-            </a:lvl4pPr>
-            <a:lvl5pPr marL="2057400" indent="-228600" algn="l" defTabSz="914400" rtl="0" eaLnBrk="1" latinLnBrk="1" hangingPunct="1">
-              <a:lnSpc>
-                <a:spcPct val="90000"/>
-              </a:lnSpc>
-              <a:spcBef>
-                <a:spcPts val="500"/>
-              </a:spcBef>
-              <a:buFont typeface="Arial" panose="020B0604020202020204" pitchFamily="34" charset="0"/>
-              <a:buChar char="•"/>
-              <a:defRPr sz="1800" kern="1200">
-                <a:solidFill>
-                  <a:schemeClr val="tx1"/>
-                </a:solidFill>
-                <a:latin typeface="+mn-lt"/>
-                <a:ea typeface="+mn-ea"/>
-                <a:cs typeface="+mn-cs"/>
-              </a:defRPr>
-            </a:lvl5pPr>
-            <a:lvl6pPr marL="2514600" indent="-228600" algn="l" defTabSz="914400" rtl="0" eaLnBrk="1" latinLnBrk="1" hangingPunct="1">
-              <a:lnSpc>
-                <a:spcPct val="90000"/>
-              </a:lnSpc>
-              <a:spcBef>
-                <a:spcPts val="500"/>
-              </a:spcBef>
-              <a:buFont typeface="Arial" panose="020B0604020202020204" pitchFamily="34" charset="0"/>
-              <a:buChar char="•"/>
-              <a:defRPr sz="1800" kern="1200">
-                <a:solidFill>
-                  <a:schemeClr val="tx1"/>
-                </a:solidFill>
-                <a:latin typeface="+mn-lt"/>
-                <a:ea typeface="+mn-ea"/>
-                <a:cs typeface="+mn-cs"/>
-              </a:defRPr>
-            </a:lvl6pPr>
-            <a:lvl7pPr marL="2971800" indent="-228600" algn="l" defTabSz="914400" rtl="0" eaLnBrk="1" latinLnBrk="1" hangingPunct="1">
-              <a:lnSpc>
-                <a:spcPct val="90000"/>
-              </a:lnSpc>
-              <a:spcBef>
-                <a:spcPts val="500"/>
-              </a:spcBef>
-              <a:buFont typeface="Arial" panose="020B0604020202020204" pitchFamily="34" charset="0"/>
-              <a:buChar char="•"/>
-              <a:defRPr sz="1800" kern="1200">
-                <a:solidFill>
-                  <a:schemeClr val="tx1"/>
-                </a:solidFill>
-                <a:latin typeface="+mn-lt"/>
-                <a:ea typeface="+mn-ea"/>
-                <a:cs typeface="+mn-cs"/>
-              </a:defRPr>
-            </a:lvl7pPr>
-            <a:lvl8pPr marL="3429000" indent="-228600" algn="l" defTabSz="914400" rtl="0" eaLnBrk="1" latinLnBrk="1" hangingPunct="1">
-              <a:lnSpc>
-                <a:spcPct val="90000"/>
-              </a:lnSpc>
-              <a:spcBef>
-                <a:spcPts val="500"/>
-              </a:spcBef>
-              <a:buFont typeface="Arial" panose="020B0604020202020204" pitchFamily="34" charset="0"/>
-              <a:buChar char="•"/>
-              <a:defRPr sz="1800" kern="1200">
-                <a:solidFill>
-                  <a:schemeClr val="tx1"/>
-                </a:solidFill>
-                <a:latin typeface="+mn-lt"/>
-                <a:ea typeface="+mn-ea"/>
-                <a:cs typeface="+mn-cs"/>
-              </a:defRPr>
-            </a:lvl8pPr>
-            <a:lvl9pPr marL="3886200" indent="-228600" algn="l" defTabSz="914400" rtl="0" eaLnBrk="1" latinLnBrk="1" hangingPunct="1">
-              <a:lnSpc>
-                <a:spcPct val="90000"/>
-              </a:lnSpc>
-              <a:spcBef>
-                <a:spcPts val="500"/>
-              </a:spcBef>
-              <a:buFont typeface="Arial" panose="020B0604020202020204" pitchFamily="34" charset="0"/>
-              <a:buChar char="•"/>
-              <a:defRPr sz="1800" kern="1200">
-                <a:solidFill>
-                  <a:schemeClr val="tx1"/>
-                </a:solidFill>
-                <a:latin typeface="+mn-lt"/>
-                <a:ea typeface="+mn-ea"/>
-                <a:cs typeface="+mn-cs"/>
-              </a:defRPr>
-            </a:lvl9pPr>
-          </a:lstStyle>
-          <a:p>
-            <a:pPr marL="0" indent="0">
-              <a:buNone/>
-            </a:pPr>
-            <a:r>
-              <a:rPr lang="en-US" altLang="ko-KR" sz="2400" dirty="0">
-                <a:solidFill>
-                  <a:schemeClr val="bg1"/>
-                </a:solidFill>
-                <a:latin typeface="HY헤드라인M" panose="02030600000101010101" pitchFamily="18" charset="-127"/>
-                <a:ea typeface="HY헤드라인M" panose="02030600000101010101" pitchFamily="18" charset="-127"/>
-              </a:rPr>
-              <a:t> </a:t>
-            </a:r>
-            <a:r>
-              <a:rPr lang="ko-KR" altLang="en-US" sz="2400" dirty="0">
-                <a:solidFill>
-                  <a:schemeClr val="bg1"/>
-                </a:solidFill>
-                <a:latin typeface="HY헤드라인M" panose="02030600000101010101" pitchFamily="18" charset="-127"/>
-                <a:ea typeface="HY헤드라인M" panose="02030600000101010101" pitchFamily="18" charset="-127"/>
-              </a:rPr>
-              <a:t>축 연산 </a:t>
-            </a:r>
-            <a:endParaRPr lang="en-US" altLang="ko-KR" sz="2400" dirty="0">
-              <a:solidFill>
-                <a:schemeClr val="bg1"/>
-              </a:solidFill>
-              <a:latin typeface="HY헤드라인M" panose="02030600000101010101" pitchFamily="18" charset="-127"/>
-              <a:ea typeface="HY헤드라인M" panose="02030600000101010101" pitchFamily="18" charset="-127"/>
-            </a:endParaRPr>
-          </a:p>
-        </p:txBody>
-      </p:sp>
-      <p:pic>
-        <p:nvPicPr>
-          <p:cNvPr id="5" name="그림 4">
-            <a:extLst>
-              <a:ext uri="{FF2B5EF4-FFF2-40B4-BE49-F238E27FC236}">
-                <a16:creationId xmlns:a16="http://schemas.microsoft.com/office/drawing/2014/main" id="{EF40A4B1-DF4A-4537-80F5-B9DA0F334A71}"/>
-              </a:ext>
-            </a:extLst>
-          </p:cNvPr>
-          <p:cNvPicPr>
-            <a:picLocks noChangeAspect="1"/>
-          </p:cNvPicPr>
-          <p:nvPr/>
-        </p:nvPicPr>
-        <p:blipFill>
-          <a:blip r:embed="rId2"/>
-          <a:stretch>
-            <a:fillRect/>
-          </a:stretch>
-        </p:blipFill>
-        <p:spPr>
-          <a:xfrm>
-            <a:off x="971578" y="3429000"/>
-            <a:ext cx="5076825" cy="2607144"/>
-          </a:xfrm>
-          <a:prstGeom prst="rect">
-            <a:avLst/>
-          </a:prstGeom>
-        </p:spPr>
-      </p:pic>
-      <p:pic>
-        <p:nvPicPr>
-          <p:cNvPr id="8" name="그림 7">
-            <a:extLst>
-              <a:ext uri="{FF2B5EF4-FFF2-40B4-BE49-F238E27FC236}">
-                <a16:creationId xmlns:a16="http://schemas.microsoft.com/office/drawing/2014/main" id="{A88F74C9-306B-4CCE-AF85-30FC09550251}"/>
-              </a:ext>
-            </a:extLst>
-          </p:cNvPr>
-          <p:cNvPicPr>
-            <a:picLocks noChangeAspect="1"/>
-          </p:cNvPicPr>
-          <p:nvPr/>
-        </p:nvPicPr>
-        <p:blipFill>
-          <a:blip r:embed="rId3"/>
-          <a:stretch>
-            <a:fillRect/>
-          </a:stretch>
-        </p:blipFill>
-        <p:spPr>
-          <a:xfrm>
-            <a:off x="6143599" y="3316663"/>
-            <a:ext cx="4991100" cy="2607144"/>
-          </a:xfrm>
-          <a:prstGeom prst="rect">
-            <a:avLst/>
-          </a:prstGeom>
-        </p:spPr>
-      </p:pic>
-    </p:spTree>
-    <p:extLst>
-      <p:ext uri="{BB962C8B-B14F-4D97-AF65-F5344CB8AC3E}">
-        <p14:creationId xmlns:p14="http://schemas.microsoft.com/office/powerpoint/2010/main" val="512319781"/>
-      </p:ext>
-    </p:extLst>
-  </p:cSld>
-  <p:clrMapOvr>
-    <a:masterClrMapping/>
-  </p:clrMapOvr>
-</p:sld>
-</file>
-
-<file path=ppt/slides/slide22.xml><?xml version="1.0" encoding="utf-8"?>
-<p:sld xmlns:a="http://schemas.openxmlformats.org/drawingml/2006/main" xmlns:r="http://schemas.openxmlformats.org/officeDocument/2006/relationships" xmlns:p="http://schemas.openxmlformats.org/presentationml/2006/main">
-  <p:cSld>
-    <p:spTree>
-      <p:nvGrpSpPr>
-        <p:cNvPr id="1" name=""/>
-        <p:cNvGrpSpPr/>
-        <p:nvPr/>
-      </p:nvGrpSpPr>
-      <p:grpSpPr>
-        <a:xfrm>
-          <a:off x="0" y="0"/>
-          <a:ext cx="0" cy="0"/>
-          <a:chOff x="0" y="0"/>
-          <a:chExt cx="0" cy="0"/>
-        </a:xfrm>
-      </p:grpSpPr>
-      <p:sp>
-        <p:nvSpPr>
-          <p:cNvPr id="4" name="텍스트 개체 틀 3"/>
-          <p:cNvSpPr>
-            <a:spLocks noGrp="1"/>
-          </p:cNvSpPr>
-          <p:nvPr>
-            <p:ph type="body" sz="quarter" idx="4294967295"/>
-          </p:nvPr>
-        </p:nvSpPr>
-        <p:spPr>
-          <a:xfrm>
-            <a:off x="986847" y="1523687"/>
-            <a:ext cx="10123113" cy="1524394"/>
-          </a:xfrm>
-          <a:prstGeom prst="rect">
-            <a:avLst/>
-          </a:prstGeom>
-        </p:spPr>
-        <p:txBody>
-          <a:bodyPr/>
-          <a:lstStyle/>
-          <a:p>
-            <a:pPr marL="0" indent="0">
-              <a:buNone/>
-            </a:pPr>
-            <a:endParaRPr lang="en-US" altLang="ko-KR" sz="1969" dirty="0">
-              <a:latin typeface="HY헤드라인M" panose="02030600000101010101" pitchFamily="18" charset="-127"/>
-              <a:ea typeface="HY헤드라인M" panose="02030600000101010101" pitchFamily="18" charset="-127"/>
-            </a:endParaRPr>
-          </a:p>
-          <a:p>
-            <a:pPr marL="422041" indent="-422041">
-              <a:buFont typeface="Arial" panose="020B0604020202020204" pitchFamily="34" charset="0"/>
-              <a:buChar char="•"/>
-            </a:pPr>
-            <a:r>
               <a:rPr lang="ko-KR" altLang="en-US" sz="2000" b="0" dirty="0" err="1"/>
               <a:t>벡터화연산을</a:t>
             </a:r>
@@ -7400,7 +6626,7 @@
 </p:sld>
 </file>
 
-<file path=ppt/slides/slide23.xml><?xml version="1.0" encoding="utf-8"?>
+<file path=ppt/slides/slide22.xml><?xml version="1.0" encoding="utf-8"?>
 <p:sld xmlns:a="http://schemas.openxmlformats.org/drawingml/2006/main" xmlns:r="http://schemas.openxmlformats.org/officeDocument/2006/relationships" xmlns:p="http://schemas.openxmlformats.org/presentationml/2006/main">
   <p:cSld>
     <p:spTree>
@@ -7457,6 +6683,414 @@
     <p:extLst>
       <p:ext uri="{BB962C8B-B14F-4D97-AF65-F5344CB8AC3E}">
         <p14:creationId xmlns:p14="http://schemas.microsoft.com/office/powerpoint/2010/main" val="3141405729"/>
+      </p:ext>
+    </p:extLst>
+  </p:cSld>
+  <p:clrMapOvr>
+    <a:masterClrMapping/>
+  </p:clrMapOvr>
+</p:sld>
+</file>
+
+<file path=ppt/slides/slide23.xml><?xml version="1.0" encoding="utf-8"?>
+<p:sld xmlns:a="http://schemas.openxmlformats.org/drawingml/2006/main" xmlns:r="http://schemas.openxmlformats.org/officeDocument/2006/relationships" xmlns:p="http://schemas.openxmlformats.org/presentationml/2006/main">
+  <p:cSld>
+    <p:spTree>
+      <p:nvGrpSpPr>
+        <p:cNvPr id="1" name=""/>
+        <p:cNvGrpSpPr/>
+        <p:nvPr/>
+      </p:nvGrpSpPr>
+      <p:grpSpPr>
+        <a:xfrm>
+          <a:off x="0" y="0"/>
+          <a:ext cx="0" cy="0"/>
+          <a:chOff x="0" y="0"/>
+          <a:chExt cx="0" cy="0"/>
+        </a:xfrm>
+      </p:grpSpPr>
+      <p:sp>
+        <p:nvSpPr>
+          <p:cNvPr id="4" name="텍스트 개체 틀 3"/>
+          <p:cNvSpPr>
+            <a:spLocks noGrp="1"/>
+          </p:cNvSpPr>
+          <p:nvPr>
+            <p:ph type="body" sz="quarter" idx="4294967295"/>
+          </p:nvPr>
+        </p:nvSpPr>
+        <p:spPr>
+          <a:xfrm>
+            <a:off x="986847" y="1523687"/>
+            <a:ext cx="10123113" cy="1524394"/>
+          </a:xfrm>
+          <a:prstGeom prst="rect">
+            <a:avLst/>
+          </a:prstGeom>
+        </p:spPr>
+        <p:txBody>
+          <a:bodyPr/>
+          <a:lstStyle/>
+          <a:p>
+            <a:pPr marL="0" indent="0">
+              <a:buNone/>
+            </a:pPr>
+            <a:endParaRPr lang="en-US" altLang="ko-KR" sz="1969" dirty="0">
+              <a:latin typeface="HY헤드라인M" panose="02030600000101010101" pitchFamily="18" charset="-127"/>
+              <a:ea typeface="HY헤드라인M" panose="02030600000101010101" pitchFamily="18" charset="-127"/>
+            </a:endParaRPr>
+          </a:p>
+          <a:p>
+            <a:pPr marL="422041" indent="-422041">
+              <a:buFont typeface="Arial" panose="020B0604020202020204" pitchFamily="34" charset="0"/>
+              <a:buChar char="•"/>
+            </a:pPr>
+            <a:r>
+              <a:rPr lang="ko-KR" altLang="en-US" sz="2000" b="0" dirty="0"/>
+              <a:t>다차원 배열을 다른 변수에 할당하면 공유 즉 동일한 </a:t>
+            </a:r>
+            <a:r>
+              <a:rPr lang="ko-KR" altLang="en-US" sz="2000" dirty="0"/>
+              <a:t>뷰를 제공합니다</a:t>
+            </a:r>
+            <a:r>
+              <a:rPr lang="en-US" altLang="ko-KR" sz="2000" dirty="0"/>
+              <a:t>.</a:t>
+            </a:r>
+          </a:p>
+          <a:p>
+            <a:pPr marL="422041" indent="-422041">
+              <a:buFont typeface="Arial" panose="020B0604020202020204" pitchFamily="34" charset="0"/>
+              <a:buChar char="•"/>
+            </a:pPr>
+            <a:r>
+              <a:rPr lang="ko-KR" altLang="en-US" sz="2000" b="0" dirty="0"/>
+              <a:t>특정 원소를 갱신하면 원본이 갱신됩니다</a:t>
+            </a:r>
+            <a:r>
+              <a:rPr lang="en-US" altLang="ko-KR" sz="2000" b="0" dirty="0"/>
+              <a:t>. </a:t>
+            </a:r>
+          </a:p>
+        </p:txBody>
+      </p:sp>
+      <p:sp>
+        <p:nvSpPr>
+          <p:cNvPr id="10" name="텍스트 개체 틀 3">
+            <a:extLst>
+              <a:ext uri="{FF2B5EF4-FFF2-40B4-BE49-F238E27FC236}">
+                <a16:creationId xmlns:a16="http://schemas.microsoft.com/office/drawing/2014/main" id="{7056A183-B26F-4453-8A67-02D442D85E32}"/>
+              </a:ext>
+            </a:extLst>
+          </p:cNvPr>
+          <p:cNvSpPr txBox="1">
+            <a:spLocks/>
+          </p:cNvSpPr>
+          <p:nvPr/>
+        </p:nvSpPr>
+        <p:spPr>
+          <a:xfrm>
+            <a:off x="1289014" y="1316368"/>
+            <a:ext cx="4272690" cy="414638"/>
+          </a:xfrm>
+          <a:prstGeom prst="rect">
+            <a:avLst/>
+          </a:prstGeom>
+        </p:spPr>
+        <p:txBody>
+          <a:bodyPr/>
+          <a:lstStyle>
+            <a:lvl1pPr marL="228600" indent="-228600" algn="l" defTabSz="914400" rtl="0" eaLnBrk="1" latinLnBrk="1" hangingPunct="1">
+              <a:lnSpc>
+                <a:spcPct val="90000"/>
+              </a:lnSpc>
+              <a:spcBef>
+                <a:spcPts val="1000"/>
+              </a:spcBef>
+              <a:buFont typeface="Arial" panose="020B0604020202020204" pitchFamily="34" charset="0"/>
+              <a:buChar char="•"/>
+              <a:defRPr sz="2800" kern="1200">
+                <a:solidFill>
+                  <a:schemeClr val="tx1"/>
+                </a:solidFill>
+                <a:latin typeface="+mn-lt"/>
+                <a:ea typeface="+mn-ea"/>
+                <a:cs typeface="+mn-cs"/>
+              </a:defRPr>
+            </a:lvl1pPr>
+            <a:lvl2pPr marL="685800" indent="-228600" algn="l" defTabSz="914400" rtl="0" eaLnBrk="1" latinLnBrk="1" hangingPunct="1">
+              <a:lnSpc>
+                <a:spcPct val="90000"/>
+              </a:lnSpc>
+              <a:spcBef>
+                <a:spcPts val="500"/>
+              </a:spcBef>
+              <a:buFont typeface="Arial" panose="020B0604020202020204" pitchFamily="34" charset="0"/>
+              <a:buChar char="•"/>
+              <a:defRPr sz="2400" kern="1200">
+                <a:solidFill>
+                  <a:schemeClr val="tx1"/>
+                </a:solidFill>
+                <a:latin typeface="+mn-lt"/>
+                <a:ea typeface="+mn-ea"/>
+                <a:cs typeface="+mn-cs"/>
+              </a:defRPr>
+            </a:lvl2pPr>
+            <a:lvl3pPr marL="1143000" indent="-228600" algn="l" defTabSz="914400" rtl="0" eaLnBrk="1" latinLnBrk="1" hangingPunct="1">
+              <a:lnSpc>
+                <a:spcPct val="90000"/>
+              </a:lnSpc>
+              <a:spcBef>
+                <a:spcPts val="500"/>
+              </a:spcBef>
+              <a:buFont typeface="Arial" panose="020B0604020202020204" pitchFamily="34" charset="0"/>
+              <a:buChar char="•"/>
+              <a:defRPr sz="2000" kern="1200">
+                <a:solidFill>
+                  <a:schemeClr val="tx1"/>
+                </a:solidFill>
+                <a:latin typeface="+mn-lt"/>
+                <a:ea typeface="+mn-ea"/>
+                <a:cs typeface="+mn-cs"/>
+              </a:defRPr>
+            </a:lvl3pPr>
+            <a:lvl4pPr marL="1600200" indent="-228600" algn="l" defTabSz="914400" rtl="0" eaLnBrk="1" latinLnBrk="1" hangingPunct="1">
+              <a:lnSpc>
+                <a:spcPct val="90000"/>
+              </a:lnSpc>
+              <a:spcBef>
+                <a:spcPts val="500"/>
+              </a:spcBef>
+              <a:buFont typeface="Arial" panose="020B0604020202020204" pitchFamily="34" charset="0"/>
+              <a:buChar char="•"/>
+              <a:defRPr sz="1800" kern="1200">
+                <a:solidFill>
+                  <a:schemeClr val="tx1"/>
+                </a:solidFill>
+                <a:latin typeface="+mn-lt"/>
+                <a:ea typeface="+mn-ea"/>
+                <a:cs typeface="+mn-cs"/>
+              </a:defRPr>
+            </a:lvl4pPr>
+            <a:lvl5pPr marL="2057400" indent="-228600" algn="l" defTabSz="914400" rtl="0" eaLnBrk="1" latinLnBrk="1" hangingPunct="1">
+              <a:lnSpc>
+                <a:spcPct val="90000"/>
+              </a:lnSpc>
+              <a:spcBef>
+                <a:spcPts val="500"/>
+              </a:spcBef>
+              <a:buFont typeface="Arial" panose="020B0604020202020204" pitchFamily="34" charset="0"/>
+              <a:buChar char="•"/>
+              <a:defRPr sz="1800" kern="1200">
+                <a:solidFill>
+                  <a:schemeClr val="tx1"/>
+                </a:solidFill>
+                <a:latin typeface="+mn-lt"/>
+                <a:ea typeface="+mn-ea"/>
+                <a:cs typeface="+mn-cs"/>
+              </a:defRPr>
+            </a:lvl5pPr>
+            <a:lvl6pPr marL="2514600" indent="-228600" algn="l" defTabSz="914400" rtl="0" eaLnBrk="1" latinLnBrk="1" hangingPunct="1">
+              <a:lnSpc>
+                <a:spcPct val="90000"/>
+              </a:lnSpc>
+              <a:spcBef>
+                <a:spcPts val="500"/>
+              </a:spcBef>
+              <a:buFont typeface="Arial" panose="020B0604020202020204" pitchFamily="34" charset="0"/>
+              <a:buChar char="•"/>
+              <a:defRPr sz="1800" kern="1200">
+                <a:solidFill>
+                  <a:schemeClr val="tx1"/>
+                </a:solidFill>
+                <a:latin typeface="+mn-lt"/>
+                <a:ea typeface="+mn-ea"/>
+                <a:cs typeface="+mn-cs"/>
+              </a:defRPr>
+            </a:lvl6pPr>
+            <a:lvl7pPr marL="2971800" indent="-228600" algn="l" defTabSz="914400" rtl="0" eaLnBrk="1" latinLnBrk="1" hangingPunct="1">
+              <a:lnSpc>
+                <a:spcPct val="90000"/>
+              </a:lnSpc>
+              <a:spcBef>
+                <a:spcPts val="500"/>
+              </a:spcBef>
+              <a:buFont typeface="Arial" panose="020B0604020202020204" pitchFamily="34" charset="0"/>
+              <a:buChar char="•"/>
+              <a:defRPr sz="1800" kern="1200">
+                <a:solidFill>
+                  <a:schemeClr val="tx1"/>
+                </a:solidFill>
+                <a:latin typeface="+mn-lt"/>
+                <a:ea typeface="+mn-ea"/>
+                <a:cs typeface="+mn-cs"/>
+              </a:defRPr>
+            </a:lvl7pPr>
+            <a:lvl8pPr marL="3429000" indent="-228600" algn="l" defTabSz="914400" rtl="0" eaLnBrk="1" latinLnBrk="1" hangingPunct="1">
+              <a:lnSpc>
+                <a:spcPct val="90000"/>
+              </a:lnSpc>
+              <a:spcBef>
+                <a:spcPts val="500"/>
+              </a:spcBef>
+              <a:buFont typeface="Arial" panose="020B0604020202020204" pitchFamily="34" charset="0"/>
+              <a:buChar char="•"/>
+              <a:defRPr sz="1800" kern="1200">
+                <a:solidFill>
+                  <a:schemeClr val="tx1"/>
+                </a:solidFill>
+                <a:latin typeface="+mn-lt"/>
+                <a:ea typeface="+mn-ea"/>
+                <a:cs typeface="+mn-cs"/>
+              </a:defRPr>
+            </a:lvl8pPr>
+            <a:lvl9pPr marL="3886200" indent="-228600" algn="l" defTabSz="914400" rtl="0" eaLnBrk="1" latinLnBrk="1" hangingPunct="1">
+              <a:lnSpc>
+                <a:spcPct val="90000"/>
+              </a:lnSpc>
+              <a:spcBef>
+                <a:spcPts val="500"/>
+              </a:spcBef>
+              <a:buFont typeface="Arial" panose="020B0604020202020204" pitchFamily="34" charset="0"/>
+              <a:buChar char="•"/>
+              <a:defRPr sz="1800" kern="1200">
+                <a:solidFill>
+                  <a:schemeClr val="tx1"/>
+                </a:solidFill>
+                <a:latin typeface="+mn-lt"/>
+                <a:ea typeface="+mn-ea"/>
+                <a:cs typeface="+mn-cs"/>
+              </a:defRPr>
+            </a:lvl9pPr>
+          </a:lstStyle>
+          <a:p>
+            <a:pPr marL="0" indent="0">
+              <a:buNone/>
+            </a:pPr>
+            <a:r>
+              <a:rPr lang="en-US" altLang="ko-KR" sz="2400" dirty="0">
+                <a:solidFill>
+                  <a:schemeClr val="bg1"/>
+                </a:solidFill>
+                <a:latin typeface="HY헤드라인M" panose="02030600000101010101" pitchFamily="18" charset="-127"/>
+                <a:ea typeface="HY헤드라인M" panose="02030600000101010101" pitchFamily="18" charset="-127"/>
+              </a:rPr>
+              <a:t> </a:t>
+            </a:r>
+            <a:r>
+              <a:rPr lang="ko-KR" altLang="en-US" sz="2400" dirty="0">
+                <a:solidFill>
+                  <a:schemeClr val="bg1"/>
+                </a:solidFill>
+                <a:latin typeface="HY헤드라인M" panose="02030600000101010101" pitchFamily="18" charset="-127"/>
+                <a:ea typeface="HY헤드라인M" panose="02030600000101010101" pitchFamily="18" charset="-127"/>
+              </a:rPr>
+              <a:t>배열을 다른 변수에 할당</a:t>
+            </a:r>
+            <a:endParaRPr lang="en-US" altLang="ko-KR" sz="2400" dirty="0">
+              <a:solidFill>
+                <a:schemeClr val="bg1"/>
+              </a:solidFill>
+              <a:latin typeface="HY헤드라인M" panose="02030600000101010101" pitchFamily="18" charset="-127"/>
+              <a:ea typeface="HY헤드라인M" panose="02030600000101010101" pitchFamily="18" charset="-127"/>
+            </a:endParaRPr>
+          </a:p>
+        </p:txBody>
+      </p:sp>
+      <p:pic>
+        <p:nvPicPr>
+          <p:cNvPr id="5" name="그림 4">
+            <a:extLst>
+              <a:ext uri="{FF2B5EF4-FFF2-40B4-BE49-F238E27FC236}">
+                <a16:creationId xmlns:a16="http://schemas.microsoft.com/office/drawing/2014/main" id="{7CE327A1-7072-4CFF-9F1D-491A34D429F1}"/>
+              </a:ext>
+            </a:extLst>
+          </p:cNvPr>
+          <p:cNvPicPr>
+            <a:picLocks noChangeAspect="1"/>
+          </p:cNvPicPr>
+          <p:nvPr/>
+        </p:nvPicPr>
+        <p:blipFill>
+          <a:blip r:embed="rId2"/>
+          <a:stretch>
+            <a:fillRect/>
+          </a:stretch>
+        </p:blipFill>
+        <p:spPr>
+          <a:xfrm>
+            <a:off x="986847" y="3429000"/>
+            <a:ext cx="5000625" cy="1276350"/>
+          </a:xfrm>
+          <a:prstGeom prst="rect">
+            <a:avLst/>
+          </a:prstGeom>
+        </p:spPr>
+      </p:pic>
+      <p:pic>
+        <p:nvPicPr>
+          <p:cNvPr id="8" name="그림 7">
+            <a:extLst>
+              <a:ext uri="{FF2B5EF4-FFF2-40B4-BE49-F238E27FC236}">
+                <a16:creationId xmlns:a16="http://schemas.microsoft.com/office/drawing/2014/main" id="{F6E6E80C-4D4B-4EAF-8C3D-0E00DC14BBE2}"/>
+              </a:ext>
+            </a:extLst>
+          </p:cNvPr>
+          <p:cNvPicPr>
+            <a:picLocks noChangeAspect="1"/>
+          </p:cNvPicPr>
+          <p:nvPr/>
+        </p:nvPicPr>
+        <p:blipFill>
+          <a:blip r:embed="rId3"/>
+          <a:stretch>
+            <a:fillRect/>
+          </a:stretch>
+        </p:blipFill>
+        <p:spPr>
+          <a:xfrm>
+            <a:off x="996372" y="4715188"/>
+            <a:ext cx="4991100" cy="1238250"/>
+          </a:xfrm>
+          <a:prstGeom prst="rect">
+            <a:avLst/>
+          </a:prstGeom>
+        </p:spPr>
+      </p:pic>
+      <p:pic>
+        <p:nvPicPr>
+          <p:cNvPr id="11" name="그림 10">
+            <a:extLst>
+              <a:ext uri="{FF2B5EF4-FFF2-40B4-BE49-F238E27FC236}">
+                <a16:creationId xmlns:a16="http://schemas.microsoft.com/office/drawing/2014/main" id="{937FC4F3-B630-468D-AFE7-5A3F78035BE6}"/>
+              </a:ext>
+            </a:extLst>
+          </p:cNvPr>
+          <p:cNvPicPr>
+            <a:picLocks noChangeAspect="1"/>
+          </p:cNvPicPr>
+          <p:nvPr/>
+        </p:nvPicPr>
+        <p:blipFill>
+          <a:blip r:embed="rId4"/>
+          <a:stretch>
+            <a:fillRect/>
+          </a:stretch>
+        </p:blipFill>
+        <p:spPr>
+          <a:xfrm>
+            <a:off x="6291262" y="3429000"/>
+            <a:ext cx="5095875" cy="2249424"/>
+          </a:xfrm>
+          <a:prstGeom prst="rect">
+            <a:avLst/>
+          </a:prstGeom>
+        </p:spPr>
+      </p:pic>
+    </p:spTree>
+    <p:extLst>
+      <p:ext uri="{BB962C8B-B14F-4D97-AF65-F5344CB8AC3E}">
+        <p14:creationId xmlns:p14="http://schemas.microsoft.com/office/powerpoint/2010/main" val="3543625361"/>
       </p:ext>
     </p:extLst>
   </p:cSld>
@@ -7520,12 +7154,16 @@
               <a:buChar char="•"/>
             </a:pPr>
             <a:r>
-              <a:rPr lang="ko-KR" altLang="en-US" sz="2000" b="0" dirty="0"/>
-              <a:t>다차원 배열을 다른 변수에 할당하면 공유 즉 동일한 </a:t>
-            </a:r>
-            <a:r>
               <a:rPr lang="ko-KR" altLang="en-US" sz="2000" dirty="0"/>
-              <a:t>뷰를 제공합니다</a:t>
+              <a:t>새로운 다차원 배열로 사용하려면 </a:t>
+            </a:r>
+            <a:r>
+              <a:rPr lang="en-US" altLang="ko-KR" sz="2000" dirty="0"/>
+              <a:t>copy </a:t>
+            </a:r>
+            <a:r>
+              <a:rPr lang="ko-KR" altLang="en-US" sz="2000" dirty="0"/>
+              <a:t>메소드를 사용해 다른 변수에 할당합니다</a:t>
             </a:r>
             <a:r>
               <a:rPr lang="en-US" altLang="ko-KR" sz="2000" dirty="0"/>
@@ -7538,12 +7176,24 @@
               <a:buChar char="•"/>
             </a:pPr>
             <a:r>
-              <a:rPr lang="ko-KR" altLang="en-US" sz="2000" b="0" dirty="0"/>
-              <a:t>특정 원소를 갱신하면 원본이 갱신됩니다</a:t>
+              <a:rPr lang="ko-KR" altLang="en-US" sz="2000" dirty="0"/>
+              <a:t>다차원 배열을 </a:t>
+            </a:r>
+            <a:r>
+              <a:rPr lang="ko-KR" altLang="en-US" sz="2000" dirty="0" err="1"/>
+              <a:t>슬라이스해도</a:t>
+            </a:r>
+            <a:r>
+              <a:rPr lang="ko-KR" altLang="en-US" sz="2000" dirty="0"/>
+              <a:t> 뷰이므로 동일한 배열을 공유합니다</a:t>
+            </a:r>
+            <a:r>
+              <a:rPr lang="en-US" altLang="ko-KR" sz="2000" dirty="0"/>
+              <a:t>. </a:t>
             </a:r>
             <a:r>
               <a:rPr lang="en-US" altLang="ko-KR" sz="2000" b="0" dirty="0"/>
-              <a:t>. </a:t>
+              <a:t> </a:t>
             </a:r>
           </a:p>
         </p:txBody>
@@ -7759,7 +7409,27 @@
                 <a:latin typeface="HY헤드라인M" panose="02030600000101010101" pitchFamily="18" charset="-127"/>
                 <a:ea typeface="HY헤드라인M" panose="02030600000101010101" pitchFamily="18" charset="-127"/>
               </a:rPr>
-              <a:t>배열을 다른 변수에 할당</a:t>
+              <a:t>배열의 복사</a:t>
+            </a:r>
+            <a:r>
+              <a:rPr lang="en-US" altLang="ko-KR" sz="2400" dirty="0">
+                <a:solidFill>
+                  <a:schemeClr val="bg1"/>
+                </a:solidFill>
+                <a:latin typeface="HY헤드라인M" panose="02030600000101010101" pitchFamily="18" charset="-127"/>
+                <a:ea typeface="HY헤드라인M" panose="02030600000101010101" pitchFamily="18" charset="-127"/>
+              </a:rPr>
+              <a:t>/</a:t>
+            </a:r>
+            <a:r>
+              <a:rPr lang="ko-KR" altLang="en-US" sz="2400" dirty="0">
+                <a:solidFill>
+                  <a:schemeClr val="bg1"/>
+                </a:solidFill>
+                <a:latin typeface="HY헤드라인M" panose="02030600000101010101" pitchFamily="18" charset="-127"/>
+                <a:ea typeface="HY헤드라인M" panose="02030600000101010101" pitchFamily="18" charset="-127"/>
+              </a:rPr>
+              <a:t>뷰 확인</a:t>
             </a:r>
             <a:endParaRPr lang="en-US" altLang="ko-KR" sz="2400" dirty="0">
               <a:solidFill>
@@ -7773,10 +7443,10 @@
       </p:sp>
       <p:pic>
         <p:nvPicPr>
-          <p:cNvPr id="5" name="그림 4">
+          <p:cNvPr id="3" name="그림 2">
             <a:extLst>
               <a:ext uri="{FF2B5EF4-FFF2-40B4-BE49-F238E27FC236}">
-                <a16:creationId xmlns:a16="http://schemas.microsoft.com/office/drawing/2014/main" id="{7CE327A1-7072-4CFF-9F1D-491A34D429F1}"/>
+                <a16:creationId xmlns:a16="http://schemas.microsoft.com/office/drawing/2014/main" id="{00745369-4D67-4F0A-BEC2-8B6346D13623}"/>
               </a:ext>
             </a:extLst>
           </p:cNvPr>
@@ -7793,8 +7463,8 @@
         </p:blipFill>
         <p:spPr>
           <a:xfrm>
-            <a:off x="986847" y="3429000"/>
-            <a:ext cx="5000625" cy="1276350"/>
+            <a:off x="1057275" y="3118866"/>
+            <a:ext cx="5038725" cy="876300"/>
           </a:xfrm>
           <a:prstGeom prst="rect">
             <a:avLst/>
@@ -7803,10 +7473,10 @@
       </p:pic>
       <p:pic>
         <p:nvPicPr>
-          <p:cNvPr id="8" name="그림 7">
+          <p:cNvPr id="7" name="그림 6">
             <a:extLst>
               <a:ext uri="{FF2B5EF4-FFF2-40B4-BE49-F238E27FC236}">
-                <a16:creationId xmlns:a16="http://schemas.microsoft.com/office/drawing/2014/main" id="{F6E6E80C-4D4B-4EAF-8C3D-0E00DC14BBE2}"/>
+                <a16:creationId xmlns:a16="http://schemas.microsoft.com/office/drawing/2014/main" id="{EA1CC41E-3D8A-4765-8435-772326E998DF}"/>
               </a:ext>
             </a:extLst>
           </p:cNvPr>
@@ -7823,8 +7493,8 @@
         </p:blipFill>
         <p:spPr>
           <a:xfrm>
-            <a:off x="996372" y="4715188"/>
-            <a:ext cx="4991100" cy="1238250"/>
+            <a:off x="986847" y="4324663"/>
+            <a:ext cx="5038725" cy="1009650"/>
           </a:xfrm>
           <a:prstGeom prst="rect">
             <a:avLst/>
@@ -7833,10 +7503,10 @@
       </p:pic>
       <p:pic>
         <p:nvPicPr>
-          <p:cNvPr id="11" name="그림 10">
+          <p:cNvPr id="12" name="그림 11">
             <a:extLst>
               <a:ext uri="{FF2B5EF4-FFF2-40B4-BE49-F238E27FC236}">
-                <a16:creationId xmlns:a16="http://schemas.microsoft.com/office/drawing/2014/main" id="{937FC4F3-B630-468D-AFE7-5A3F78035BE6}"/>
+                <a16:creationId xmlns:a16="http://schemas.microsoft.com/office/drawing/2014/main" id="{6C5D0222-645F-4BEA-B0EE-38355213C643}"/>
               </a:ext>
             </a:extLst>
           </p:cNvPr>
@@ -7853,8 +7523,8 @@
         </p:blipFill>
         <p:spPr>
           <a:xfrm>
-            <a:off x="6291262" y="3429000"/>
-            <a:ext cx="5095875" cy="2249424"/>
+            <a:off x="6320218" y="4477063"/>
+            <a:ext cx="5029200" cy="704850"/>
           </a:xfrm>
           <a:prstGeom prst="rect">
             <a:avLst/>
@@ -7864,7 +7534,7 @@
     </p:spTree>
     <p:extLst>
       <p:ext uri="{BB962C8B-B14F-4D97-AF65-F5344CB8AC3E}">
-        <p14:creationId xmlns:p14="http://schemas.microsoft.com/office/powerpoint/2010/main" val="3543625361"/>
+        <p14:creationId xmlns:p14="http://schemas.microsoft.com/office/powerpoint/2010/main" val="235709099"/>
       </p:ext>
     </p:extLst>
   </p:cSld>
@@ -7929,15 +7599,23 @@
             </a:pPr>
             <a:r>
               <a:rPr lang="ko-KR" altLang="en-US" sz="2000" dirty="0"/>
-              <a:t>새로운 다차원 배열로 사용하려면 </a:t>
+              <a:t>검색 기호는 대괄호</a:t>
             </a:r>
             <a:r>
               <a:rPr lang="en-US" altLang="ko-KR" sz="2000" dirty="0"/>
-              <a:t>copy </a:t>
+              <a:t>([ ])</a:t>
             </a:r>
             <a:r>
               <a:rPr lang="ko-KR" altLang="en-US" sz="2000" dirty="0"/>
-              <a:t>메소드를 사용해 다른 변수에 할당합니다</a:t>
+              <a:t>이며 이 기호가 실행되면 내부적으로  </a:t>
+            </a:r>
+            <a:r>
+              <a:rPr lang="en-US" altLang="ko-KR" sz="2000" dirty="0"/>
+              <a:t>__getitem__ </a:t>
+            </a:r>
+            <a:r>
+              <a:rPr lang="ko-KR" altLang="en-US" sz="2000" dirty="0"/>
+              <a:t>스페셜 메소드가 실행되는 것입니다</a:t>
             </a:r>
             <a:r>
               <a:rPr lang="en-US" altLang="ko-KR" sz="2000" dirty="0"/>
@@ -7951,24 +7629,21 @@
             </a:pPr>
             <a:r>
               <a:rPr lang="ko-KR" altLang="en-US" sz="2000" dirty="0"/>
-              <a:t>다차원 배열을 </a:t>
-            </a:r>
-            <a:r>
-              <a:rPr lang="ko-KR" altLang="en-US" sz="2000" dirty="0" err="1"/>
-              <a:t>슬라이스해도</a:t>
+              <a:t>슬라이스도 검색 기호에 </a:t>
+            </a:r>
+            <a:r>
+              <a:rPr lang="en-US" altLang="ko-KR" sz="2000" dirty="0"/>
+              <a:t>slice </a:t>
             </a:r>
             <a:r>
               <a:rPr lang="ko-KR" altLang="en-US" sz="2000" dirty="0"/>
-              <a:t> 뷰이므로 동일한 배열을 공유합니다</a:t>
+              <a:t>객체를 인자로 전달해 검색합니다</a:t>
             </a:r>
             <a:r>
               <a:rPr lang="en-US" altLang="ko-KR" sz="2000" dirty="0"/>
-              <a:t>. </a:t>
-            </a:r>
-            <a:r>
-              <a:rPr lang="en-US" altLang="ko-KR" sz="2000" b="0" dirty="0"/>
-              <a:t> </a:t>
-            </a:r>
+              <a:t>.   </a:t>
+            </a:r>
+            <a:endParaRPr lang="en-US" altLang="ko-KR" sz="2000" b="0" dirty="0"/>
           </a:p>
         </p:txBody>
       </p:sp>
@@ -8183,27 +7858,7 @@
                 <a:latin typeface="HY헤드라인M" panose="02030600000101010101" pitchFamily="18" charset="-127"/>
                 <a:ea typeface="HY헤드라인M" panose="02030600000101010101" pitchFamily="18" charset="-127"/>
               </a:rPr>
-              <a:t>배열의 복사</a:t>
-            </a:r>
-            <a:r>
-              <a:rPr lang="en-US" altLang="ko-KR" sz="2400" dirty="0">
-                <a:solidFill>
-                  <a:schemeClr val="bg1"/>
-                </a:solidFill>
-                <a:latin typeface="HY헤드라인M" panose="02030600000101010101" pitchFamily="18" charset="-127"/>
-                <a:ea typeface="HY헤드라인M" panose="02030600000101010101" pitchFamily="18" charset="-127"/>
-              </a:rPr>
-              <a:t>/</a:t>
-            </a:r>
-            <a:r>
-              <a:rPr lang="ko-KR" altLang="en-US" sz="2400" dirty="0">
-                <a:solidFill>
-                  <a:schemeClr val="bg1"/>
-                </a:solidFill>
-                <a:latin typeface="HY헤드라인M" panose="02030600000101010101" pitchFamily="18" charset="-127"/>
-                <a:ea typeface="HY헤드라인M" panose="02030600000101010101" pitchFamily="18" charset="-127"/>
-              </a:rPr>
-              <a:t>뷰 확인</a:t>
+              <a:t>리스트  검색</a:t>
             </a:r>
             <a:endParaRPr lang="en-US" altLang="ko-KR" sz="2400" dirty="0">
               <a:solidFill>
@@ -8217,10 +7872,10 @@
       </p:sp>
       <p:pic>
         <p:nvPicPr>
-          <p:cNvPr id="3" name="그림 2">
+          <p:cNvPr id="5" name="그림 4">
             <a:extLst>
               <a:ext uri="{FF2B5EF4-FFF2-40B4-BE49-F238E27FC236}">
-                <a16:creationId xmlns:a16="http://schemas.microsoft.com/office/drawing/2014/main" id="{00745369-4D67-4F0A-BEC2-8B6346D13623}"/>
+                <a16:creationId xmlns:a16="http://schemas.microsoft.com/office/drawing/2014/main" id="{1EF2C701-76E4-4083-B40C-B8AD55F43451}"/>
               </a:ext>
             </a:extLst>
           </p:cNvPr>
@@ -8237,8 +7892,8 @@
         </p:blipFill>
         <p:spPr>
           <a:xfrm>
-            <a:off x="1057275" y="3118866"/>
-            <a:ext cx="5038725" cy="876300"/>
+            <a:off x="810387" y="3493008"/>
+            <a:ext cx="5060062" cy="2386584"/>
           </a:xfrm>
           <a:prstGeom prst="rect">
             <a:avLst/>
@@ -8247,10 +7902,10 @@
       </p:pic>
       <p:pic>
         <p:nvPicPr>
-          <p:cNvPr id="7" name="그림 6">
+          <p:cNvPr id="8" name="그림 7">
             <a:extLst>
               <a:ext uri="{FF2B5EF4-FFF2-40B4-BE49-F238E27FC236}">
-                <a16:creationId xmlns:a16="http://schemas.microsoft.com/office/drawing/2014/main" id="{EA1CC41E-3D8A-4765-8435-772326E998DF}"/>
+                <a16:creationId xmlns:a16="http://schemas.microsoft.com/office/drawing/2014/main" id="{3A4439FE-DE71-4637-B824-445DFA4429DA}"/>
               </a:ext>
             </a:extLst>
           </p:cNvPr>
@@ -8267,38 +7922,8 @@
         </p:blipFill>
         <p:spPr>
           <a:xfrm>
-            <a:off x="986847" y="4324663"/>
-            <a:ext cx="5038725" cy="1009650"/>
-          </a:xfrm>
-          <a:prstGeom prst="rect">
-            <a:avLst/>
-          </a:prstGeom>
-        </p:spPr>
-      </p:pic>
-      <p:pic>
-        <p:nvPicPr>
-          <p:cNvPr id="12" name="그림 11">
-            <a:extLst>
-              <a:ext uri="{FF2B5EF4-FFF2-40B4-BE49-F238E27FC236}">
-                <a16:creationId xmlns:a16="http://schemas.microsoft.com/office/drawing/2014/main" id="{6C5D0222-645F-4BEA-B0EE-38355213C643}"/>
-              </a:ext>
-            </a:extLst>
-          </p:cNvPr>
-          <p:cNvPicPr>
-            <a:picLocks noChangeAspect="1"/>
-          </p:cNvPicPr>
-          <p:nvPr/>
-        </p:nvPicPr>
-        <p:blipFill>
-          <a:blip r:embed="rId4"/>
-          <a:stretch>
-            <a:fillRect/>
-          </a:stretch>
-        </p:blipFill>
-        <p:spPr>
-          <a:xfrm>
-            <a:off x="6320218" y="4477063"/>
-            <a:ext cx="5029200" cy="704850"/>
+            <a:off x="6096000" y="3493007"/>
+            <a:ext cx="5095875" cy="1841305"/>
           </a:xfrm>
           <a:prstGeom prst="rect">
             <a:avLst/>
@@ -8308,7 +7933,7 @@
     </p:spTree>
     <p:extLst>
       <p:ext uri="{BB962C8B-B14F-4D97-AF65-F5344CB8AC3E}">
-        <p14:creationId xmlns:p14="http://schemas.microsoft.com/office/powerpoint/2010/main" val="235709099"/>
+        <p14:creationId xmlns:p14="http://schemas.microsoft.com/office/powerpoint/2010/main" val="4195529046"/>
       </p:ext>
     </p:extLst>
   </p:cSld>
@@ -8373,405 +7998,6 @@
             </a:pPr>
             <a:r>
               <a:rPr lang="ko-KR" altLang="en-US" sz="2000" dirty="0"/>
-              <a:t>검색 기호는 대괄호</a:t>
-            </a:r>
-            <a:r>
-              <a:rPr lang="en-US" altLang="ko-KR" sz="2000" dirty="0"/>
-              <a:t>([ ])</a:t>
-            </a:r>
-            <a:r>
-              <a:rPr lang="ko-KR" altLang="en-US" sz="2000" dirty="0"/>
-              <a:t>이며 이 기호가 실행되면 내부적으로  </a:t>
-            </a:r>
-            <a:r>
-              <a:rPr lang="en-US" altLang="ko-KR" sz="2000" dirty="0"/>
-              <a:t>__getitem__ </a:t>
-            </a:r>
-            <a:r>
-              <a:rPr lang="ko-KR" altLang="en-US" sz="2000" dirty="0"/>
-              <a:t>스페셜 메소드가 실행되는 것입니다</a:t>
-            </a:r>
-            <a:r>
-              <a:rPr lang="en-US" altLang="ko-KR" sz="2000" dirty="0"/>
-              <a:t>.</a:t>
-            </a:r>
-          </a:p>
-          <a:p>
-            <a:pPr marL="422041" indent="-422041">
-              <a:buFont typeface="Arial" panose="020B0604020202020204" pitchFamily="34" charset="0"/>
-              <a:buChar char="•"/>
-            </a:pPr>
-            <a:r>
-              <a:rPr lang="ko-KR" altLang="en-US" sz="2000" dirty="0"/>
-              <a:t>슬라이스도 검색 기호에 </a:t>
-            </a:r>
-            <a:r>
-              <a:rPr lang="en-US" altLang="ko-KR" sz="2000" dirty="0"/>
-              <a:t>slice </a:t>
-            </a:r>
-            <a:r>
-              <a:rPr lang="ko-KR" altLang="en-US" sz="2000" dirty="0"/>
-              <a:t>객체를 인자로 전달해 검색합니다</a:t>
-            </a:r>
-            <a:r>
-              <a:rPr lang="en-US" altLang="ko-KR" sz="2000" dirty="0"/>
-              <a:t>.   </a:t>
-            </a:r>
-            <a:endParaRPr lang="en-US" altLang="ko-KR" sz="2000" b="0" dirty="0"/>
-          </a:p>
-        </p:txBody>
-      </p:sp>
-      <p:sp>
-        <p:nvSpPr>
-          <p:cNvPr id="10" name="텍스트 개체 틀 3">
-            <a:extLst>
-              <a:ext uri="{FF2B5EF4-FFF2-40B4-BE49-F238E27FC236}">
-                <a16:creationId xmlns:a16="http://schemas.microsoft.com/office/drawing/2014/main" id="{7056A183-B26F-4453-8A67-02D442D85E32}"/>
-              </a:ext>
-            </a:extLst>
-          </p:cNvPr>
-          <p:cNvSpPr txBox="1">
-            <a:spLocks/>
-          </p:cNvSpPr>
-          <p:nvPr/>
-        </p:nvSpPr>
-        <p:spPr>
-          <a:xfrm>
-            <a:off x="1289014" y="1316368"/>
-            <a:ext cx="4272690" cy="414638"/>
-          </a:xfrm>
-          <a:prstGeom prst="rect">
-            <a:avLst/>
-          </a:prstGeom>
-        </p:spPr>
-        <p:txBody>
-          <a:bodyPr/>
-          <a:lstStyle>
-            <a:lvl1pPr marL="228600" indent="-228600" algn="l" defTabSz="914400" rtl="0" eaLnBrk="1" latinLnBrk="1" hangingPunct="1">
-              <a:lnSpc>
-                <a:spcPct val="90000"/>
-              </a:lnSpc>
-              <a:spcBef>
-                <a:spcPts val="1000"/>
-              </a:spcBef>
-              <a:buFont typeface="Arial" panose="020B0604020202020204" pitchFamily="34" charset="0"/>
-              <a:buChar char="•"/>
-              <a:defRPr sz="2800" kern="1200">
-                <a:solidFill>
-                  <a:schemeClr val="tx1"/>
-                </a:solidFill>
-                <a:latin typeface="+mn-lt"/>
-                <a:ea typeface="+mn-ea"/>
-                <a:cs typeface="+mn-cs"/>
-              </a:defRPr>
-            </a:lvl1pPr>
-            <a:lvl2pPr marL="685800" indent="-228600" algn="l" defTabSz="914400" rtl="0" eaLnBrk="1" latinLnBrk="1" hangingPunct="1">
-              <a:lnSpc>
-                <a:spcPct val="90000"/>
-              </a:lnSpc>
-              <a:spcBef>
-                <a:spcPts val="500"/>
-              </a:spcBef>
-              <a:buFont typeface="Arial" panose="020B0604020202020204" pitchFamily="34" charset="0"/>
-              <a:buChar char="•"/>
-              <a:defRPr sz="2400" kern="1200">
-                <a:solidFill>
-                  <a:schemeClr val="tx1"/>
-                </a:solidFill>
-                <a:latin typeface="+mn-lt"/>
-                <a:ea typeface="+mn-ea"/>
-                <a:cs typeface="+mn-cs"/>
-              </a:defRPr>
-            </a:lvl2pPr>
-            <a:lvl3pPr marL="1143000" indent="-228600" algn="l" defTabSz="914400" rtl="0" eaLnBrk="1" latinLnBrk="1" hangingPunct="1">
-              <a:lnSpc>
-                <a:spcPct val="90000"/>
-              </a:lnSpc>
-              <a:spcBef>
-                <a:spcPts val="500"/>
-              </a:spcBef>
-              <a:buFont typeface="Arial" panose="020B0604020202020204" pitchFamily="34" charset="0"/>
-              <a:buChar char="•"/>
-              <a:defRPr sz="2000" kern="1200">
-                <a:solidFill>
-                  <a:schemeClr val="tx1"/>
-                </a:solidFill>
-                <a:latin typeface="+mn-lt"/>
-                <a:ea typeface="+mn-ea"/>
-                <a:cs typeface="+mn-cs"/>
-              </a:defRPr>
-            </a:lvl3pPr>
-            <a:lvl4pPr marL="1600200" indent="-228600" algn="l" defTabSz="914400" rtl="0" eaLnBrk="1" latinLnBrk="1" hangingPunct="1">
-              <a:lnSpc>
-                <a:spcPct val="90000"/>
-              </a:lnSpc>
-              <a:spcBef>
-                <a:spcPts val="500"/>
-              </a:spcBef>
-              <a:buFont typeface="Arial" panose="020B0604020202020204" pitchFamily="34" charset="0"/>
-              <a:buChar char="•"/>
-              <a:defRPr sz="1800" kern="1200">
-                <a:solidFill>
-                  <a:schemeClr val="tx1"/>
-                </a:solidFill>
-                <a:latin typeface="+mn-lt"/>
-                <a:ea typeface="+mn-ea"/>
-                <a:cs typeface="+mn-cs"/>
-              </a:defRPr>
-            </a:lvl4pPr>
-            <a:lvl5pPr marL="2057400" indent="-228600" algn="l" defTabSz="914400" rtl="0" eaLnBrk="1" latinLnBrk="1" hangingPunct="1">
-              <a:lnSpc>
-                <a:spcPct val="90000"/>
-              </a:lnSpc>
-              <a:spcBef>
-                <a:spcPts val="500"/>
-              </a:spcBef>
-              <a:buFont typeface="Arial" panose="020B0604020202020204" pitchFamily="34" charset="0"/>
-              <a:buChar char="•"/>
-              <a:defRPr sz="1800" kern="1200">
-                <a:solidFill>
-                  <a:schemeClr val="tx1"/>
-                </a:solidFill>
-                <a:latin typeface="+mn-lt"/>
-                <a:ea typeface="+mn-ea"/>
-                <a:cs typeface="+mn-cs"/>
-              </a:defRPr>
-            </a:lvl5pPr>
-            <a:lvl6pPr marL="2514600" indent="-228600" algn="l" defTabSz="914400" rtl="0" eaLnBrk="1" latinLnBrk="1" hangingPunct="1">
-              <a:lnSpc>
-                <a:spcPct val="90000"/>
-              </a:lnSpc>
-              <a:spcBef>
-                <a:spcPts val="500"/>
-              </a:spcBef>
-              <a:buFont typeface="Arial" panose="020B0604020202020204" pitchFamily="34" charset="0"/>
-              <a:buChar char="•"/>
-              <a:defRPr sz="1800" kern="1200">
-                <a:solidFill>
-                  <a:schemeClr val="tx1"/>
-                </a:solidFill>
-                <a:latin typeface="+mn-lt"/>
-                <a:ea typeface="+mn-ea"/>
-                <a:cs typeface="+mn-cs"/>
-              </a:defRPr>
-            </a:lvl6pPr>
-            <a:lvl7pPr marL="2971800" indent="-228600" algn="l" defTabSz="914400" rtl="0" eaLnBrk="1" latinLnBrk="1" hangingPunct="1">
-              <a:lnSpc>
-                <a:spcPct val="90000"/>
-              </a:lnSpc>
-              <a:spcBef>
-                <a:spcPts val="500"/>
-              </a:spcBef>
-              <a:buFont typeface="Arial" panose="020B0604020202020204" pitchFamily="34" charset="0"/>
-              <a:buChar char="•"/>
-              <a:defRPr sz="1800" kern="1200">
-                <a:solidFill>
-                  <a:schemeClr val="tx1"/>
-                </a:solidFill>
-                <a:latin typeface="+mn-lt"/>
-                <a:ea typeface="+mn-ea"/>
-                <a:cs typeface="+mn-cs"/>
-              </a:defRPr>
-            </a:lvl7pPr>
-            <a:lvl8pPr marL="3429000" indent="-228600" algn="l" defTabSz="914400" rtl="0" eaLnBrk="1" latinLnBrk="1" hangingPunct="1">
-              <a:lnSpc>
-                <a:spcPct val="90000"/>
-              </a:lnSpc>
-              <a:spcBef>
-                <a:spcPts val="500"/>
-              </a:spcBef>
-              <a:buFont typeface="Arial" panose="020B0604020202020204" pitchFamily="34" charset="0"/>
-              <a:buChar char="•"/>
-              <a:defRPr sz="1800" kern="1200">
-                <a:solidFill>
-                  <a:schemeClr val="tx1"/>
-                </a:solidFill>
-                <a:latin typeface="+mn-lt"/>
-                <a:ea typeface="+mn-ea"/>
-                <a:cs typeface="+mn-cs"/>
-              </a:defRPr>
-            </a:lvl8pPr>
-            <a:lvl9pPr marL="3886200" indent="-228600" algn="l" defTabSz="914400" rtl="0" eaLnBrk="1" latinLnBrk="1" hangingPunct="1">
-              <a:lnSpc>
-                <a:spcPct val="90000"/>
-              </a:lnSpc>
-              <a:spcBef>
-                <a:spcPts val="500"/>
-              </a:spcBef>
-              <a:buFont typeface="Arial" panose="020B0604020202020204" pitchFamily="34" charset="0"/>
-              <a:buChar char="•"/>
-              <a:defRPr sz="1800" kern="1200">
-                <a:solidFill>
-                  <a:schemeClr val="tx1"/>
-                </a:solidFill>
-                <a:latin typeface="+mn-lt"/>
-                <a:ea typeface="+mn-ea"/>
-                <a:cs typeface="+mn-cs"/>
-              </a:defRPr>
-            </a:lvl9pPr>
-          </a:lstStyle>
-          <a:p>
-            <a:pPr marL="0" indent="0">
-              <a:buNone/>
-            </a:pPr>
-            <a:r>
-              <a:rPr lang="en-US" altLang="ko-KR" sz="2400" dirty="0">
-                <a:solidFill>
-                  <a:schemeClr val="bg1"/>
-                </a:solidFill>
-                <a:latin typeface="HY헤드라인M" panose="02030600000101010101" pitchFamily="18" charset="-127"/>
-                <a:ea typeface="HY헤드라인M" panose="02030600000101010101" pitchFamily="18" charset="-127"/>
-              </a:rPr>
-              <a:t> </a:t>
-            </a:r>
-            <a:r>
-              <a:rPr lang="ko-KR" altLang="en-US" sz="2400" dirty="0">
-                <a:solidFill>
-                  <a:schemeClr val="bg1"/>
-                </a:solidFill>
-                <a:latin typeface="HY헤드라인M" panose="02030600000101010101" pitchFamily="18" charset="-127"/>
-                <a:ea typeface="HY헤드라인M" panose="02030600000101010101" pitchFamily="18" charset="-127"/>
-              </a:rPr>
-              <a:t>리스트  검색</a:t>
-            </a:r>
-            <a:endParaRPr lang="en-US" altLang="ko-KR" sz="2400" dirty="0">
-              <a:solidFill>
-                <a:schemeClr val="bg1"/>
-              </a:solidFill>
-              <a:latin typeface="HY헤드라인M" panose="02030600000101010101" pitchFamily="18" charset="-127"/>
-              <a:ea typeface="HY헤드라인M" panose="02030600000101010101" pitchFamily="18" charset="-127"/>
-            </a:endParaRPr>
-          </a:p>
-        </p:txBody>
-      </p:sp>
-      <p:pic>
-        <p:nvPicPr>
-          <p:cNvPr id="5" name="그림 4">
-            <a:extLst>
-              <a:ext uri="{FF2B5EF4-FFF2-40B4-BE49-F238E27FC236}">
-                <a16:creationId xmlns:a16="http://schemas.microsoft.com/office/drawing/2014/main" id="{1EF2C701-76E4-4083-B40C-B8AD55F43451}"/>
-              </a:ext>
-            </a:extLst>
-          </p:cNvPr>
-          <p:cNvPicPr>
-            <a:picLocks noChangeAspect="1"/>
-          </p:cNvPicPr>
-          <p:nvPr/>
-        </p:nvPicPr>
-        <p:blipFill>
-          <a:blip r:embed="rId2"/>
-          <a:stretch>
-            <a:fillRect/>
-          </a:stretch>
-        </p:blipFill>
-        <p:spPr>
-          <a:xfrm>
-            <a:off x="810387" y="3493008"/>
-            <a:ext cx="5060062" cy="2386584"/>
-          </a:xfrm>
-          <a:prstGeom prst="rect">
-            <a:avLst/>
-          </a:prstGeom>
-        </p:spPr>
-      </p:pic>
-      <p:pic>
-        <p:nvPicPr>
-          <p:cNvPr id="8" name="그림 7">
-            <a:extLst>
-              <a:ext uri="{FF2B5EF4-FFF2-40B4-BE49-F238E27FC236}">
-                <a16:creationId xmlns:a16="http://schemas.microsoft.com/office/drawing/2014/main" id="{3A4439FE-DE71-4637-B824-445DFA4429DA}"/>
-              </a:ext>
-            </a:extLst>
-          </p:cNvPr>
-          <p:cNvPicPr>
-            <a:picLocks noChangeAspect="1"/>
-          </p:cNvPicPr>
-          <p:nvPr/>
-        </p:nvPicPr>
-        <p:blipFill>
-          <a:blip r:embed="rId3"/>
-          <a:stretch>
-            <a:fillRect/>
-          </a:stretch>
-        </p:blipFill>
-        <p:spPr>
-          <a:xfrm>
-            <a:off x="6096000" y="3493007"/>
-            <a:ext cx="5095875" cy="1841305"/>
-          </a:xfrm>
-          <a:prstGeom prst="rect">
-            <a:avLst/>
-          </a:prstGeom>
-        </p:spPr>
-      </p:pic>
-    </p:spTree>
-    <p:extLst>
-      <p:ext uri="{BB962C8B-B14F-4D97-AF65-F5344CB8AC3E}">
-        <p14:creationId xmlns:p14="http://schemas.microsoft.com/office/powerpoint/2010/main" val="4195529046"/>
-      </p:ext>
-    </p:extLst>
-  </p:cSld>
-  <p:clrMapOvr>
-    <a:masterClrMapping/>
-  </p:clrMapOvr>
-</p:sld>
-</file>
-
-<file path=ppt/slides/slide27.xml><?xml version="1.0" encoding="utf-8"?>
-<p:sld xmlns:a="http://schemas.openxmlformats.org/drawingml/2006/main" xmlns:r="http://schemas.openxmlformats.org/officeDocument/2006/relationships" xmlns:p="http://schemas.openxmlformats.org/presentationml/2006/main">
-  <p:cSld>
-    <p:spTree>
-      <p:nvGrpSpPr>
-        <p:cNvPr id="1" name=""/>
-        <p:cNvGrpSpPr/>
-        <p:nvPr/>
-      </p:nvGrpSpPr>
-      <p:grpSpPr>
-        <a:xfrm>
-          <a:off x="0" y="0"/>
-          <a:ext cx="0" cy="0"/>
-          <a:chOff x="0" y="0"/>
-          <a:chExt cx="0" cy="0"/>
-        </a:xfrm>
-      </p:grpSpPr>
-      <p:sp>
-        <p:nvSpPr>
-          <p:cNvPr id="4" name="텍스트 개체 틀 3"/>
-          <p:cNvSpPr>
-            <a:spLocks noGrp="1"/>
-          </p:cNvSpPr>
-          <p:nvPr>
-            <p:ph type="body" sz="quarter" idx="4294967295"/>
-          </p:nvPr>
-        </p:nvSpPr>
-        <p:spPr>
-          <a:xfrm>
-            <a:off x="986847" y="1523687"/>
-            <a:ext cx="10123113" cy="1524394"/>
-          </a:xfrm>
-          <a:prstGeom prst="rect">
-            <a:avLst/>
-          </a:prstGeom>
-        </p:spPr>
-        <p:txBody>
-          <a:bodyPr/>
-          <a:lstStyle/>
-          <a:p>
-            <a:pPr marL="0" indent="0">
-              <a:buNone/>
-            </a:pPr>
-            <a:endParaRPr lang="en-US" altLang="ko-KR" sz="1969" dirty="0">
-              <a:latin typeface="HY헤드라인M" panose="02030600000101010101" pitchFamily="18" charset="-127"/>
-              <a:ea typeface="HY헤드라인M" panose="02030600000101010101" pitchFamily="18" charset="-127"/>
-            </a:endParaRPr>
-          </a:p>
-          <a:p>
-            <a:pPr marL="422041" indent="-422041">
-              <a:buFont typeface="Arial" panose="020B0604020202020204" pitchFamily="34" charset="0"/>
-              <a:buChar char="•"/>
-            </a:pPr>
-            <a:r>
-              <a:rPr lang="ko-KR" altLang="en-US" sz="2000" dirty="0"/>
               <a:t>리스트와 동일한 방식으로 검색을 처리합니다</a:t>
             </a:r>
             <a:r>
@@ -9080,7 +8306,7 @@
 </p:sld>
 </file>
 
-<file path=ppt/slides/slide28.xml><?xml version="1.0" encoding="utf-8"?>
+<file path=ppt/slides/slide27.xml><?xml version="1.0" encoding="utf-8"?>
 <p:sld xmlns:a="http://schemas.openxmlformats.org/drawingml/2006/main" xmlns:r="http://schemas.openxmlformats.org/officeDocument/2006/relationships" xmlns:p="http://schemas.openxmlformats.org/presentationml/2006/main">
   <p:cSld>
     <p:spTree>
@@ -9497,8 +8723,8 @@
         </p:nvSpPr>
         <p:spPr>
           <a:xfrm>
-            <a:off x="130784" y="1791363"/>
-            <a:ext cx="11684249" cy="1551981"/>
+            <a:off x="3657600" y="3132351"/>
+            <a:ext cx="7653528" cy="1192761"/>
           </a:xfrm>
         </p:spPr>
         <p:txBody>
@@ -9506,78 +8732,40 @@
           <a:lstStyle/>
           <a:p>
             <a:r>
-              <a:rPr lang="ko-KR" altLang="en-US" sz="5400" dirty="0">
+              <a:rPr lang="ko-KR" altLang="en-US" sz="4800" dirty="0">
                 <a:latin typeface="HY각헤드라인B" panose="02030600000101010101" pitchFamily="18" charset="-127"/>
                 <a:ea typeface="HY각헤드라인B" panose="02030600000101010101" pitchFamily="18" charset="-127"/>
               </a:rPr>
-              <a:t>파이썬과 넘파이 모듈 </a:t>
-            </a:r>
-            <a:endParaRPr lang="en-US" altLang="ko-KR" sz="5400" dirty="0">
-              <a:latin typeface="HY각헤드라인B" panose="02030600000101010101" pitchFamily="18" charset="-127"/>
-              <a:ea typeface="HY각헤드라인B" panose="02030600000101010101" pitchFamily="18" charset="-127"/>
-            </a:endParaRPr>
-          </a:p>
-          <a:p>
-            <a:r>
-              <a:rPr lang="ko-KR" altLang="en-US" sz="5400" dirty="0">
+              <a:t>배열</a:t>
+            </a:r>
+            <a:r>
+              <a:rPr lang="en-US" altLang="ko-KR" sz="4800" dirty="0">
                 <a:latin typeface="HY각헤드라인B" panose="02030600000101010101" pitchFamily="18" charset="-127"/>
                 <a:ea typeface="HY각헤드라인B" panose="02030600000101010101" pitchFamily="18" charset="-127"/>
               </a:rPr>
-              <a:t>차이점 이해하기</a:t>
-            </a:r>
-          </a:p>
-        </p:txBody>
-      </p:sp>
-      <p:sp>
-        <p:nvSpPr>
-          <p:cNvPr id="9" name="Text Placeholder 8">
-            <a:extLst>
-              <a:ext uri="{FF2B5EF4-FFF2-40B4-BE49-F238E27FC236}">
-                <a16:creationId xmlns:a16="http://schemas.microsoft.com/office/drawing/2014/main" id="{5440D481-9114-4C2D-AB77-CB27951637CD}"/>
-              </a:ext>
-            </a:extLst>
-          </p:cNvPr>
-          <p:cNvSpPr>
-            <a:spLocks noGrp="1"/>
-          </p:cNvSpPr>
-          <p:nvPr>
-            <p:ph type="body" sz="quarter" idx="4294967295"/>
-          </p:nvPr>
-        </p:nvSpPr>
-        <p:spPr>
-          <a:xfrm>
-            <a:off x="3185909" y="4387556"/>
-            <a:ext cx="5573997" cy="1551980"/>
-          </a:xfrm>
-          <a:prstGeom prst="rect">
-            <a:avLst/>
-          </a:prstGeom>
-        </p:spPr>
-        <p:txBody>
-          <a:bodyPr/>
-          <a:lstStyle/>
-          <a:p>
-            <a:pPr marL="0" indent="0" algn="ctr">
-              <a:buNone/>
-            </a:pPr>
-            <a:r>
-              <a:rPr lang="en-US" altLang="ko-KR" sz="4400" dirty="0">
+              <a:t>(Array) </a:t>
+            </a:r>
+            <a:r>
+              <a:rPr lang="ko-KR" altLang="en-US" sz="4800" dirty="0">
                 <a:latin typeface="HY각헤드라인B" panose="02030600000101010101" pitchFamily="18" charset="-127"/>
                 <a:ea typeface="HY각헤드라인B" panose="02030600000101010101" pitchFamily="18" charset="-127"/>
               </a:rPr>
-              <a:t>Chapter 1</a:t>
-            </a:r>
-            <a:endParaRPr lang="ko-KR" altLang="en-US" sz="4400" dirty="0">
-              <a:latin typeface="HY각헤드라인B" panose="02030600000101010101" pitchFamily="18" charset="-127"/>
-              <a:ea typeface="HY각헤드라인B" panose="02030600000101010101" pitchFamily="18" charset="-127"/>
-            </a:endParaRPr>
+              <a:t>구조 이해하기 </a:t>
+            </a:r>
+            <a:r>
+              <a:rPr lang="ko-KR" altLang="en-US" dirty="0">
+                <a:latin typeface="HY각헤드라인B" panose="02030600000101010101" pitchFamily="18" charset="-127"/>
+                <a:ea typeface="HY각헤드라인B" panose="02030600000101010101" pitchFamily="18" charset="-127"/>
+              </a:rPr>
+              <a:t> </a:t>
+            </a:r>
           </a:p>
         </p:txBody>
       </p:sp>
     </p:spTree>
     <p:extLst>
       <p:ext uri="{BB962C8B-B14F-4D97-AF65-F5344CB8AC3E}">
-        <p14:creationId xmlns:p14="http://schemas.microsoft.com/office/powerpoint/2010/main" val="364525632"/>
+        <p14:creationId xmlns:p14="http://schemas.microsoft.com/office/powerpoint/2010/main" val="4046482469"/>
       </p:ext>
     </p:extLst>
   </p:cSld>
@@ -9606,65 +8794,351 @@
       </p:grpSpPr>
       <p:sp>
         <p:nvSpPr>
-          <p:cNvPr id="8" name="Text Placeholder 7">
-            <a:extLst>
-              <a:ext uri="{FF2B5EF4-FFF2-40B4-BE49-F238E27FC236}">
-                <a16:creationId xmlns:a16="http://schemas.microsoft.com/office/drawing/2014/main" id="{AECB2726-1274-4BBD-9287-0DFA0195BEDA}"/>
-              </a:ext>
-            </a:extLst>
-          </p:cNvPr>
+          <p:cNvPr id="4" name="텍스트 개체 틀 3"/>
           <p:cNvSpPr>
             <a:spLocks noGrp="1"/>
           </p:cNvSpPr>
           <p:nvPr>
-            <p:ph type="body" sz="quarter" idx="11"/>
+            <p:ph type="body" sz="quarter" idx="4294967295"/>
           </p:nvPr>
         </p:nvSpPr>
         <p:spPr>
           <a:xfrm>
-            <a:off x="3657600" y="3132351"/>
-            <a:ext cx="7653528" cy="1192761"/>
-          </a:xfrm>
+            <a:off x="5679347" y="1774442"/>
+            <a:ext cx="5511764" cy="1842594"/>
+          </a:xfrm>
+          <a:prstGeom prst="rect">
+            <a:avLst/>
+          </a:prstGeom>
         </p:spPr>
         <p:txBody>
           <a:bodyPr/>
           <a:lstStyle/>
           <a:p>
-            <a:r>
-              <a:rPr lang="ko-KR" altLang="en-US" sz="4800" dirty="0">
-                <a:latin typeface="HY각헤드라인B" panose="02030600000101010101" pitchFamily="18" charset="-127"/>
-                <a:ea typeface="HY각헤드라인B" panose="02030600000101010101" pitchFamily="18" charset="-127"/>
-              </a:rPr>
-              <a:t>배열</a:t>
-            </a:r>
-            <a:r>
-              <a:rPr lang="en-US" altLang="ko-KR" sz="4800" dirty="0">
-                <a:latin typeface="HY각헤드라인B" panose="02030600000101010101" pitchFamily="18" charset="-127"/>
-                <a:ea typeface="HY각헤드라인B" panose="02030600000101010101" pitchFamily="18" charset="-127"/>
-              </a:rPr>
-              <a:t>(Array) </a:t>
-            </a:r>
-            <a:r>
-              <a:rPr lang="ko-KR" altLang="en-US" sz="4800" dirty="0">
-                <a:latin typeface="HY각헤드라인B" panose="02030600000101010101" pitchFamily="18" charset="-127"/>
-                <a:ea typeface="HY각헤드라인B" panose="02030600000101010101" pitchFamily="18" charset="-127"/>
-              </a:rPr>
-              <a:t>구조 이해하기 </a:t>
-            </a:r>
-            <a:r>
-              <a:rPr lang="ko-KR" altLang="en-US" dirty="0">
-                <a:latin typeface="HY각헤드라인B" panose="02030600000101010101" pitchFamily="18" charset="-127"/>
-                <a:ea typeface="HY각헤드라인B" panose="02030600000101010101" pitchFamily="18" charset="-127"/>
-              </a:rPr>
-              <a:t> </a:t>
-            </a:r>
+            <a:pPr marL="0" indent="0">
+              <a:buNone/>
+            </a:pPr>
+            <a:endParaRPr lang="en-US" altLang="ko-KR" sz="1969" dirty="0">
+              <a:latin typeface="HY헤드라인M" panose="02030600000101010101" pitchFamily="18" charset="-127"/>
+              <a:ea typeface="HY헤드라인M" panose="02030600000101010101" pitchFamily="18" charset="-127"/>
+            </a:endParaRPr>
+          </a:p>
+          <a:p>
+            <a:pPr marL="422041" indent="-422041">
+              <a:buFont typeface="Arial" panose="020B0604020202020204" pitchFamily="34" charset="0"/>
+              <a:buChar char="•"/>
+            </a:pPr>
+            <a:r>
+              <a:rPr lang="ko-KR" altLang="en-US" sz="2000" b="0" dirty="0"/>
+              <a:t>리스트는 실제 원소의 객체를 저장하는 것이 아니라 이 객체의 레퍼런스를 관리합니다</a:t>
+            </a:r>
+            <a:r>
+              <a:rPr lang="en-US" altLang="ko-KR" sz="2000" b="0" dirty="0"/>
+              <a:t>. </a:t>
+            </a:r>
+            <a:r>
+              <a:rPr lang="ko-KR" altLang="en-US" sz="2000" b="0" dirty="0"/>
+              <a:t>인덱스를 사용해서 검색하면 객체의 레퍼런스를 사용해서 객체 정보를 반환합니다</a:t>
+            </a:r>
+            <a:r>
+              <a:rPr lang="en-US" altLang="ko-KR" sz="2000" b="0" dirty="0"/>
+              <a:t>.</a:t>
+            </a:r>
+          </a:p>
+          <a:p>
+            <a:pPr marL="422041" indent="-422041">
+              <a:buFont typeface="Arial" panose="020B0604020202020204" pitchFamily="34" charset="0"/>
+              <a:buChar char="•"/>
+            </a:pPr>
+            <a:r>
+              <a:rPr lang="ko-KR" altLang="en-US" sz="2000" dirty="0"/>
+              <a:t>리스트도 배열이지만 내부의 원소는 다양한 자료형을 모두 가질 수 있습니다</a:t>
+            </a:r>
+            <a:r>
+              <a:rPr lang="en-US" altLang="ko-KR" sz="2000" dirty="0"/>
+              <a:t>. </a:t>
+            </a:r>
+            <a:endParaRPr lang="en-US" altLang="ko-KR" sz="2000" b="0" dirty="0"/>
           </a:p>
         </p:txBody>
       </p:sp>
+      <p:sp>
+        <p:nvSpPr>
+          <p:cNvPr id="10" name="텍스트 개체 틀 3">
+            <a:extLst>
+              <a:ext uri="{FF2B5EF4-FFF2-40B4-BE49-F238E27FC236}">
+                <a16:creationId xmlns:a16="http://schemas.microsoft.com/office/drawing/2014/main" id="{7056A183-B26F-4453-8A67-02D442D85E32}"/>
+              </a:ext>
+            </a:extLst>
+          </p:cNvPr>
+          <p:cNvSpPr txBox="1">
+            <a:spLocks/>
+          </p:cNvSpPr>
+          <p:nvPr/>
+        </p:nvSpPr>
+        <p:spPr>
+          <a:xfrm>
+            <a:off x="1289014" y="1316368"/>
+            <a:ext cx="4272690" cy="414638"/>
+          </a:xfrm>
+          <a:prstGeom prst="rect">
+            <a:avLst/>
+          </a:prstGeom>
+        </p:spPr>
+        <p:txBody>
+          <a:bodyPr/>
+          <a:lstStyle>
+            <a:lvl1pPr marL="228600" indent="-228600" algn="l" defTabSz="914400" rtl="0" eaLnBrk="1" latinLnBrk="1" hangingPunct="1">
+              <a:lnSpc>
+                <a:spcPct val="90000"/>
+              </a:lnSpc>
+              <a:spcBef>
+                <a:spcPts val="1000"/>
+              </a:spcBef>
+              <a:buFont typeface="Arial" panose="020B0604020202020204" pitchFamily="34" charset="0"/>
+              <a:buChar char="•"/>
+              <a:defRPr sz="2800" kern="1200">
+                <a:solidFill>
+                  <a:schemeClr val="tx1"/>
+                </a:solidFill>
+                <a:latin typeface="+mn-lt"/>
+                <a:ea typeface="+mn-ea"/>
+                <a:cs typeface="+mn-cs"/>
+              </a:defRPr>
+            </a:lvl1pPr>
+            <a:lvl2pPr marL="685800" indent="-228600" algn="l" defTabSz="914400" rtl="0" eaLnBrk="1" latinLnBrk="1" hangingPunct="1">
+              <a:lnSpc>
+                <a:spcPct val="90000"/>
+              </a:lnSpc>
+              <a:spcBef>
+                <a:spcPts val="500"/>
+              </a:spcBef>
+              <a:buFont typeface="Arial" panose="020B0604020202020204" pitchFamily="34" charset="0"/>
+              <a:buChar char="•"/>
+              <a:defRPr sz="2400" kern="1200">
+                <a:solidFill>
+                  <a:schemeClr val="tx1"/>
+                </a:solidFill>
+                <a:latin typeface="+mn-lt"/>
+                <a:ea typeface="+mn-ea"/>
+                <a:cs typeface="+mn-cs"/>
+              </a:defRPr>
+            </a:lvl2pPr>
+            <a:lvl3pPr marL="1143000" indent="-228600" algn="l" defTabSz="914400" rtl="0" eaLnBrk="1" latinLnBrk="1" hangingPunct="1">
+              <a:lnSpc>
+                <a:spcPct val="90000"/>
+              </a:lnSpc>
+              <a:spcBef>
+                <a:spcPts val="500"/>
+              </a:spcBef>
+              <a:buFont typeface="Arial" panose="020B0604020202020204" pitchFamily="34" charset="0"/>
+              <a:buChar char="•"/>
+              <a:defRPr sz="2000" kern="1200">
+                <a:solidFill>
+                  <a:schemeClr val="tx1"/>
+                </a:solidFill>
+                <a:latin typeface="+mn-lt"/>
+                <a:ea typeface="+mn-ea"/>
+                <a:cs typeface="+mn-cs"/>
+              </a:defRPr>
+            </a:lvl3pPr>
+            <a:lvl4pPr marL="1600200" indent="-228600" algn="l" defTabSz="914400" rtl="0" eaLnBrk="1" latinLnBrk="1" hangingPunct="1">
+              <a:lnSpc>
+                <a:spcPct val="90000"/>
+              </a:lnSpc>
+              <a:spcBef>
+                <a:spcPts val="500"/>
+              </a:spcBef>
+              <a:buFont typeface="Arial" panose="020B0604020202020204" pitchFamily="34" charset="0"/>
+              <a:buChar char="•"/>
+              <a:defRPr sz="1800" kern="1200">
+                <a:solidFill>
+                  <a:schemeClr val="tx1"/>
+                </a:solidFill>
+                <a:latin typeface="+mn-lt"/>
+                <a:ea typeface="+mn-ea"/>
+                <a:cs typeface="+mn-cs"/>
+              </a:defRPr>
+            </a:lvl4pPr>
+            <a:lvl5pPr marL="2057400" indent="-228600" algn="l" defTabSz="914400" rtl="0" eaLnBrk="1" latinLnBrk="1" hangingPunct="1">
+              <a:lnSpc>
+                <a:spcPct val="90000"/>
+              </a:lnSpc>
+              <a:spcBef>
+                <a:spcPts val="500"/>
+              </a:spcBef>
+              <a:buFont typeface="Arial" panose="020B0604020202020204" pitchFamily="34" charset="0"/>
+              <a:buChar char="•"/>
+              <a:defRPr sz="1800" kern="1200">
+                <a:solidFill>
+                  <a:schemeClr val="tx1"/>
+                </a:solidFill>
+                <a:latin typeface="+mn-lt"/>
+                <a:ea typeface="+mn-ea"/>
+                <a:cs typeface="+mn-cs"/>
+              </a:defRPr>
+            </a:lvl5pPr>
+            <a:lvl6pPr marL="2514600" indent="-228600" algn="l" defTabSz="914400" rtl="0" eaLnBrk="1" latinLnBrk="1" hangingPunct="1">
+              <a:lnSpc>
+                <a:spcPct val="90000"/>
+              </a:lnSpc>
+              <a:spcBef>
+                <a:spcPts val="500"/>
+              </a:spcBef>
+              <a:buFont typeface="Arial" panose="020B0604020202020204" pitchFamily="34" charset="0"/>
+              <a:buChar char="•"/>
+              <a:defRPr sz="1800" kern="1200">
+                <a:solidFill>
+                  <a:schemeClr val="tx1"/>
+                </a:solidFill>
+                <a:latin typeface="+mn-lt"/>
+                <a:ea typeface="+mn-ea"/>
+                <a:cs typeface="+mn-cs"/>
+              </a:defRPr>
+            </a:lvl6pPr>
+            <a:lvl7pPr marL="2971800" indent="-228600" algn="l" defTabSz="914400" rtl="0" eaLnBrk="1" latinLnBrk="1" hangingPunct="1">
+              <a:lnSpc>
+                <a:spcPct val="90000"/>
+              </a:lnSpc>
+              <a:spcBef>
+                <a:spcPts val="500"/>
+              </a:spcBef>
+              <a:buFont typeface="Arial" panose="020B0604020202020204" pitchFamily="34" charset="0"/>
+              <a:buChar char="•"/>
+              <a:defRPr sz="1800" kern="1200">
+                <a:solidFill>
+                  <a:schemeClr val="tx1"/>
+                </a:solidFill>
+                <a:latin typeface="+mn-lt"/>
+                <a:ea typeface="+mn-ea"/>
+                <a:cs typeface="+mn-cs"/>
+              </a:defRPr>
+            </a:lvl7pPr>
+            <a:lvl8pPr marL="3429000" indent="-228600" algn="l" defTabSz="914400" rtl="0" eaLnBrk="1" latinLnBrk="1" hangingPunct="1">
+              <a:lnSpc>
+                <a:spcPct val="90000"/>
+              </a:lnSpc>
+              <a:spcBef>
+                <a:spcPts val="500"/>
+              </a:spcBef>
+              <a:buFont typeface="Arial" panose="020B0604020202020204" pitchFamily="34" charset="0"/>
+              <a:buChar char="•"/>
+              <a:defRPr sz="1800" kern="1200">
+                <a:solidFill>
+                  <a:schemeClr val="tx1"/>
+                </a:solidFill>
+                <a:latin typeface="+mn-lt"/>
+                <a:ea typeface="+mn-ea"/>
+                <a:cs typeface="+mn-cs"/>
+              </a:defRPr>
+            </a:lvl8pPr>
+            <a:lvl9pPr marL="3886200" indent="-228600" algn="l" defTabSz="914400" rtl="0" eaLnBrk="1" latinLnBrk="1" hangingPunct="1">
+              <a:lnSpc>
+                <a:spcPct val="90000"/>
+              </a:lnSpc>
+              <a:spcBef>
+                <a:spcPts val="500"/>
+              </a:spcBef>
+              <a:buFont typeface="Arial" panose="020B0604020202020204" pitchFamily="34" charset="0"/>
+              <a:buChar char="•"/>
+              <a:defRPr sz="1800" kern="1200">
+                <a:solidFill>
+                  <a:schemeClr val="tx1"/>
+                </a:solidFill>
+                <a:latin typeface="+mn-lt"/>
+                <a:ea typeface="+mn-ea"/>
+                <a:cs typeface="+mn-cs"/>
+              </a:defRPr>
+            </a:lvl9pPr>
+          </a:lstStyle>
+          <a:p>
+            <a:pPr marL="0" indent="0">
+              <a:buNone/>
+            </a:pPr>
+            <a:r>
+              <a:rPr lang="ko-KR" altLang="en-US" sz="2400" dirty="0">
+                <a:solidFill>
+                  <a:schemeClr val="bg1"/>
+                </a:solidFill>
+                <a:latin typeface="HY헤드라인M" panose="02030600000101010101" pitchFamily="18" charset="-127"/>
+                <a:ea typeface="HY헤드라인M" panose="02030600000101010101" pitchFamily="18" charset="-127"/>
+              </a:rPr>
+              <a:t>리스트 구조</a:t>
+            </a:r>
+            <a:endParaRPr lang="en-US" altLang="ko-KR" sz="2400" dirty="0">
+              <a:solidFill>
+                <a:schemeClr val="bg1"/>
+              </a:solidFill>
+              <a:latin typeface="HY헤드라인M" panose="02030600000101010101" pitchFamily="18" charset="-127"/>
+              <a:ea typeface="HY헤드라인M" panose="02030600000101010101" pitchFamily="18" charset="-127"/>
+            </a:endParaRPr>
+          </a:p>
+        </p:txBody>
+      </p:sp>
+      <p:pic>
+        <p:nvPicPr>
+          <p:cNvPr id="3" name="그림 2">
+            <a:extLst>
+              <a:ext uri="{FF2B5EF4-FFF2-40B4-BE49-F238E27FC236}">
+                <a16:creationId xmlns:a16="http://schemas.microsoft.com/office/drawing/2014/main" id="{A77812F2-5B56-4BF9-BD7A-0F11D8B1C16B}"/>
+              </a:ext>
+            </a:extLst>
+          </p:cNvPr>
+          <p:cNvPicPr>
+            <a:picLocks noChangeAspect="1"/>
+          </p:cNvPicPr>
+          <p:nvPr/>
+        </p:nvPicPr>
+        <p:blipFill>
+          <a:blip r:embed="rId2"/>
+          <a:stretch>
+            <a:fillRect/>
+          </a:stretch>
+        </p:blipFill>
+        <p:spPr>
+          <a:xfrm>
+            <a:off x="1000889" y="2390862"/>
+            <a:ext cx="4390333" cy="3518093"/>
+          </a:xfrm>
+          <a:prstGeom prst="rect">
+            <a:avLst/>
+          </a:prstGeom>
+        </p:spPr>
+      </p:pic>
+      <p:pic>
+        <p:nvPicPr>
+          <p:cNvPr id="5" name="그림 4">
+            <a:extLst>
+              <a:ext uri="{FF2B5EF4-FFF2-40B4-BE49-F238E27FC236}">
+                <a16:creationId xmlns:a16="http://schemas.microsoft.com/office/drawing/2014/main" id="{14F01BCB-B99A-4199-B1BD-93286200486C}"/>
+              </a:ext>
+            </a:extLst>
+          </p:cNvPr>
+          <p:cNvPicPr>
+            <a:picLocks noChangeAspect="1"/>
+          </p:cNvPicPr>
+          <p:nvPr/>
+        </p:nvPicPr>
+        <p:blipFill>
+          <a:blip r:embed="rId3"/>
+          <a:stretch>
+            <a:fillRect/>
+          </a:stretch>
+        </p:blipFill>
+        <p:spPr>
+          <a:xfrm>
+            <a:off x="6096000" y="4427290"/>
+            <a:ext cx="5010150" cy="1772174"/>
+          </a:xfrm>
+          <a:prstGeom prst="rect">
+            <a:avLst/>
+          </a:prstGeom>
+        </p:spPr>
+      </p:pic>
     </p:spTree>
     <p:extLst>
       <p:ext uri="{BB962C8B-B14F-4D97-AF65-F5344CB8AC3E}">
-        <p14:creationId xmlns:p14="http://schemas.microsoft.com/office/powerpoint/2010/main" val="4046482469"/>
+        <p14:creationId xmlns:p14="http://schemas.microsoft.com/office/powerpoint/2010/main" val="3598554943"/>
       </p:ext>
     </p:extLst>
   </p:cSld>
@@ -9703,8 +9177,8 @@
         </p:nvSpPr>
         <p:spPr>
           <a:xfrm>
-            <a:off x="5679347" y="1774442"/>
-            <a:ext cx="5511764" cy="1842594"/>
+            <a:off x="911139" y="1806843"/>
+            <a:ext cx="9869637" cy="982077"/>
           </a:xfrm>
           <a:prstGeom prst="rect">
             <a:avLst/>
@@ -9714,12 +9188,9 @@
           <a:bodyPr/>
           <a:lstStyle/>
           <a:p>
-            <a:pPr marL="0" indent="0">
-              <a:buNone/>
-            </a:pPr>
-            <a:endParaRPr lang="en-US" altLang="ko-KR" sz="1969" dirty="0">
-              <a:latin typeface="HY헤드라인M" panose="02030600000101010101" pitchFamily="18" charset="-127"/>
-              <a:ea typeface="HY헤드라인M" panose="02030600000101010101" pitchFamily="18" charset="-127"/>
+            <a:endParaRPr lang="en-US" altLang="ko-KR" sz="2000" dirty="0">
+              <a:latin typeface="나눔스퀘어" panose="020B0600000101010101" pitchFamily="50" charset="-127"/>
+              <a:ea typeface="나눔스퀘어" panose="020B0600000101010101" pitchFamily="50" charset="-127"/>
             </a:endParaRPr>
           </a:p>
           <a:p>
@@ -9728,45 +9199,60 @@
               <a:buChar char="•"/>
             </a:pPr>
             <a:r>
-              <a:rPr lang="ko-KR" altLang="en-US" sz="2000" b="0" dirty="0"/>
-              <a:t>리스트는 실제 원소의 객체를 저장하는 것이 아니라 이 객체의 레퍼런스를 관리합니다</a:t>
-            </a:r>
-            <a:r>
-              <a:rPr lang="en-US" altLang="ko-KR" sz="2000" b="0" dirty="0"/>
+              <a:rPr lang="ko-KR" altLang="en-US" sz="2000" b="0" dirty="0">
+                <a:latin typeface="나눔스퀘어" panose="020B0600000101010101" pitchFamily="50" charset="-127"/>
+                <a:ea typeface="나눔스퀘어" panose="020B0600000101010101" pitchFamily="50" charset="-127"/>
+              </a:rPr>
+              <a:t>리스트 내의 원소는 </a:t>
+            </a:r>
+            <a:r>
+              <a:rPr lang="en-US" altLang="ko-KR" sz="2000" b="0" dirty="0">
+                <a:latin typeface="나눔스퀘어" panose="020B0600000101010101" pitchFamily="50" charset="-127"/>
+                <a:ea typeface="나눔스퀘어" panose="020B0600000101010101" pitchFamily="50" charset="-127"/>
+              </a:rPr>
+              <a:t>index </a:t>
+            </a:r>
+            <a:r>
+              <a:rPr lang="ko-KR" altLang="en-US" sz="2000" b="0" dirty="0">
+                <a:latin typeface="나눔스퀘어" panose="020B0600000101010101" pitchFamily="50" charset="-127"/>
+                <a:ea typeface="나눔스퀘어" panose="020B0600000101010101" pitchFamily="50" charset="-127"/>
+              </a:rPr>
+              <a:t>라는 정보를 가집니다</a:t>
+            </a:r>
+            <a:r>
+              <a:rPr lang="en-US" altLang="ko-KR" sz="2000" b="0" dirty="0">
+                <a:latin typeface="나눔스퀘어" panose="020B0600000101010101" pitchFamily="50" charset="-127"/>
+                <a:ea typeface="나눔스퀘어" panose="020B0600000101010101" pitchFamily="50" charset="-127"/>
+              </a:rPr>
               <a:t>. </a:t>
             </a:r>
             <a:r>
-              <a:rPr lang="ko-KR" altLang="en-US" sz="2000" b="0" dirty="0"/>
-              <a:t>인덱스를 사용해서 검색하면 객체의 레퍼런스를 사용해서 객체 정보를 반환합니다</a:t>
-            </a:r>
-            <a:r>
-              <a:rPr lang="en-US" altLang="ko-KR" sz="2000" b="0" dirty="0"/>
-              <a:t>.</a:t>
-            </a:r>
-          </a:p>
-          <a:p>
-            <a:pPr marL="422041" indent="-422041">
-              <a:buFont typeface="Arial" panose="020B0604020202020204" pitchFamily="34" charset="0"/>
-              <a:buChar char="•"/>
-            </a:pPr>
-            <a:r>
-              <a:rPr lang="ko-KR" altLang="en-US" sz="2000" dirty="0"/>
-              <a:t>리스트도 배열이지만 내부의 원소는 다양한 자료형을 모두 가질 수 있습니다</a:t>
-            </a:r>
-            <a:r>
-              <a:rPr lang="en-US" altLang="ko-KR" sz="2000" dirty="0"/>
+              <a:rPr lang="ko-KR" altLang="en-US" sz="2000" dirty="0">
+                <a:latin typeface="나눔스퀘어" panose="020B0600000101010101" pitchFamily="50" charset="-127"/>
+                <a:ea typeface="나눔스퀘어" panose="020B0600000101010101" pitchFamily="50" charset="-127"/>
+              </a:rPr>
+              <a:t> 원소를 하나 검색할 때 인덱스를 사용합니다</a:t>
+            </a:r>
+            <a:r>
+              <a:rPr lang="en-US" altLang="ko-KR" sz="2000" dirty="0">
+                <a:latin typeface="나눔스퀘어" panose="020B0600000101010101" pitchFamily="50" charset="-127"/>
+                <a:ea typeface="나눔스퀘어" panose="020B0600000101010101" pitchFamily="50" charset="-127"/>
+              </a:rPr>
               <a:t>. </a:t>
             </a:r>
-            <a:endParaRPr lang="en-US" altLang="ko-KR" sz="2000" b="0" dirty="0"/>
+            <a:endParaRPr lang="ko-KR" altLang="en-US" sz="2000" b="0" dirty="0">
+              <a:latin typeface="나눔스퀘어" panose="020B0600000101010101" pitchFamily="50" charset="-127"/>
+              <a:ea typeface="나눔스퀘어" panose="020B0600000101010101" pitchFamily="50" charset="-127"/>
+            </a:endParaRPr>
           </a:p>
         </p:txBody>
       </p:sp>
       <p:sp>
         <p:nvSpPr>
-          <p:cNvPr id="10" name="텍스트 개체 틀 3">
+          <p:cNvPr id="11" name="텍스트 개체 틀 3">
             <a:extLst>
               <a:ext uri="{FF2B5EF4-FFF2-40B4-BE49-F238E27FC236}">
-                <a16:creationId xmlns:a16="http://schemas.microsoft.com/office/drawing/2014/main" id="{7056A183-B26F-4453-8A67-02D442D85E32}"/>
+                <a16:creationId xmlns:a16="http://schemas.microsoft.com/office/drawing/2014/main" id="{26F8D7AF-1CA2-4499-AB18-D59C47898D31}"/>
               </a:ext>
             </a:extLst>
           </p:cNvPr>
@@ -9777,8 +9263,8 @@
         </p:nvSpPr>
         <p:spPr>
           <a:xfrm>
-            <a:off x="1289014" y="1316368"/>
-            <a:ext cx="4272690" cy="414638"/>
+            <a:off x="1289014" y="1350959"/>
+            <a:ext cx="3204658" cy="479425"/>
           </a:xfrm>
           <a:prstGeom prst="rect">
             <a:avLst/>
@@ -9952,6 +9438,7 @@
           </a:lstStyle>
           <a:p>
             <a:pPr marL="0" indent="0">
+              <a:buFont typeface="Arial" panose="020B0604020202020204" pitchFamily="34" charset="0"/>
               <a:buNone/>
             </a:pPr>
             <a:r>
@@ -9962,24 +9449,22 @@
                 <a:latin typeface="HY헤드라인M" panose="02030600000101010101" pitchFamily="18" charset="-127"/>
                 <a:ea typeface="HY헤드라인M" panose="02030600000101010101" pitchFamily="18" charset="-127"/>
               </a:rPr>
-              <a:t>리스트 구조</a:t>
+              <a:t>리스트 인덱스 검색</a:t>
             </a:r>
             <a:endParaRPr lang="en-US" altLang="ko-KR" sz="2400" dirty="0">
               <a:solidFill>
                 <a:schemeClr val="bg1"/>
               </a:solidFill>
-              <a:latin typeface="HY헤드라인M" panose="02030600000101010101" pitchFamily="18" charset="-127"/>
-              <a:ea typeface="HY헤드라인M" panose="02030600000101010101" pitchFamily="18" charset="-127"/>
             </a:endParaRPr>
           </a:p>
         </p:txBody>
       </p:sp>
       <p:pic>
         <p:nvPicPr>
-          <p:cNvPr id="3" name="그림 2">
+          <p:cNvPr id="8" name="그림 7">
             <a:extLst>
               <a:ext uri="{FF2B5EF4-FFF2-40B4-BE49-F238E27FC236}">
-                <a16:creationId xmlns:a16="http://schemas.microsoft.com/office/drawing/2014/main" id="{A77812F2-5B56-4BF9-BD7A-0F11D8B1C16B}"/>
+                <a16:creationId xmlns:a16="http://schemas.microsoft.com/office/drawing/2014/main" id="{E55E94A7-20A0-4B8C-987C-06FC70229C1F}"/>
               </a:ext>
             </a:extLst>
           </p:cNvPr>
@@ -9996,8 +9481,8 @@
         </p:blipFill>
         <p:spPr>
           <a:xfrm>
-            <a:off x="1000889" y="2390862"/>
-            <a:ext cx="4390333" cy="3518093"/>
+            <a:off x="5542026" y="3452070"/>
+            <a:ext cx="5238750" cy="1609550"/>
           </a:xfrm>
           <a:prstGeom prst="rect">
             <a:avLst/>
@@ -10006,10 +9491,10 @@
       </p:pic>
       <p:pic>
         <p:nvPicPr>
-          <p:cNvPr id="5" name="그림 4">
+          <p:cNvPr id="10" name="그림 9">
             <a:extLst>
               <a:ext uri="{FF2B5EF4-FFF2-40B4-BE49-F238E27FC236}">
-                <a16:creationId xmlns:a16="http://schemas.microsoft.com/office/drawing/2014/main" id="{14F01BCB-B99A-4199-B1BD-93286200486C}"/>
+                <a16:creationId xmlns:a16="http://schemas.microsoft.com/office/drawing/2014/main" id="{F16A2F18-0546-40AF-8CAE-CECBFCC47918}"/>
               </a:ext>
             </a:extLst>
           </p:cNvPr>
@@ -10026,8 +9511,38 @@
         </p:blipFill>
         <p:spPr>
           <a:xfrm>
-            <a:off x="6096000" y="4427290"/>
-            <a:ext cx="5010150" cy="1772174"/>
+            <a:off x="1586335" y="3110537"/>
+            <a:ext cx="2447925" cy="1276350"/>
+          </a:xfrm>
+          <a:prstGeom prst="rect">
+            <a:avLst/>
+          </a:prstGeom>
+        </p:spPr>
+      </p:pic>
+      <p:pic>
+        <p:nvPicPr>
+          <p:cNvPr id="13" name="그림 12">
+            <a:extLst>
+              <a:ext uri="{FF2B5EF4-FFF2-40B4-BE49-F238E27FC236}">
+                <a16:creationId xmlns:a16="http://schemas.microsoft.com/office/drawing/2014/main" id="{5CDAEF83-3023-420A-B015-C7C793905D86}"/>
+              </a:ext>
+            </a:extLst>
+          </p:cNvPr>
+          <p:cNvPicPr>
+            <a:picLocks noChangeAspect="1"/>
+          </p:cNvPicPr>
+          <p:nvPr/>
+        </p:nvPicPr>
+        <p:blipFill>
+          <a:blip r:embed="rId4"/>
+          <a:stretch>
+            <a:fillRect/>
+          </a:stretch>
+        </p:blipFill>
+        <p:spPr>
+          <a:xfrm>
+            <a:off x="1248198" y="4779086"/>
+            <a:ext cx="3124200" cy="1409700"/>
           </a:xfrm>
           <a:prstGeom prst="rect">
             <a:avLst/>
@@ -10037,7 +9552,7 @@
     </p:spTree>
     <p:extLst>
       <p:ext uri="{BB962C8B-B14F-4D97-AF65-F5344CB8AC3E}">
-        <p14:creationId xmlns:p14="http://schemas.microsoft.com/office/powerpoint/2010/main" val="3598554943"/>
+        <p14:creationId xmlns:p14="http://schemas.microsoft.com/office/powerpoint/2010/main" val="2836767892"/>
       </p:ext>
     </p:extLst>
   </p:cSld>
@@ -10102,21 +9617,7 @@
                 <a:latin typeface="나눔스퀘어" panose="020B0600000101010101" pitchFamily="50" charset="-127"/>
                 <a:ea typeface="나눔스퀘어" panose="020B0600000101010101" pitchFamily="50" charset="-127"/>
               </a:rPr>
-              <a:t>리스트 내의 원소는 </a:t>
-            </a:r>
-            <a:r>
-              <a:rPr lang="en-US" altLang="ko-KR" sz="2000" b="0" dirty="0">
-                <a:latin typeface="나눔스퀘어" panose="020B0600000101010101" pitchFamily="50" charset="-127"/>
-                <a:ea typeface="나눔스퀘어" panose="020B0600000101010101" pitchFamily="50" charset="-127"/>
-              </a:rPr>
-              <a:t>index </a:t>
-            </a:r>
-            <a:r>
-              <a:rPr lang="ko-KR" altLang="en-US" sz="2000" b="0" dirty="0">
-                <a:latin typeface="나눔스퀘어" panose="020B0600000101010101" pitchFamily="50" charset="-127"/>
-                <a:ea typeface="나눔스퀘어" panose="020B0600000101010101" pitchFamily="50" charset="-127"/>
-              </a:rPr>
-              <a:t>라는 정보를 가집니다</a:t>
+              <a:t>리스트 내에 리스트가 내포된 경우에 인덱스는 각각 지정됩니다</a:t>
             </a:r>
             <a:r>
               <a:rPr lang="en-US" altLang="ko-KR" sz="2000" b="0" dirty="0">
@@ -10126,11 +9627,18 @@
               <a:t>. </a:t>
             </a:r>
             <a:r>
+              <a:rPr lang="en-US" altLang="ko-KR" sz="2000" dirty="0">
+                <a:latin typeface="나눔스퀘어" panose="020B0600000101010101" pitchFamily="50" charset="-127"/>
+                <a:ea typeface="나눔스퀘어" panose="020B0600000101010101" pitchFamily="50" charset="-127"/>
+              </a:rPr>
+              <a:t>Enumerate</a:t>
+            </a:r>
+            <a:r>
               <a:rPr lang="ko-KR" altLang="en-US" sz="2000" dirty="0">
                 <a:latin typeface="나눔스퀘어" panose="020B0600000101010101" pitchFamily="50" charset="-127"/>
                 <a:ea typeface="나눔스퀘어" panose="020B0600000101010101" pitchFamily="50" charset="-127"/>
               </a:rPr>
-              <a:t> 원소를 하나 검색할 때 인덱스를 사용합니다</a:t>
+              <a:t>를 사용해 인덱스 정보를 가져와서 출력해봅니다</a:t>
             </a:r>
             <a:r>
               <a:rPr lang="en-US" altLang="ko-KR" sz="2000" dirty="0">
@@ -10163,7 +9671,7 @@
         <p:spPr>
           <a:xfrm>
             <a:off x="1289014" y="1350959"/>
-            <a:ext cx="3204658" cy="479425"/>
+            <a:ext cx="3761158" cy="479425"/>
           </a:xfrm>
           <a:prstGeom prst="rect">
             <a:avLst/>
@@ -10341,14 +9849,14 @@
               <a:buNone/>
             </a:pPr>
             <a:r>
-              <a:rPr lang="ko-KR" altLang="en-US" sz="2400" dirty="0">
+              <a:rPr lang="ko-KR" altLang="en-US" sz="2400">
                 <a:solidFill>
                   <a:schemeClr val="bg1"/>
                 </a:solidFill>
                 <a:latin typeface="HY헤드라인M" panose="02030600000101010101" pitchFamily="18" charset="-127"/>
                 <a:ea typeface="HY헤드라인M" panose="02030600000101010101" pitchFamily="18" charset="-127"/>
               </a:rPr>
-              <a:t>리스트 인덱스 검색</a:t>
+              <a:t>리스트 내의 리스트 검색</a:t>
             </a:r>
             <a:endParaRPr lang="en-US" altLang="ko-KR" sz="2400" dirty="0">
               <a:solidFill>
@@ -10360,10 +9868,10 @@
       </p:sp>
       <p:pic>
         <p:nvPicPr>
-          <p:cNvPr id="8" name="그림 7">
+          <p:cNvPr id="2" name="그림 1">
             <a:extLst>
               <a:ext uri="{FF2B5EF4-FFF2-40B4-BE49-F238E27FC236}">
-                <a16:creationId xmlns:a16="http://schemas.microsoft.com/office/drawing/2014/main" id="{E55E94A7-20A0-4B8C-987C-06FC70229C1F}"/>
+                <a16:creationId xmlns:a16="http://schemas.microsoft.com/office/drawing/2014/main" id="{281C9076-5CEF-4127-87B0-01122194CF42}"/>
               </a:ext>
             </a:extLst>
           </p:cNvPr>
@@ -10380,8 +9888,8 @@
         </p:blipFill>
         <p:spPr>
           <a:xfrm>
-            <a:off x="5542026" y="3452070"/>
-            <a:ext cx="5238750" cy="1609550"/>
+            <a:off x="1248198" y="3361345"/>
+            <a:ext cx="3869086" cy="1898551"/>
           </a:xfrm>
           <a:prstGeom prst="rect">
             <a:avLst/>
@@ -10390,10 +9898,10 @@
       </p:pic>
       <p:pic>
         <p:nvPicPr>
-          <p:cNvPr id="10" name="그림 9">
+          <p:cNvPr id="5" name="그림 4">
             <a:extLst>
               <a:ext uri="{FF2B5EF4-FFF2-40B4-BE49-F238E27FC236}">
-                <a16:creationId xmlns:a16="http://schemas.microsoft.com/office/drawing/2014/main" id="{F16A2F18-0546-40AF-8CAE-CECBFCC47918}"/>
+                <a16:creationId xmlns:a16="http://schemas.microsoft.com/office/drawing/2014/main" id="{20688FBE-1F57-4DCE-8334-3ED27E12B360}"/>
               </a:ext>
             </a:extLst>
           </p:cNvPr>
@@ -10410,38 +9918,8 @@
         </p:blipFill>
         <p:spPr>
           <a:xfrm>
-            <a:off x="1586335" y="3110537"/>
-            <a:ext cx="2447925" cy="1276350"/>
-          </a:xfrm>
-          <a:prstGeom prst="rect">
-            <a:avLst/>
-          </a:prstGeom>
-        </p:spPr>
-      </p:pic>
-      <p:pic>
-        <p:nvPicPr>
-          <p:cNvPr id="13" name="그림 12">
-            <a:extLst>
-              <a:ext uri="{FF2B5EF4-FFF2-40B4-BE49-F238E27FC236}">
-                <a16:creationId xmlns:a16="http://schemas.microsoft.com/office/drawing/2014/main" id="{5CDAEF83-3023-420A-B015-C7C793905D86}"/>
-              </a:ext>
-            </a:extLst>
-          </p:cNvPr>
-          <p:cNvPicPr>
-            <a:picLocks noChangeAspect="1"/>
-          </p:cNvPicPr>
-          <p:nvPr/>
-        </p:nvPicPr>
-        <p:blipFill>
-          <a:blip r:embed="rId4"/>
-          <a:stretch>
-            <a:fillRect/>
-          </a:stretch>
-        </p:blipFill>
-        <p:spPr>
-          <a:xfrm>
-            <a:off x="1248198" y="4779086"/>
-            <a:ext cx="3124200" cy="1409700"/>
+            <a:off x="5393640" y="3135631"/>
+            <a:ext cx="5095875" cy="2510160"/>
           </a:xfrm>
           <a:prstGeom prst="rect">
             <a:avLst/>
@@ -10451,7 +9929,7 @@
     </p:spTree>
     <p:extLst>
       <p:ext uri="{BB962C8B-B14F-4D97-AF65-F5344CB8AC3E}">
-        <p14:creationId xmlns:p14="http://schemas.microsoft.com/office/powerpoint/2010/main" val="2836767892"/>
+        <p14:creationId xmlns:p14="http://schemas.microsoft.com/office/powerpoint/2010/main" val="2247862651"/>
       </p:ext>
     </p:extLst>
   </p:cSld>
@@ -10490,8 +9968,8 @@
         </p:nvSpPr>
         <p:spPr>
           <a:xfrm>
-            <a:off x="911139" y="1806843"/>
-            <a:ext cx="9869637" cy="982077"/>
+            <a:off x="5679347" y="1774442"/>
+            <a:ext cx="5511764" cy="1842594"/>
           </a:xfrm>
           <a:prstGeom prst="rect">
             <a:avLst/>
@@ -10501,9 +9979,12 @@
           <a:bodyPr/>
           <a:lstStyle/>
           <a:p>
-            <a:endParaRPr lang="en-US" altLang="ko-KR" sz="2000" dirty="0">
-              <a:latin typeface="나눔스퀘어" panose="020B0600000101010101" pitchFamily="50" charset="-127"/>
-              <a:ea typeface="나눔스퀘어" panose="020B0600000101010101" pitchFamily="50" charset="-127"/>
+            <a:pPr marL="0" indent="0">
+              <a:buNone/>
+            </a:pPr>
+            <a:endParaRPr lang="en-US" altLang="ko-KR" sz="1969" dirty="0">
+              <a:latin typeface="HY헤드라인M" panose="02030600000101010101" pitchFamily="18" charset="-127"/>
+              <a:ea typeface="HY헤드라인M" panose="02030600000101010101" pitchFamily="18" charset="-127"/>
             </a:endParaRPr>
           </a:p>
           <a:p>
@@ -10512,53 +9993,59 @@
               <a:buChar char="•"/>
             </a:pPr>
             <a:r>
-              <a:rPr lang="ko-KR" altLang="en-US" sz="2000" b="0" dirty="0">
-                <a:latin typeface="나눔스퀘어" panose="020B0600000101010101" pitchFamily="50" charset="-127"/>
-                <a:ea typeface="나눔스퀘어" panose="020B0600000101010101" pitchFamily="50" charset="-127"/>
-              </a:rPr>
-              <a:t>리스트 내에 리스트가 내포된 경우에 인덱스는 각각 지정됩니다</a:t>
-            </a:r>
-            <a:r>
-              <a:rPr lang="en-US" altLang="ko-KR" sz="2000" b="0" dirty="0">
-                <a:latin typeface="나눔스퀘어" panose="020B0600000101010101" pitchFamily="50" charset="-127"/>
-                <a:ea typeface="나눔스퀘어" panose="020B0600000101010101" pitchFamily="50" charset="-127"/>
-              </a:rPr>
+              <a:rPr lang="ko-KR" altLang="en-US" sz="2000" b="0" dirty="0"/>
+              <a:t>다차원 배열을 제공하는 넘파이는  별도로 설치해야 하는 라이브러리입니다</a:t>
+            </a:r>
+            <a:r>
+              <a:rPr lang="en-US" altLang="ko-KR" sz="2000" b="0" dirty="0"/>
+              <a:t>.</a:t>
+            </a:r>
+          </a:p>
+          <a:p>
+            <a:pPr marL="422041" indent="-422041">
+              <a:buFont typeface="Arial" panose="020B0604020202020204" pitchFamily="34" charset="0"/>
+              <a:buChar char="•"/>
+            </a:pPr>
+            <a:r>
+              <a:rPr lang="ko-KR" altLang="en-US" sz="2000" b="0" dirty="0"/>
+              <a:t>넘파이 모듈을 사용하려면 먼저 </a:t>
+            </a:r>
+            <a:r>
+              <a:rPr lang="en-US" altLang="ko-KR" sz="2000" b="0" dirty="0"/>
+              <a:t>import</a:t>
+            </a:r>
+            <a:r>
+              <a:rPr lang="ko-KR" altLang="en-US" sz="2000" b="0" dirty="0"/>
+              <a:t>를 합니다</a:t>
+            </a:r>
+            <a:r>
+              <a:rPr lang="en-US" altLang="ko-KR" sz="2000" b="0" dirty="0"/>
               <a:t>. </a:t>
             </a:r>
-            <a:r>
-              <a:rPr lang="en-US" altLang="ko-KR" sz="2000" dirty="0">
-                <a:latin typeface="나눔스퀘어" panose="020B0600000101010101" pitchFamily="50" charset="-127"/>
-                <a:ea typeface="나눔스퀘어" panose="020B0600000101010101" pitchFamily="50" charset="-127"/>
-              </a:rPr>
-              <a:t>Enumerate</a:t>
-            </a:r>
-            <a:r>
-              <a:rPr lang="ko-KR" altLang="en-US" sz="2000" dirty="0">
-                <a:latin typeface="나눔스퀘어" panose="020B0600000101010101" pitchFamily="50" charset="-127"/>
-                <a:ea typeface="나눔스퀘어" panose="020B0600000101010101" pitchFamily="50" charset="-127"/>
-              </a:rPr>
-              <a:t>를 사용해 인덱스 정보를 가져와서 출력해봅니다</a:t>
-            </a:r>
-            <a:r>
-              <a:rPr lang="en-US" altLang="ko-KR" sz="2000" dirty="0">
-                <a:latin typeface="나눔스퀘어" panose="020B0600000101010101" pitchFamily="50" charset="-127"/>
-                <a:ea typeface="나눔스퀘어" panose="020B0600000101010101" pitchFamily="50" charset="-127"/>
-              </a:rPr>
-              <a:t>. </a:t>
-            </a:r>
-            <a:endParaRPr lang="ko-KR" altLang="en-US" sz="2000" b="0" dirty="0">
-              <a:latin typeface="나눔스퀘어" panose="020B0600000101010101" pitchFamily="50" charset="-127"/>
-              <a:ea typeface="나눔스퀘어" panose="020B0600000101010101" pitchFamily="50" charset="-127"/>
-            </a:endParaRPr>
+          </a:p>
+          <a:p>
+            <a:pPr marL="422041" indent="-422041">
+              <a:buFont typeface="Arial" panose="020B0604020202020204" pitchFamily="34" charset="0"/>
+              <a:buChar char="•"/>
+            </a:pPr>
+            <a:r>
+              <a:rPr lang="ko-KR" altLang="en-US" sz="2000" dirty="0"/>
+              <a:t>다차원 배열은 하나의 자료형으로 구성된 원소로 처리됩니다</a:t>
+            </a:r>
+            <a:r>
+              <a:rPr lang="en-US" altLang="ko-KR" sz="2000" dirty="0"/>
+              <a:t>.</a:t>
+            </a:r>
+            <a:endParaRPr lang="en-US" altLang="ko-KR" sz="2000" b="0" dirty="0"/>
           </a:p>
         </p:txBody>
       </p:sp>
       <p:sp>
         <p:nvSpPr>
-          <p:cNvPr id="11" name="텍스트 개체 틀 3">
+          <p:cNvPr id="10" name="텍스트 개체 틀 3">
             <a:extLst>
               <a:ext uri="{FF2B5EF4-FFF2-40B4-BE49-F238E27FC236}">
-                <a16:creationId xmlns:a16="http://schemas.microsoft.com/office/drawing/2014/main" id="{26F8D7AF-1CA2-4499-AB18-D59C47898D31}"/>
+                <a16:creationId xmlns:a16="http://schemas.microsoft.com/office/drawing/2014/main" id="{7056A183-B26F-4453-8A67-02D442D85E32}"/>
               </a:ext>
             </a:extLst>
           </p:cNvPr>
@@ -10569,8 +10056,8 @@
         </p:nvSpPr>
         <p:spPr>
           <a:xfrm>
-            <a:off x="1289014" y="1350959"/>
-            <a:ext cx="3761158" cy="479425"/>
+            <a:off x="1289014" y="1316368"/>
+            <a:ext cx="4272690" cy="414638"/>
           </a:xfrm>
           <a:prstGeom prst="rect">
             <a:avLst/>
@@ -10744,33 +10231,34 @@
           </a:lstStyle>
           <a:p>
             <a:pPr marL="0" indent="0">
-              <a:buFont typeface="Arial" panose="020B0604020202020204" pitchFamily="34" charset="0"/>
               <a:buNone/>
             </a:pPr>
             <a:r>
-              <a:rPr lang="ko-KR" altLang="en-US" sz="2400">
+              <a:rPr lang="ko-KR" altLang="en-US" sz="2400" dirty="0">
                 <a:solidFill>
                   <a:schemeClr val="bg1"/>
                 </a:solidFill>
                 <a:latin typeface="HY헤드라인M" panose="02030600000101010101" pitchFamily="18" charset="-127"/>
                 <a:ea typeface="HY헤드라인M" panose="02030600000101010101" pitchFamily="18" charset="-127"/>
               </a:rPr>
-              <a:t>리스트 내의 리스트 검색</a:t>
+              <a:t>다차원 배열 구조</a:t>
             </a:r>
             <a:endParaRPr lang="en-US" altLang="ko-KR" sz="2400" dirty="0">
               <a:solidFill>
                 <a:schemeClr val="bg1"/>
               </a:solidFill>
+              <a:latin typeface="HY헤드라인M" panose="02030600000101010101" pitchFamily="18" charset="-127"/>
+              <a:ea typeface="HY헤드라인M" panose="02030600000101010101" pitchFamily="18" charset="-127"/>
             </a:endParaRPr>
           </a:p>
         </p:txBody>
       </p:sp>
       <p:pic>
         <p:nvPicPr>
-          <p:cNvPr id="2" name="그림 1">
+          <p:cNvPr id="6" name="그림 5">
             <a:extLst>
               <a:ext uri="{FF2B5EF4-FFF2-40B4-BE49-F238E27FC236}">
-                <a16:creationId xmlns:a16="http://schemas.microsoft.com/office/drawing/2014/main" id="{281C9076-5CEF-4127-87B0-01122194CF42}"/>
+                <a16:creationId xmlns:a16="http://schemas.microsoft.com/office/drawing/2014/main" id="{66C6D9CE-1F97-41D0-B4DF-5487478E036E}"/>
               </a:ext>
             </a:extLst>
           </p:cNvPr>
@@ -10787,8 +10275,8 @@
         </p:blipFill>
         <p:spPr>
           <a:xfrm>
-            <a:off x="1248198" y="3361345"/>
-            <a:ext cx="3869086" cy="1898551"/>
+            <a:off x="1289014" y="2413495"/>
+            <a:ext cx="3924300" cy="2713500"/>
           </a:xfrm>
           <a:prstGeom prst="rect">
             <a:avLst/>
@@ -10797,10 +10285,10 @@
       </p:pic>
       <p:pic>
         <p:nvPicPr>
-          <p:cNvPr id="5" name="그림 4">
+          <p:cNvPr id="8" name="그림 7">
             <a:extLst>
               <a:ext uri="{FF2B5EF4-FFF2-40B4-BE49-F238E27FC236}">
-                <a16:creationId xmlns:a16="http://schemas.microsoft.com/office/drawing/2014/main" id="{20688FBE-1F57-4DCE-8334-3ED27E12B360}"/>
+                <a16:creationId xmlns:a16="http://schemas.microsoft.com/office/drawing/2014/main" id="{0B326AD9-69DB-4474-9B34-4A01CB872CBA}"/>
               </a:ext>
             </a:extLst>
           </p:cNvPr>
@@ -10817,8 +10305,8 @@
         </p:blipFill>
         <p:spPr>
           <a:xfrm>
-            <a:off x="5393640" y="3135631"/>
-            <a:ext cx="5095875" cy="2510160"/>
+            <a:off x="5990461" y="4575801"/>
+            <a:ext cx="5200650" cy="1321659"/>
           </a:xfrm>
           <a:prstGeom prst="rect">
             <a:avLst/>
@@ -10828,7 +10316,7 @@
     </p:spTree>
     <p:extLst>
       <p:ext uri="{BB962C8B-B14F-4D97-AF65-F5344CB8AC3E}">
-        <p14:creationId xmlns:p14="http://schemas.microsoft.com/office/powerpoint/2010/main" val="2247862651"/>
+        <p14:creationId xmlns:p14="http://schemas.microsoft.com/office/powerpoint/2010/main" val="2765216514"/>
       </p:ext>
     </p:extLst>
   </p:cSld>
@@ -10867,8 +10355,8 @@
         </p:nvSpPr>
         <p:spPr>
           <a:xfrm>
-            <a:off x="5679347" y="1774442"/>
-            <a:ext cx="5511764" cy="1842594"/>
+            <a:off x="1009650" y="1535621"/>
+            <a:ext cx="10130407" cy="1524394"/>
           </a:xfrm>
           <a:prstGeom prst="rect">
             <a:avLst/>
@@ -10893,11 +10381,19 @@
             </a:pPr>
             <a:r>
               <a:rPr lang="ko-KR" altLang="en-US" sz="2000" b="0" dirty="0"/>
-              <a:t>다차원 배열을 제공하는 넘파이는  별도로 설치해야 하는 라이브러리입니다</a:t>
+              <a:t>다차원 배열은 </a:t>
             </a:r>
             <a:r>
               <a:rPr lang="en-US" altLang="ko-KR" sz="2000" b="0" dirty="0"/>
-              <a:t>.</a:t>
+              <a:t>ndarray </a:t>
+            </a:r>
+            <a:r>
+              <a:rPr lang="ko-KR" altLang="en-US" sz="2000" b="0" dirty="0"/>
+              <a:t>클래스 입니다</a:t>
+            </a:r>
+            <a:r>
+              <a:rPr lang="en-US" altLang="ko-KR" sz="2000" b="0" dirty="0"/>
+              <a:t>.  </a:t>
             </a:r>
           </a:p>
           <a:p>
@@ -10906,34 +10402,12 @@
               <a:buChar char="•"/>
             </a:pPr>
             <a:r>
-              <a:rPr lang="ko-KR" altLang="en-US" sz="2000" b="0" dirty="0"/>
-              <a:t>넘파이 모듈을 사용하려면 먼저 </a:t>
-            </a:r>
-            <a:r>
-              <a:rPr lang="en-US" altLang="ko-KR" sz="2000" b="0" dirty="0"/>
-              <a:t>import</a:t>
-            </a:r>
-            <a:r>
-              <a:rPr lang="ko-KR" altLang="en-US" sz="2000" b="0" dirty="0"/>
-              <a:t>를 합니다</a:t>
-            </a:r>
-            <a:r>
-              <a:rPr lang="en-US" altLang="ko-KR" sz="2000" b="0" dirty="0"/>
+              <a:rPr lang="ko-KR" altLang="en-US" sz="2000" dirty="0"/>
+              <a:t>다차원 배열의 정보를 관리하는 다양한 속성을 가집니다</a:t>
+            </a:r>
+            <a:r>
+              <a:rPr lang="en-US" altLang="ko-KR" sz="2000" dirty="0"/>
               <a:t>. </a:t>
-            </a:r>
-          </a:p>
-          <a:p>
-            <a:pPr marL="422041" indent="-422041">
-              <a:buFont typeface="Arial" panose="020B0604020202020204" pitchFamily="34" charset="0"/>
-              <a:buChar char="•"/>
-            </a:pPr>
-            <a:r>
-              <a:rPr lang="ko-KR" altLang="en-US" sz="2000" dirty="0"/>
-              <a:t>다차원 배열은 하나의 자료형으로 구성된 원소로 처리됩니다</a:t>
-            </a:r>
-            <a:r>
-              <a:rPr lang="en-US" altLang="ko-KR" sz="2000" dirty="0"/>
-              <a:t>.</a:t>
             </a:r>
             <a:endParaRPr lang="en-US" altLang="ko-KR" sz="2000" b="0" dirty="0"/>
           </a:p>
@@ -11140,7 +10614,7 @@
                 <a:latin typeface="HY헤드라인M" panose="02030600000101010101" pitchFamily="18" charset="-127"/>
                 <a:ea typeface="HY헤드라인M" panose="02030600000101010101" pitchFamily="18" charset="-127"/>
               </a:rPr>
-              <a:t>다차원 배열 구조</a:t>
+              <a:t>다차원 배열  클래스</a:t>
             </a:r>
             <a:endParaRPr lang="en-US" altLang="ko-KR" sz="2400" dirty="0">
               <a:solidFill>
@@ -11154,10 +10628,10 @@
       </p:sp>
       <p:pic>
         <p:nvPicPr>
-          <p:cNvPr id="6" name="그림 5">
+          <p:cNvPr id="3" name="그림 2">
             <a:extLst>
               <a:ext uri="{FF2B5EF4-FFF2-40B4-BE49-F238E27FC236}">
-                <a16:creationId xmlns:a16="http://schemas.microsoft.com/office/drawing/2014/main" id="{66C6D9CE-1F97-41D0-B4DF-5487478E036E}"/>
+                <a16:creationId xmlns:a16="http://schemas.microsoft.com/office/drawing/2014/main" id="{75EF115F-11DB-4EA6-8AE3-755B496D5A3D}"/>
               </a:ext>
             </a:extLst>
           </p:cNvPr>
@@ -11174,8 +10648,8 @@
         </p:blipFill>
         <p:spPr>
           <a:xfrm>
-            <a:off x="1289014" y="2413495"/>
-            <a:ext cx="3924300" cy="2713500"/>
+            <a:off x="733425" y="3797985"/>
+            <a:ext cx="5133975" cy="1743647"/>
           </a:xfrm>
           <a:prstGeom prst="rect">
             <a:avLst/>
@@ -11184,10 +10658,10 @@
       </p:pic>
       <p:pic>
         <p:nvPicPr>
-          <p:cNvPr id="8" name="그림 7">
+          <p:cNvPr id="7" name="그림 6">
             <a:extLst>
               <a:ext uri="{FF2B5EF4-FFF2-40B4-BE49-F238E27FC236}">
-                <a16:creationId xmlns:a16="http://schemas.microsoft.com/office/drawing/2014/main" id="{0B326AD9-69DB-4474-9B34-4A01CB872CBA}"/>
+                <a16:creationId xmlns:a16="http://schemas.microsoft.com/office/drawing/2014/main" id="{40A1FEFE-DAAF-47B7-AA3B-9ABAEDCE2B13}"/>
               </a:ext>
             </a:extLst>
           </p:cNvPr>
@@ -11204,8 +10678,8 @@
         </p:blipFill>
         <p:spPr>
           <a:xfrm>
-            <a:off x="5990461" y="4575801"/>
-            <a:ext cx="5200650" cy="1321659"/>
+            <a:off x="6074853" y="2849118"/>
+            <a:ext cx="5086350" cy="3390900"/>
           </a:xfrm>
           <a:prstGeom prst="rect">
             <a:avLst/>
@@ -11215,7 +10689,7 @@
     </p:spTree>
     <p:extLst>
       <p:ext uri="{BB962C8B-B14F-4D97-AF65-F5344CB8AC3E}">
-        <p14:creationId xmlns:p14="http://schemas.microsoft.com/office/powerpoint/2010/main" val="2765216514"/>
+        <p14:creationId xmlns:p14="http://schemas.microsoft.com/office/powerpoint/2010/main" val="465164972"/>
       </p:ext>
     </p:extLst>
   </p:cSld>
@@ -11280,19 +10754,19 @@
             </a:pPr>
             <a:r>
               <a:rPr lang="ko-KR" altLang="en-US" sz="2000" b="0" dirty="0"/>
-              <a:t>다차원 배열은 </a:t>
+              <a:t>다차원 배열은 보통 </a:t>
             </a:r>
             <a:r>
               <a:rPr lang="en-US" altLang="ko-KR" sz="2000" b="0" dirty="0"/>
-              <a:t>ndarray </a:t>
+              <a:t>array </a:t>
             </a:r>
             <a:r>
               <a:rPr lang="ko-KR" altLang="en-US" sz="2000" b="0" dirty="0"/>
-              <a:t>클래스 입니다</a:t>
+              <a:t>함수를 사용해서 만듭니다</a:t>
             </a:r>
             <a:r>
               <a:rPr lang="en-US" altLang="ko-KR" sz="2000" b="0" dirty="0"/>
-              <a:t>.  </a:t>
+              <a:t>. </a:t>
             </a:r>
           </a:p>
           <a:p>
@@ -11301,14 +10775,13 @@
               <a:buChar char="•"/>
             </a:pPr>
             <a:r>
-              <a:rPr lang="ko-KR" altLang="en-US" sz="2000" dirty="0"/>
-              <a:t>다차원 배열의 정보를 관리하는 다양한 속성을 가집니다</a:t>
-            </a:r>
-            <a:r>
-              <a:rPr lang="en-US" altLang="ko-KR" sz="2000" dirty="0"/>
+              <a:rPr lang="ko-KR" altLang="en-US" sz="2000" b="0" dirty="0"/>
+              <a:t>이 함수에  리스트나 튜플을 인자로  넣고 다차원 배열을 하나 만듭니다</a:t>
+            </a:r>
+            <a:r>
+              <a:rPr lang="en-US" altLang="ko-KR" sz="2000" b="0" dirty="0"/>
               <a:t>. </a:t>
             </a:r>
-            <a:endParaRPr lang="en-US" altLang="ko-KR" sz="2000" b="0" dirty="0"/>
           </a:p>
         </p:txBody>
       </p:sp>
@@ -11513,7 +10986,7 @@
                 <a:latin typeface="HY헤드라인M" panose="02030600000101010101" pitchFamily="18" charset="-127"/>
                 <a:ea typeface="HY헤드라인M" panose="02030600000101010101" pitchFamily="18" charset="-127"/>
               </a:rPr>
-              <a:t>다차원 배열  클래스</a:t>
+              <a:t>다차원 배열  만들기</a:t>
             </a:r>
             <a:endParaRPr lang="en-US" altLang="ko-KR" sz="2400" dirty="0">
               <a:solidFill>
@@ -11527,10 +11000,10 @@
       </p:sp>
       <p:pic>
         <p:nvPicPr>
-          <p:cNvPr id="3" name="그림 2">
+          <p:cNvPr id="5" name="그림 4">
             <a:extLst>
               <a:ext uri="{FF2B5EF4-FFF2-40B4-BE49-F238E27FC236}">
-                <a16:creationId xmlns:a16="http://schemas.microsoft.com/office/drawing/2014/main" id="{75EF115F-11DB-4EA6-8AE3-755B496D5A3D}"/>
+                <a16:creationId xmlns:a16="http://schemas.microsoft.com/office/drawing/2014/main" id="{1F1F72FD-34E2-4346-85C1-EA7097FFFFFE}"/>
               </a:ext>
             </a:extLst>
           </p:cNvPr>
@@ -11547,8 +11020,8 @@
         </p:blipFill>
         <p:spPr>
           <a:xfrm>
-            <a:off x="733425" y="3797985"/>
-            <a:ext cx="5133975" cy="1743647"/>
+            <a:off x="853609" y="3328214"/>
+            <a:ext cx="5143500" cy="2609265"/>
           </a:xfrm>
           <a:prstGeom prst="rect">
             <a:avLst/>
@@ -11557,10 +11030,10 @@
       </p:pic>
       <p:pic>
         <p:nvPicPr>
-          <p:cNvPr id="7" name="그림 6">
+          <p:cNvPr id="8" name="그림 7">
             <a:extLst>
               <a:ext uri="{FF2B5EF4-FFF2-40B4-BE49-F238E27FC236}">
-                <a16:creationId xmlns:a16="http://schemas.microsoft.com/office/drawing/2014/main" id="{40A1FEFE-DAAF-47B7-AA3B-9ABAEDCE2B13}"/>
+                <a16:creationId xmlns:a16="http://schemas.microsoft.com/office/drawing/2014/main" id="{C79AA152-B082-4710-B3E3-06FF15F3BCC6}"/>
               </a:ext>
             </a:extLst>
           </p:cNvPr>
@@ -11577,8 +11050,8 @@
         </p:blipFill>
         <p:spPr>
           <a:xfrm>
-            <a:off x="6074853" y="2849118"/>
-            <a:ext cx="5086350" cy="3390900"/>
+            <a:off x="6153150" y="3328214"/>
+            <a:ext cx="5067300" cy="2103322"/>
           </a:xfrm>
           <a:prstGeom prst="rect">
             <a:avLst/>
@@ -11588,7 +11061,7 @@
     </p:spTree>
     <p:extLst>
       <p:ext uri="{BB962C8B-B14F-4D97-AF65-F5344CB8AC3E}">
-        <p14:creationId xmlns:p14="http://schemas.microsoft.com/office/powerpoint/2010/main" val="465164972"/>
+        <p14:creationId xmlns:p14="http://schemas.microsoft.com/office/powerpoint/2010/main" val="988145808"/>
       </p:ext>
     </p:extLst>
   </p:cSld>

--- a/01장/[넘파이]01장.pptx
+++ b/01장/[넘파이]01장.pptx
@@ -304,7 +304,7 @@
             <a:fld id="{6687BBD7-CCE5-2942-97B4-94371F0B8E1E}" type="datetimeFigureOut">
               <a:rPr kumimoji="1" lang="ko-KR" altLang="en-US" smtClean="0"/>
               <a:pPr/>
-              <a:t>2020-10-05</a:t>
+              <a:t>2020-10-06</a:t>
             </a:fld>
             <a:endParaRPr kumimoji="1" lang="ko-KR" altLang="en-US" dirty="0"/>
           </a:p>
@@ -483,7 +483,7 @@
             <a:fld id="{F1C10679-9C98-6642-B08B-2CF286076737}" type="datetimeFigureOut">
               <a:rPr kumimoji="1" lang="ko-KR" altLang="en-US" smtClean="0"/>
               <a:pPr/>
-              <a:t>2020-10-05</a:t>
+              <a:t>2020-10-06</a:t>
             </a:fld>
             <a:endParaRPr kumimoji="1" lang="ko-KR" altLang="en-US" dirty="0"/>
           </a:p>
@@ -835,7 +835,7 @@
           <a:p>
             <a:fld id="{C764DE79-268F-4C1A-8933-263129D2AF90}" type="datetimeFigureOut">
               <a:rPr lang="en-US" dirty="0"/>
-              <a:t>10/5/2020</a:t>
+              <a:t>10/6/2020</a:t>
             </a:fld>
             <a:endParaRPr lang="en-US" dirty="0"/>
           </a:p>
@@ -4124,6 +4124,40 @@
           </a:prstGeom>
         </p:spPr>
       </p:pic>
+      <p:sp>
+        <p:nvSpPr>
+          <p:cNvPr id="2" name="TextBox 1"/>
+          <p:cNvSpPr txBox="1"/>
+          <p:nvPr/>
+        </p:nvSpPr>
+        <p:spPr>
+          <a:xfrm>
+            <a:off x="9407587" y="698268"/>
+            <a:ext cx="1378904" cy="369332"/>
+          </a:xfrm>
+          <a:prstGeom prst="rect">
+            <a:avLst/>
+          </a:prstGeom>
+          <a:noFill/>
+        </p:spPr>
+        <p:txBody>
+          <a:bodyPr wrap="none" rtlCol="0">
+            <a:spAutoFit/>
+          </a:bodyPr>
+          <a:lstStyle/>
+          <a:p>
+            <a:r>
+              <a:rPr lang="ko-KR" altLang="en-US" dirty="0" smtClean="0"/>
+              <a:t>예제 </a:t>
+            </a:r>
+            <a:r>
+              <a:rPr lang="en-US" altLang="ko-KR" dirty="0" smtClean="0"/>
+              <a:t>1-1-4-1</a:t>
+            </a:r>
+            <a:endParaRPr lang="ko-KR" altLang="en-US" dirty="0"/>
+          </a:p>
+        </p:txBody>
+      </p:sp>
     </p:spTree>
     <p:extLst>
       <p:ext uri="{BB962C8B-B14F-4D97-AF65-F5344CB8AC3E}">
